--- a/streams/docs/induction-state-2012/figures/fission-induction2.pptx
+++ b/streams/docs/induction-state-2012/figures/fission-induction2.pptx
@@ -5,10 +5,10 @@
     <p:sldMasterId id="2147483648" r:id="rId1"/>
   </p:sldMasterIdLst>
   <p:notesMasterIdLst>
-    <p:notesMasterId r:id="rId14"/>
+    <p:notesMasterId r:id="rId16"/>
   </p:notesMasterIdLst>
   <p:handoutMasterIdLst>
-    <p:handoutMasterId r:id="rId15"/>
+    <p:handoutMasterId r:id="rId17"/>
   </p:handoutMasterIdLst>
   <p:sldIdLst>
     <p:sldId id="256" r:id="rId2"/>
@@ -23,6 +23,8 @@
     <p:sldId id="262" r:id="rId11"/>
     <p:sldId id="266" r:id="rId12"/>
     <p:sldId id="267" r:id="rId13"/>
+    <p:sldId id="268" r:id="rId14"/>
+    <p:sldId id="269" r:id="rId15"/>
   </p:sldIdLst>
   <p:sldSz cx="9144000" cy="6858000" type="screen4x3"/>
   <p:notesSz cx="6858000" cy="9144000"/>
@@ -206,7 +208,7 @@
                   <c:v>1.3</c:v>
                 </c:pt>
                 <c:pt idx="3">
-                  <c:v>1.7000000000000004</c:v>
+                  <c:v>1.7000000000000006</c:v>
                 </c:pt>
                 <c:pt idx="4">
                   <c:v>2.5</c:v>
@@ -299,13 +301,13 @@
                   <c:v>1.05</c:v>
                 </c:pt>
                 <c:pt idx="2">
-                  <c:v>1.1499999999999997</c:v>
+                  <c:v>1.1499999999999995</c:v>
                 </c:pt>
                 <c:pt idx="3">
                   <c:v>1.35</c:v>
                 </c:pt>
                 <c:pt idx="4">
-                  <c:v>1.7500000000000002</c:v>
+                  <c:v>1.7500000000000004</c:v>
                 </c:pt>
                 <c:pt idx="5">
                   <c:v>2.5499999999999998</c:v>
@@ -416,7 +418,7 @@
                   <c:v>8.65</c:v>
                 </c:pt>
                 <c:pt idx="9">
-                  <c:v>16.329999999999995</c:v>
+                  <c:v>16.329999999999991</c:v>
                 </c:pt>
               </c:numCache>
             </c:numRef>
@@ -497,7 +499,7 @@
                   <c:v>1.07</c:v>
                 </c:pt>
                 <c:pt idx="4">
-                  <c:v>1.1499999999999997</c:v>
+                  <c:v>1.1499999999999995</c:v>
                 </c:pt>
                 <c:pt idx="5">
                   <c:v>1.31</c:v>
@@ -512,18 +514,18 @@
                   <c:v>3.5500000000000003</c:v>
                 </c:pt>
                 <c:pt idx="9">
-                  <c:v>6.1099999999999994</c:v>
+                  <c:v>6.1099999999999985</c:v>
                 </c:pt>
               </c:numCache>
             </c:numRef>
           </c:val>
         </c:ser>
         <c:marker val="1"/>
-        <c:axId val="61566976"/>
-        <c:axId val="61568896"/>
+        <c:axId val="63066112"/>
+        <c:axId val="63068032"/>
       </c:lineChart>
       <c:catAx>
-        <c:axId val="61566976"/>
+        <c:axId val="63066112"/>
         <c:scaling>
           <c:orientation val="minMax"/>
         </c:scaling>
@@ -549,14 +551,14 @@
         <c:numFmt formatCode="General" sourceLinked="1"/>
         <c:majorTickMark val="none"/>
         <c:tickLblPos val="nextTo"/>
-        <c:crossAx val="61568896"/>
+        <c:crossAx val="63068032"/>
         <c:crosses val="autoZero"/>
         <c:auto val="1"/>
         <c:lblAlgn val="ctr"/>
         <c:lblOffset val="100"/>
       </c:catAx>
       <c:valAx>
-        <c:axId val="61568896"/>
+        <c:axId val="63068032"/>
         <c:scaling>
           <c:orientation val="minMax"/>
         </c:scaling>
@@ -583,7 +585,7 @@
         <c:numFmt formatCode="0" sourceLinked="0"/>
         <c:majorTickMark val="none"/>
         <c:tickLblPos val="nextTo"/>
-        <c:crossAx val="61566976"/>
+        <c:crossAx val="63066112"/>
         <c:crosses val="autoZero"/>
         <c:crossBetween val="between"/>
       </c:valAx>
@@ -594,10 +596,10 @@
         <c:manualLayout>
           <c:xMode val="edge"/>
           <c:yMode val="edge"/>
-          <c:x val="0.19444444444444464"/>
+          <c:x val="0.19444444444444473"/>
           <c:y val="0.13349154272382621"/>
           <c:w val="0.13136111111111121"/>
-          <c:h val="0.33486876640419982"/>
+          <c:h val="0.33486876640419988"/>
         </c:manualLayout>
       </c:layout>
       <c:overlay val="1"/>
@@ -701,7 +703,7 @@
             <a:fld id="{D6533938-991C-4101-B477-6C06EA2D34CE}" type="datetimeFigureOut">
               <a:rPr lang="en-US" smtClean="0"/>
               <a:pPr/>
-              <a:t>4/9/2012</a:t>
+              <a:t>4/10/2012</a:t>
             </a:fld>
             <a:endParaRPr lang="en-US"/>
           </a:p>
@@ -863,7 +865,7 @@
             <a:fld id="{091C2A66-BC0F-40E7-AC34-159177E24112}" type="datetimeFigureOut">
               <a:rPr lang="en-US" smtClean="0"/>
               <a:pPr/>
-              <a:t>4/9/2012</a:t>
+              <a:t>4/10/2012</a:t>
             </a:fld>
             <a:endParaRPr lang="en-US"/>
           </a:p>
@@ -1475,7 +1477,7 @@
             <a:fld id="{132E68CD-F5A8-4944-A4F2-71B895E02366}" type="datetimeFigureOut">
               <a:rPr lang="en-US" smtClean="0"/>
               <a:pPr/>
-              <a:t>4/9/2012</a:t>
+              <a:t>4/10/2012</a:t>
             </a:fld>
             <a:endParaRPr lang="en-US"/>
           </a:p>
@@ -1642,7 +1644,7 @@
             <a:fld id="{132E68CD-F5A8-4944-A4F2-71B895E02366}" type="datetimeFigureOut">
               <a:rPr lang="en-US" smtClean="0"/>
               <a:pPr/>
-              <a:t>4/9/2012</a:t>
+              <a:t>4/10/2012</a:t>
             </a:fld>
             <a:endParaRPr lang="en-US"/>
           </a:p>
@@ -1819,7 +1821,7 @@
             <a:fld id="{132E68CD-F5A8-4944-A4F2-71B895E02366}" type="datetimeFigureOut">
               <a:rPr lang="en-US" smtClean="0"/>
               <a:pPr/>
-              <a:t>4/9/2012</a:t>
+              <a:t>4/10/2012</a:t>
             </a:fld>
             <a:endParaRPr lang="en-US"/>
           </a:p>
@@ -1986,7 +1988,7 @@
             <a:fld id="{132E68CD-F5A8-4944-A4F2-71B895E02366}" type="datetimeFigureOut">
               <a:rPr lang="en-US" smtClean="0"/>
               <a:pPr/>
-              <a:t>4/9/2012</a:t>
+              <a:t>4/10/2012</a:t>
             </a:fld>
             <a:endParaRPr lang="en-US"/>
           </a:p>
@@ -2229,7 +2231,7 @@
             <a:fld id="{132E68CD-F5A8-4944-A4F2-71B895E02366}" type="datetimeFigureOut">
               <a:rPr lang="en-US" smtClean="0"/>
               <a:pPr/>
-              <a:t>4/9/2012</a:t>
+              <a:t>4/10/2012</a:t>
             </a:fld>
             <a:endParaRPr lang="en-US"/>
           </a:p>
@@ -2514,7 +2516,7 @@
             <a:fld id="{132E68CD-F5A8-4944-A4F2-71B895E02366}" type="datetimeFigureOut">
               <a:rPr lang="en-US" smtClean="0"/>
               <a:pPr/>
-              <a:t>4/9/2012</a:t>
+              <a:t>4/10/2012</a:t>
             </a:fld>
             <a:endParaRPr lang="en-US"/>
           </a:p>
@@ -2933,7 +2935,7 @@
             <a:fld id="{132E68CD-F5A8-4944-A4F2-71B895E02366}" type="datetimeFigureOut">
               <a:rPr lang="en-US" smtClean="0"/>
               <a:pPr/>
-              <a:t>4/9/2012</a:t>
+              <a:t>4/10/2012</a:t>
             </a:fld>
             <a:endParaRPr lang="en-US"/>
           </a:p>
@@ -3048,7 +3050,7 @@
             <a:fld id="{132E68CD-F5A8-4944-A4F2-71B895E02366}" type="datetimeFigureOut">
               <a:rPr lang="en-US" smtClean="0"/>
               <a:pPr/>
-              <a:t>4/9/2012</a:t>
+              <a:t>4/10/2012</a:t>
             </a:fld>
             <a:endParaRPr lang="en-US"/>
           </a:p>
@@ -3140,7 +3142,7 @@
             <a:fld id="{132E68CD-F5A8-4944-A4F2-71B895E02366}" type="datetimeFigureOut">
               <a:rPr lang="en-US" smtClean="0"/>
               <a:pPr/>
-              <a:t>4/9/2012</a:t>
+              <a:t>4/10/2012</a:t>
             </a:fld>
             <a:endParaRPr lang="en-US"/>
           </a:p>
@@ -3414,7 +3416,7 @@
             <a:fld id="{132E68CD-F5A8-4944-A4F2-71B895E02366}" type="datetimeFigureOut">
               <a:rPr lang="en-US" smtClean="0"/>
               <a:pPr/>
-              <a:t>4/9/2012</a:t>
+              <a:t>4/10/2012</a:t>
             </a:fld>
             <a:endParaRPr lang="en-US"/>
           </a:p>
@@ -3664,7 +3666,7 @@
             <a:fld id="{132E68CD-F5A8-4944-A4F2-71B895E02366}" type="datetimeFigureOut">
               <a:rPr lang="en-US" smtClean="0"/>
               <a:pPr/>
-              <a:t>4/9/2012</a:t>
+              <a:t>4/10/2012</a:t>
             </a:fld>
             <a:endParaRPr lang="en-US"/>
           </a:p>
@@ -3874,7 +3876,7 @@
             <a:fld id="{132E68CD-F5A8-4944-A4F2-71B895E02366}" type="datetimeFigureOut">
               <a:rPr lang="en-US" smtClean="0"/>
               <a:pPr/>
-              <a:t>4/9/2012</a:t>
+              <a:t>4/10/2012</a:t>
             </a:fld>
             <a:endParaRPr lang="en-US"/>
           </a:p>
@@ -6936,9 +6938,71 @@
                 <a:latin typeface="Consolas" pitchFamily="49" charset="0"/>
                 <a:cs typeface="Consolas" pitchFamily="49" charset="0"/>
               </a:rPr>
+              <a:t> filter </a:t>
+            </a:r>
+            <a:r>
+              <a:rPr lang="en-US" sz="1000" dirty="0" err="1" smtClean="0">
+                <a:solidFill>
+                  <a:schemeClr val="tx1"/>
+                </a:solidFill>
+                <a:latin typeface="Consolas" pitchFamily="49" charset="0"/>
+                <a:cs typeface="Consolas" pitchFamily="49" charset="0"/>
+              </a:rPr>
+              <a:t>NoiseSource</a:t>
+            </a:r>
+            <a:r>
+              <a:rPr lang="en-US" sz="1000" dirty="0" smtClean="0">
+                <a:solidFill>
+                  <a:schemeClr val="tx1"/>
+                </a:solidFill>
+                <a:latin typeface="Consolas" pitchFamily="49" charset="0"/>
+                <a:cs typeface="Consolas" pitchFamily="49" charset="0"/>
+              </a:rPr>
+              <a:t>(</a:t>
+            </a:r>
+          </a:p>
+          <a:p>
+            <a:r>
+              <a:rPr lang="en-US" sz="1000" dirty="0" smtClean="0">
+                <a:solidFill>
+                  <a:schemeClr val="tx1"/>
+                </a:solidFill>
+                <a:latin typeface="Consolas" pitchFamily="49" charset="0"/>
+                <a:cs typeface="Consolas" pitchFamily="49" charset="0"/>
+              </a:rPr>
+              <a:t>        </a:t>
+            </a:r>
+            <a:r>
+              <a:rPr lang="en-US" sz="1000" dirty="0" err="1" smtClean="0">
+                <a:solidFill>
+                  <a:schemeClr val="tx1"/>
+                </a:solidFill>
+                <a:latin typeface="Consolas" pitchFamily="49" charset="0"/>
+                <a:cs typeface="Consolas" pitchFamily="49" charset="0"/>
+              </a:rPr>
+              <a:t>int</a:t>
+            </a:r>
+            <a:r>
+              <a:rPr lang="en-US" sz="1000" dirty="0" smtClean="0">
+                <a:solidFill>
+                  <a:schemeClr val="tx1"/>
+                </a:solidFill>
+                <a:latin typeface="Consolas" pitchFamily="49" charset="0"/>
+                <a:cs typeface="Consolas" pitchFamily="49" charset="0"/>
+              </a:rPr>
               <a:t> </a:t>
             </a:r>
             <a:r>
+              <a:rPr lang="en-US" sz="1000" dirty="0" err="1" smtClean="0">
+                <a:solidFill>
+                  <a:schemeClr val="tx1"/>
+                </a:solidFill>
+                <a:latin typeface="Consolas" pitchFamily="49" charset="0"/>
+                <a:cs typeface="Consolas" pitchFamily="49" charset="0"/>
+              </a:rPr>
+              <a:t>flipTimes</a:t>
+            </a:r>
+            <a:r>
               <a:rPr lang="en-US" sz="1000" dirty="0" smtClean="0">
                 <a:solidFill>
                   <a:schemeClr val="tx1"/>
@@ -6946,99 +7010,7 @@
                 <a:latin typeface="Consolas" pitchFamily="49" charset="0"/>
                 <a:cs typeface="Consolas" pitchFamily="49" charset="0"/>
               </a:rPr>
-              <a:t>filter </a:t>
-            </a:r>
-            <a:r>
-              <a:rPr lang="en-US" sz="1000" dirty="0" err="1" smtClean="0">
-                <a:solidFill>
-                  <a:schemeClr val="tx1"/>
-                </a:solidFill>
-                <a:latin typeface="Consolas" pitchFamily="49" charset="0"/>
-                <a:cs typeface="Consolas" pitchFamily="49" charset="0"/>
-              </a:rPr>
-              <a:t>NoiseSource</a:t>
-            </a:r>
-            <a:r>
-              <a:rPr lang="en-US" sz="1000" dirty="0" smtClean="0">
-                <a:solidFill>
-                  <a:schemeClr val="tx1"/>
-                </a:solidFill>
-                <a:latin typeface="Consolas" pitchFamily="49" charset="0"/>
-                <a:cs typeface="Consolas" pitchFamily="49" charset="0"/>
-              </a:rPr>
-              <a:t>(</a:t>
-            </a:r>
-          </a:p>
-          <a:p>
-            <a:r>
-              <a:rPr lang="en-US" sz="1000" dirty="0" smtClean="0">
-                <a:solidFill>
-                  <a:schemeClr val="tx1"/>
-                </a:solidFill>
-                <a:latin typeface="Consolas" pitchFamily="49" charset="0"/>
-                <a:cs typeface="Consolas" pitchFamily="49" charset="0"/>
-              </a:rPr>
-              <a:t> </a:t>
-            </a:r>
-            <a:r>
-              <a:rPr lang="en-US" sz="1000" dirty="0" smtClean="0">
-                <a:solidFill>
-                  <a:schemeClr val="tx1"/>
-                </a:solidFill>
-                <a:latin typeface="Consolas" pitchFamily="49" charset="0"/>
-                <a:cs typeface="Consolas" pitchFamily="49" charset="0"/>
-              </a:rPr>
-              <a:t>       </a:t>
-            </a:r>
-            <a:r>
-              <a:rPr lang="en-US" sz="1000" dirty="0" err="1" smtClean="0">
-                <a:solidFill>
-                  <a:schemeClr val="tx1"/>
-                </a:solidFill>
-                <a:latin typeface="Consolas" pitchFamily="49" charset="0"/>
-                <a:cs typeface="Consolas" pitchFamily="49" charset="0"/>
-              </a:rPr>
-              <a:t>int</a:t>
-            </a:r>
-            <a:r>
-              <a:rPr lang="en-US" sz="1000" dirty="0" smtClean="0">
-                <a:solidFill>
-                  <a:schemeClr val="tx1"/>
-                </a:solidFill>
-                <a:latin typeface="Consolas" pitchFamily="49" charset="0"/>
-                <a:cs typeface="Consolas" pitchFamily="49" charset="0"/>
-              </a:rPr>
-              <a:t> </a:t>
-            </a:r>
-            <a:r>
-              <a:rPr lang="en-US" sz="1000" dirty="0" err="1" smtClean="0">
-                <a:solidFill>
-                  <a:schemeClr val="tx1"/>
-                </a:solidFill>
-                <a:latin typeface="Consolas" pitchFamily="49" charset="0"/>
-                <a:cs typeface="Consolas" pitchFamily="49" charset="0"/>
-              </a:rPr>
-              <a:t>flipTimes</a:t>
-            </a:r>
-            <a:r>
-              <a:rPr lang="en-US" sz="1000" dirty="0" smtClean="0">
-                <a:solidFill>
-                  <a:schemeClr val="tx1"/>
-                </a:solidFill>
-                <a:latin typeface="Consolas" pitchFamily="49" charset="0"/>
-                <a:cs typeface="Consolas" pitchFamily="49" charset="0"/>
-              </a:rPr>
-              <a:t>) </a:t>
-            </a:r>
-            <a:r>
-              <a:rPr lang="en-US" sz="1000" dirty="0" smtClean="0">
-                <a:solidFill>
-                  <a:schemeClr val="tx1"/>
-                </a:solidFill>
-                <a:latin typeface="Consolas" pitchFamily="49" charset="0"/>
-                <a:cs typeface="Consolas" pitchFamily="49" charset="0"/>
-              </a:rPr>
-              <a:t>{</a:t>
+              <a:t>) {</a:t>
             </a:r>
           </a:p>
           <a:p>
@@ -7079,27 +7051,7 @@
                 <a:latin typeface="Consolas" pitchFamily="49" charset="0"/>
                 <a:cs typeface="Consolas" pitchFamily="49" charset="0"/>
               </a:rPr>
-              <a:t> </a:t>
-            </a:r>
-            <a:r>
-              <a:rPr lang="en-US" sz="1000" dirty="0" smtClean="0">
-                <a:solidFill>
-                  <a:schemeClr val="tx1"/>
-                </a:solidFill>
-                <a:latin typeface="Consolas" pitchFamily="49" charset="0"/>
-                <a:cs typeface="Consolas" pitchFamily="49" charset="0"/>
-              </a:rPr>
-              <a:t>count</a:t>
-            </a:r>
-            <a:r>
-              <a:rPr lang="en-US" sz="1000" dirty="0" smtClean="0">
-                <a:solidFill>
-                  <a:schemeClr val="tx1"/>
-                </a:solidFill>
-                <a:latin typeface="Consolas" pitchFamily="49" charset="0"/>
-                <a:cs typeface="Consolas" pitchFamily="49" charset="0"/>
-              </a:rPr>
-              <a:t>;</a:t>
+              <a:t> count;</a:t>
             </a:r>
           </a:p>
           <a:p>
@@ -7120,18 +7072,10 @@
                 <a:latin typeface="Consolas" pitchFamily="49" charset="0"/>
                 <a:cs typeface="Consolas" pitchFamily="49" charset="0"/>
               </a:rPr>
-              <a:t>    work push 1 pop </a:t>
-            </a:r>
-            <a:r>
-              <a:rPr lang="en-US" sz="1000" dirty="0" smtClean="0">
-                <a:solidFill>
-                  <a:schemeClr val="tx1"/>
-                </a:solidFill>
-                <a:latin typeface="Consolas" pitchFamily="49" charset="0"/>
-                <a:cs typeface="Consolas" pitchFamily="49" charset="0"/>
-              </a:rPr>
-              <a:t>1 {</a:t>
-            </a:r>
+              <a:t>    work push 1 pop 1 {</a:t>
+            </a:r>
+          </a:p>
+          <a:p>
             <a:endParaRPr lang="en-US" sz="1000" dirty="0" smtClean="0">
               <a:solidFill>
                 <a:schemeClr val="tx1"/>
@@ -7141,6 +7085,18 @@
             </a:endParaRPr>
           </a:p>
           <a:p>
+            <a:r>
+              <a:rPr lang="en-US" sz="1000" dirty="0" smtClean="0">
+                <a:solidFill>
+                  <a:schemeClr val="tx1"/>
+                </a:solidFill>
+                <a:latin typeface="Consolas" pitchFamily="49" charset="0"/>
+                <a:cs typeface="Consolas" pitchFamily="49" charset="0"/>
+              </a:rPr>
+              <a:t>        ...</a:t>
+            </a:r>
+          </a:p>
+          <a:p>
             <a:endParaRPr lang="en-US" sz="1000" dirty="0" smtClean="0">
               <a:solidFill>
                 <a:schemeClr val="tx1"/>
@@ -7158,8 +7114,10 @@
                 <a:latin typeface="Consolas" pitchFamily="49" charset="0"/>
                 <a:cs typeface="Consolas" pitchFamily="49" charset="0"/>
               </a:rPr>
-              <a:t> </a:t>
-            </a:r>
+              <a:t>      count = </a:t>
+            </a:r>
+          </a:p>
+          <a:p>
             <a:r>
               <a:rPr lang="en-US" sz="1000" dirty="0" smtClean="0">
                 <a:solidFill>
@@ -7168,50 +7126,7 @@
                 <a:latin typeface="Consolas" pitchFamily="49" charset="0"/>
                 <a:cs typeface="Consolas" pitchFamily="49" charset="0"/>
               </a:rPr>
-              <a:t>       ...</a:t>
-            </a:r>
-          </a:p>
-          <a:p>
-            <a:endParaRPr lang="en-US" sz="1000" dirty="0" smtClean="0">
-              <a:solidFill>
-                <a:schemeClr val="tx1"/>
-              </a:solidFill>
-              <a:latin typeface="Consolas" pitchFamily="49" charset="0"/>
-              <a:cs typeface="Consolas" pitchFamily="49" charset="0"/>
-            </a:endParaRPr>
-          </a:p>
-          <a:p>
-            <a:r>
-              <a:rPr lang="en-US" sz="1000" dirty="0" smtClean="0">
-                <a:solidFill>
-                  <a:schemeClr val="tx1"/>
-                </a:solidFill>
-                <a:latin typeface="Consolas" pitchFamily="49" charset="0"/>
-                <a:cs typeface="Consolas" pitchFamily="49" charset="0"/>
-              </a:rPr>
-              <a:t>      count = </a:t>
-            </a:r>
-          </a:p>
-          <a:p>
-            <a:r>
-              <a:rPr lang="en-US" sz="1000" dirty="0" smtClean="0">
-                <a:solidFill>
-                  <a:schemeClr val="tx1"/>
-                </a:solidFill>
-                <a:latin typeface="Consolas" pitchFamily="49" charset="0"/>
-                <a:cs typeface="Consolas" pitchFamily="49" charset="0"/>
-              </a:rPr>
-              <a:t>          (count </a:t>
-            </a:r>
-            <a:r>
-              <a:rPr lang="en-US" sz="1000" dirty="0" smtClean="0">
-                <a:solidFill>
-                  <a:schemeClr val="tx1"/>
-                </a:solidFill>
-                <a:latin typeface="Consolas" pitchFamily="49" charset="0"/>
-                <a:cs typeface="Consolas" pitchFamily="49" charset="0"/>
-              </a:rPr>
-              <a:t>+ 1) % </a:t>
+              <a:t>          (count + 1) % </a:t>
             </a:r>
             <a:r>
               <a:rPr lang="en-US" sz="1000" dirty="0" err="1" smtClean="0">
@@ -7558,7 +7473,7 @@
         </p:nvSpPr>
         <p:spPr>
           <a:xfrm>
-            <a:off x="685800" y="1524000"/>
+            <a:off x="685800" y="1447800"/>
             <a:ext cx="1981200" cy="533400"/>
           </a:xfrm>
           <a:prstGeom prst="rect">
@@ -7613,7 +7528,7 @@
         </p:nvSpPr>
         <p:spPr>
           <a:xfrm>
-            <a:off x="685800" y="3962400"/>
+            <a:off x="685800" y="4267200"/>
             <a:ext cx="1981200" cy="152400"/>
           </a:xfrm>
           <a:prstGeom prst="rect">
@@ -7669,7 +7584,7 @@
         <p:spPr>
           <a:xfrm>
             <a:off x="304800" y="762000"/>
-            <a:ext cx="2590800" cy="3886200"/>
+            <a:ext cx="2590800" cy="4114800"/>
           </a:xfrm>
           <a:prstGeom prst="roundRect">
             <a:avLst/>
@@ -7795,9 +7710,83 @@
                 <a:latin typeface="Consolas" pitchFamily="49" charset="0"/>
                 <a:cs typeface="Consolas" pitchFamily="49" charset="0"/>
               </a:rPr>
+              <a:t> width, </a:t>
+            </a:r>
+          </a:p>
+          <a:p>
+            <a:r>
+              <a:rPr lang="en-US" sz="800" dirty="0" smtClean="0">
+                <a:solidFill>
+                  <a:schemeClr val="tx1"/>
+                </a:solidFill>
+                <a:latin typeface="Consolas" pitchFamily="49" charset="0"/>
+                <a:cs typeface="Consolas" pitchFamily="49" charset="0"/>
+              </a:rPr>
+              <a:t>	</a:t>
+            </a:r>
+            <a:r>
+              <a:rPr lang="en-US" sz="800" dirty="0" err="1" smtClean="0">
+                <a:solidFill>
+                  <a:schemeClr val="tx1"/>
+                </a:solidFill>
+                <a:latin typeface="Consolas" pitchFamily="49" charset="0"/>
+                <a:cs typeface="Consolas" pitchFamily="49" charset="0"/>
+              </a:rPr>
+              <a:t>int</a:t>
+            </a:r>
+            <a:r>
+              <a:rPr lang="en-US" sz="800" dirty="0" smtClean="0">
+                <a:solidFill>
+                  <a:schemeClr val="tx1"/>
+                </a:solidFill>
+                <a:latin typeface="Consolas" pitchFamily="49" charset="0"/>
+                <a:cs typeface="Consolas" pitchFamily="49" charset="0"/>
+              </a:rPr>
+              <a:t> height, </a:t>
+            </a:r>
+          </a:p>
+          <a:p>
+            <a:r>
+              <a:rPr lang="en-US" sz="800" dirty="0" smtClean="0">
+                <a:solidFill>
+                  <a:schemeClr val="tx1"/>
+                </a:solidFill>
+                <a:latin typeface="Consolas" pitchFamily="49" charset="0"/>
+                <a:cs typeface="Consolas" pitchFamily="49" charset="0"/>
+              </a:rPr>
+              <a:t>	</a:t>
+            </a:r>
+            <a:r>
+              <a:rPr lang="en-US" sz="800" dirty="0" err="1" smtClean="0">
+                <a:solidFill>
+                  <a:schemeClr val="tx1"/>
+                </a:solidFill>
+                <a:latin typeface="Consolas" pitchFamily="49" charset="0"/>
+                <a:cs typeface="Consolas" pitchFamily="49" charset="0"/>
+              </a:rPr>
+              <a:t>int</a:t>
+            </a:r>
+            <a:r>
+              <a:rPr lang="en-US" sz="800" dirty="0" smtClean="0">
+                <a:solidFill>
+                  <a:schemeClr val="tx1"/>
+                </a:solidFill>
+                <a:latin typeface="Consolas" pitchFamily="49" charset="0"/>
+                <a:cs typeface="Consolas" pitchFamily="49" charset="0"/>
+              </a:rPr>
               <a:t> </a:t>
             </a:r>
             <a:r>
+              <a:rPr lang="en-US" sz="800" dirty="0" err="1" smtClean="0">
+                <a:solidFill>
+                  <a:schemeClr val="tx1"/>
+                </a:solidFill>
+                <a:latin typeface="Consolas" pitchFamily="49" charset="0"/>
+                <a:cs typeface="Consolas" pitchFamily="49" charset="0"/>
+              </a:rPr>
+              <a:t>numpictures</a:t>
+            </a:r>
+            <a:r>
               <a:rPr lang="en-US" sz="800" dirty="0" smtClean="0">
                 <a:solidFill>
                   <a:schemeClr val="tx1"/>
@@ -7805,111 +7794,7 @@
                 <a:latin typeface="Consolas" pitchFamily="49" charset="0"/>
                 <a:cs typeface="Consolas" pitchFamily="49" charset="0"/>
               </a:rPr>
-              <a:t>width, </a:t>
-            </a:r>
-          </a:p>
-          <a:p>
-            <a:r>
-              <a:rPr lang="en-US" sz="800" dirty="0" smtClean="0">
-                <a:solidFill>
-                  <a:schemeClr val="tx1"/>
-                </a:solidFill>
-                <a:latin typeface="Consolas" pitchFamily="49" charset="0"/>
-                <a:cs typeface="Consolas" pitchFamily="49" charset="0"/>
-              </a:rPr>
-              <a:t>	</a:t>
-            </a:r>
-            <a:r>
-              <a:rPr lang="en-US" sz="800" dirty="0" err="1" smtClean="0">
-                <a:solidFill>
-                  <a:schemeClr val="tx1"/>
-                </a:solidFill>
-                <a:latin typeface="Consolas" pitchFamily="49" charset="0"/>
-                <a:cs typeface="Consolas" pitchFamily="49" charset="0"/>
-              </a:rPr>
-              <a:t>int</a:t>
-            </a:r>
-            <a:r>
-              <a:rPr lang="en-US" sz="800" dirty="0" smtClean="0">
-                <a:solidFill>
-                  <a:schemeClr val="tx1"/>
-                </a:solidFill>
-                <a:latin typeface="Consolas" pitchFamily="49" charset="0"/>
-                <a:cs typeface="Consolas" pitchFamily="49" charset="0"/>
-              </a:rPr>
-              <a:t> </a:t>
-            </a:r>
-            <a:r>
-              <a:rPr lang="en-US" sz="800" dirty="0" smtClean="0">
-                <a:solidFill>
-                  <a:schemeClr val="tx1"/>
-                </a:solidFill>
-                <a:latin typeface="Consolas" pitchFamily="49" charset="0"/>
-                <a:cs typeface="Consolas" pitchFamily="49" charset="0"/>
-              </a:rPr>
-              <a:t>height, </a:t>
-            </a:r>
-          </a:p>
-          <a:p>
-            <a:r>
-              <a:rPr lang="en-US" sz="800" dirty="0" smtClean="0">
-                <a:solidFill>
-                  <a:schemeClr val="tx1"/>
-                </a:solidFill>
-                <a:latin typeface="Consolas" pitchFamily="49" charset="0"/>
-                <a:cs typeface="Consolas" pitchFamily="49" charset="0"/>
-              </a:rPr>
-              <a:t>	</a:t>
-            </a:r>
-            <a:r>
-              <a:rPr lang="en-US" sz="800" dirty="0" err="1" smtClean="0">
-                <a:solidFill>
-                  <a:schemeClr val="tx1"/>
-                </a:solidFill>
-                <a:latin typeface="Consolas" pitchFamily="49" charset="0"/>
-                <a:cs typeface="Consolas" pitchFamily="49" charset="0"/>
-              </a:rPr>
-              <a:t>int</a:t>
-            </a:r>
-            <a:r>
-              <a:rPr lang="en-US" sz="800" dirty="0" smtClean="0">
-                <a:solidFill>
-                  <a:schemeClr val="tx1"/>
-                </a:solidFill>
-                <a:latin typeface="Consolas" pitchFamily="49" charset="0"/>
-                <a:cs typeface="Consolas" pitchFamily="49" charset="0"/>
-              </a:rPr>
-              <a:t> </a:t>
-            </a:r>
-            <a:r>
-              <a:rPr lang="en-US" sz="800" dirty="0" err="1" smtClean="0">
-                <a:solidFill>
-                  <a:schemeClr val="tx1"/>
-                </a:solidFill>
-                <a:latin typeface="Consolas" pitchFamily="49" charset="0"/>
-                <a:cs typeface="Consolas" pitchFamily="49" charset="0"/>
-              </a:rPr>
-              <a:t>numpictures</a:t>
-            </a:r>
-            <a:r>
-              <a:rPr lang="en-US" sz="800" dirty="0" smtClean="0">
-                <a:solidFill>
-                  <a:schemeClr val="tx1"/>
-                </a:solidFill>
-                <a:latin typeface="Consolas" pitchFamily="49" charset="0"/>
-                <a:cs typeface="Consolas" pitchFamily="49" charset="0"/>
-              </a:rPr>
-              <a:t>) </a:t>
-            </a:r>
-            <a:r>
-              <a:rPr lang="en-US" sz="800" dirty="0" smtClean="0">
-                <a:solidFill>
-                  <a:schemeClr val="tx1"/>
-                </a:solidFill>
-                <a:latin typeface="Consolas" pitchFamily="49" charset="0"/>
-                <a:cs typeface="Consolas" pitchFamily="49" charset="0"/>
-              </a:rPr>
-              <a:t>{</a:t>
+              <a:t>) {</a:t>
             </a:r>
           </a:p>
           <a:p>
@@ -7955,7 +7840,7 @@
             <a:r>
               <a:rPr lang="en-US" sz="800" dirty="0" err="1" smtClean="0">
                 <a:solidFill>
-                  <a:srgbClr val="C00000"/>
+                  <a:schemeClr val="tx1"/>
                 </a:solidFill>
                 <a:latin typeface="Consolas" pitchFamily="49" charset="0"/>
                 <a:cs typeface="Consolas" pitchFamily="49" charset="0"/>
@@ -7982,8 +7867,10 @@
                 <a:latin typeface="Consolas" pitchFamily="49" charset="0"/>
                 <a:cs typeface="Consolas" pitchFamily="49" charset="0"/>
               </a:rPr>
-              <a:t>    init </a:t>
-            </a:r>
+              <a:t>    init {</a:t>
+            </a:r>
+          </a:p>
+          <a:p>
             <a:r>
               <a:rPr lang="en-US" sz="800" dirty="0" smtClean="0">
                 <a:solidFill>
@@ -7992,10 +7879,18 @@
                 <a:latin typeface="Consolas" pitchFamily="49" charset="0"/>
                 <a:cs typeface="Consolas" pitchFamily="49" charset="0"/>
               </a:rPr>
-              <a:t>{</a:t>
-            </a:r>
-          </a:p>
-          <a:p>
+              <a:t>        </a:t>
+            </a:r>
+            <a:r>
+              <a:rPr lang="en-US" sz="800" dirty="0" err="1" smtClean="0">
+                <a:solidFill>
+                  <a:schemeClr val="tx1"/>
+                </a:solidFill>
+                <a:latin typeface="Consolas" pitchFamily="49" charset="0"/>
+                <a:cs typeface="Consolas" pitchFamily="49" charset="0"/>
+              </a:rPr>
+              <a:t>frameno</a:t>
+            </a:r>
             <a:r>
               <a:rPr lang="en-US" sz="800" dirty="0" smtClean="0">
                 <a:solidFill>
@@ -8004,18 +7899,10 @@
                 <a:latin typeface="Consolas" pitchFamily="49" charset="0"/>
                 <a:cs typeface="Consolas" pitchFamily="49" charset="0"/>
               </a:rPr>
-              <a:t>        </a:t>
-            </a:r>
-            <a:r>
-              <a:rPr lang="en-US" sz="800" dirty="0" err="1" smtClean="0">
-                <a:solidFill>
-                  <a:srgbClr val="C00000"/>
-                </a:solidFill>
-                <a:latin typeface="Consolas" pitchFamily="49" charset="0"/>
-                <a:cs typeface="Consolas" pitchFamily="49" charset="0"/>
-              </a:rPr>
-              <a:t>frameno</a:t>
-            </a:r>
+              <a:t> = 0;</a:t>
+            </a:r>
+          </a:p>
+          <a:p>
             <a:r>
               <a:rPr lang="en-US" sz="800" dirty="0" smtClean="0">
                 <a:solidFill>
@@ -8024,30 +7911,10 @@
                 <a:latin typeface="Consolas" pitchFamily="49" charset="0"/>
                 <a:cs typeface="Consolas" pitchFamily="49" charset="0"/>
               </a:rPr>
-              <a:t> </a:t>
-            </a:r>
-            <a:r>
-              <a:rPr lang="en-US" sz="800" dirty="0" smtClean="0">
-                <a:solidFill>
-                  <a:schemeClr val="tx1"/>
-                </a:solidFill>
-                <a:latin typeface="Consolas" pitchFamily="49" charset="0"/>
-                <a:cs typeface="Consolas" pitchFamily="49" charset="0"/>
-              </a:rPr>
-              <a:t>= 0;</a:t>
-            </a:r>
-          </a:p>
-          <a:p>
-            <a:r>
-              <a:rPr lang="en-US" sz="800" dirty="0" smtClean="0">
-                <a:solidFill>
-                  <a:schemeClr val="tx1"/>
-                </a:solidFill>
-                <a:latin typeface="Consolas" pitchFamily="49" charset="0"/>
-                <a:cs typeface="Consolas" pitchFamily="49" charset="0"/>
-              </a:rPr>
               <a:t>    }</a:t>
             </a:r>
+          </a:p>
+          <a:p>
             <a:endParaRPr lang="en-US" sz="800" dirty="0" smtClean="0">
               <a:solidFill>
                 <a:schemeClr val="tx1"/>
@@ -8057,6 +7924,30 @@
             </a:endParaRPr>
           </a:p>
           <a:p>
+            <a:r>
+              <a:rPr lang="en-US" sz="800" dirty="0" smtClean="0">
+                <a:solidFill>
+                  <a:schemeClr val="tx1"/>
+                </a:solidFill>
+                <a:latin typeface="Consolas" pitchFamily="49" charset="0"/>
+                <a:cs typeface="Consolas" pitchFamily="49" charset="0"/>
+              </a:rPr>
+              <a:t>    work pop (width*height*3) </a:t>
+            </a:r>
+          </a:p>
+          <a:p>
+            <a:r>
+              <a:rPr lang="en-US" sz="800" dirty="0" smtClean="0">
+                <a:solidFill>
+                  <a:schemeClr val="tx1"/>
+                </a:solidFill>
+                <a:latin typeface="Consolas" pitchFamily="49" charset="0"/>
+                <a:cs typeface="Consolas" pitchFamily="49" charset="0"/>
+              </a:rPr>
+              <a:t>         push 2 {</a:t>
+            </a:r>
+          </a:p>
+          <a:p>
             <a:endParaRPr lang="en-US" sz="800" dirty="0" smtClean="0">
               <a:solidFill>
                 <a:schemeClr val="tx1"/>
@@ -8074,28 +7965,10 @@
                 <a:latin typeface="Consolas" pitchFamily="49" charset="0"/>
                 <a:cs typeface="Consolas" pitchFamily="49" charset="0"/>
               </a:rPr>
-              <a:t> </a:t>
-            </a:r>
-            <a:r>
-              <a:rPr lang="en-US" sz="800" dirty="0" smtClean="0">
-                <a:solidFill>
-                  <a:schemeClr val="tx1"/>
-                </a:solidFill>
-                <a:latin typeface="Consolas" pitchFamily="49" charset="0"/>
-                <a:cs typeface="Consolas" pitchFamily="49" charset="0"/>
-              </a:rPr>
-              <a:t>   work </a:t>
-            </a:r>
-            <a:r>
-              <a:rPr lang="en-US" sz="800" dirty="0" smtClean="0">
-                <a:solidFill>
-                  <a:schemeClr val="tx1"/>
-                </a:solidFill>
-                <a:latin typeface="Consolas" pitchFamily="49" charset="0"/>
-                <a:cs typeface="Consolas" pitchFamily="49" charset="0"/>
-              </a:rPr>
-              <a:t>pop (width*height*3) </a:t>
-            </a:r>
+              <a:t>               ...</a:t>
+            </a:r>
+          </a:p>
+          <a:p>
             <a:endParaRPr lang="en-US" sz="800" dirty="0" smtClean="0">
               <a:solidFill>
                 <a:schemeClr val="tx1"/>
@@ -8113,9 +7986,39 @@
                 <a:latin typeface="Consolas" pitchFamily="49" charset="0"/>
                 <a:cs typeface="Consolas" pitchFamily="49" charset="0"/>
               </a:rPr>
+              <a:t>        </a:t>
+            </a:r>
+            <a:r>
+              <a:rPr lang="en-US" sz="800" dirty="0" err="1" smtClean="0">
+                <a:solidFill>
+                  <a:schemeClr val="tx1"/>
+                </a:solidFill>
+                <a:latin typeface="Consolas" pitchFamily="49" charset="0"/>
+                <a:cs typeface="Consolas" pitchFamily="49" charset="0"/>
+              </a:rPr>
+              <a:t>int</a:t>
+            </a:r>
+            <a:r>
+              <a:rPr lang="en-US" sz="800" dirty="0" smtClean="0">
+                <a:solidFill>
+                  <a:schemeClr val="tx1"/>
+                </a:solidFill>
+                <a:latin typeface="Consolas" pitchFamily="49" charset="0"/>
+                <a:cs typeface="Consolas" pitchFamily="49" charset="0"/>
+              </a:rPr>
               <a:t> </a:t>
             </a:r>
             <a:r>
+              <a:rPr lang="en-US" sz="800" dirty="0" err="1" smtClean="0">
+                <a:solidFill>
+                  <a:schemeClr val="tx1"/>
+                </a:solidFill>
+                <a:latin typeface="Consolas" pitchFamily="49" charset="0"/>
+                <a:cs typeface="Consolas" pitchFamily="49" charset="0"/>
+              </a:rPr>
+              <a:t>framecount</a:t>
+            </a:r>
+            <a:r>
               <a:rPr lang="en-US" sz="800" dirty="0" smtClean="0">
                 <a:solidFill>
                   <a:schemeClr val="tx1"/>
@@ -8123,7 +8026,17 @@
                 <a:latin typeface="Consolas" pitchFamily="49" charset="0"/>
                 <a:cs typeface="Consolas" pitchFamily="49" charset="0"/>
               </a:rPr>
-              <a:t>        push </a:t>
+              <a:t> = </a:t>
+            </a:r>
+            <a:r>
+              <a:rPr lang="en-US" sz="800" dirty="0" err="1" smtClean="0">
+                <a:solidFill>
+                  <a:schemeClr val="tx1"/>
+                </a:solidFill>
+                <a:latin typeface="Consolas" pitchFamily="49" charset="0"/>
+                <a:cs typeface="Consolas" pitchFamily="49" charset="0"/>
+              </a:rPr>
+              <a:t>frameno</a:t>
             </a:r>
             <a:r>
               <a:rPr lang="en-US" sz="800" dirty="0" smtClean="0">
@@ -8133,8 +8046,10 @@
                 <a:latin typeface="Consolas" pitchFamily="49" charset="0"/>
                 <a:cs typeface="Consolas" pitchFamily="49" charset="0"/>
               </a:rPr>
-              <a:t>2 </a:t>
-            </a:r>
+              <a:t> % 12;</a:t>
+            </a:r>
+          </a:p>
+          <a:p>
             <a:r>
               <a:rPr lang="en-US" sz="800" dirty="0" smtClean="0">
                 <a:solidFill>
@@ -8143,10 +8058,60 @@
                 <a:latin typeface="Consolas" pitchFamily="49" charset="0"/>
                 <a:cs typeface="Consolas" pitchFamily="49" charset="0"/>
               </a:rPr>
+              <a:t>        if (</a:t>
+            </a:r>
+            <a:r>
+              <a:rPr lang="en-US" sz="800" dirty="0" err="1" smtClean="0">
+                <a:solidFill>
+                  <a:schemeClr val="tx1"/>
+                </a:solidFill>
+                <a:latin typeface="Consolas" pitchFamily="49" charset="0"/>
+                <a:cs typeface="Consolas" pitchFamily="49" charset="0"/>
+              </a:rPr>
+              <a:t>framecount</a:t>
+            </a:r>
+            <a:r>
+              <a:rPr lang="en-US" sz="800" dirty="0" smtClean="0">
+                <a:solidFill>
+                  <a:schemeClr val="tx1"/>
+                </a:solidFill>
+                <a:latin typeface="Consolas" pitchFamily="49" charset="0"/>
+                <a:cs typeface="Consolas" pitchFamily="49" charset="0"/>
+              </a:rPr>
+              <a:t> == 0) </a:t>
+            </a:r>
+            <a:r>
+              <a:rPr lang="en-US" sz="800" dirty="0" smtClean="0">
+                <a:solidFill>
+                  <a:schemeClr val="tx1"/>
+                </a:solidFill>
+                <a:latin typeface="Consolas" pitchFamily="49" charset="0"/>
+                <a:cs typeface="Consolas" pitchFamily="49" charset="0"/>
+              </a:rPr>
               <a:t>{</a:t>
             </a:r>
           </a:p>
           <a:p>
+            <a:r>
+              <a:rPr lang="en-US" sz="800" dirty="0" smtClean="0">
+                <a:solidFill>
+                  <a:schemeClr val="tx1"/>
+                </a:solidFill>
+                <a:latin typeface="Consolas" pitchFamily="49" charset="0"/>
+                <a:cs typeface="Consolas" pitchFamily="49" charset="0"/>
+              </a:rPr>
+              <a:t> </a:t>
+            </a:r>
+            <a:r>
+              <a:rPr lang="en-US" sz="800" dirty="0" smtClean="0">
+                <a:solidFill>
+                  <a:schemeClr val="tx1"/>
+                </a:solidFill>
+                <a:latin typeface="Consolas" pitchFamily="49" charset="0"/>
+                <a:cs typeface="Consolas" pitchFamily="49" charset="0"/>
+              </a:rPr>
+              <a:t>              ...</a:t>
+            </a:r>
             <a:endParaRPr lang="en-US" sz="800" dirty="0" smtClean="0">
               <a:solidFill>
                 <a:schemeClr val="tx1"/>
@@ -8164,7 +8129,17 @@
                 <a:latin typeface="Consolas" pitchFamily="49" charset="0"/>
                 <a:cs typeface="Consolas" pitchFamily="49" charset="0"/>
               </a:rPr>
-              <a:t> </a:t>
+              <a:t>        } else if (</a:t>
+            </a:r>
+            <a:r>
+              <a:rPr lang="en-US" sz="800" dirty="0" err="1" smtClean="0">
+                <a:solidFill>
+                  <a:schemeClr val="tx1"/>
+                </a:solidFill>
+                <a:latin typeface="Consolas" pitchFamily="49" charset="0"/>
+                <a:cs typeface="Consolas" pitchFamily="49" charset="0"/>
+              </a:rPr>
+              <a:t>framecount</a:t>
             </a:r>
             <a:r>
               <a:rPr lang="en-US" sz="800" dirty="0" smtClean="0">
@@ -8174,7 +8149,103 @@
                 <a:latin typeface="Consolas" pitchFamily="49" charset="0"/>
                 <a:cs typeface="Consolas" pitchFamily="49" charset="0"/>
               </a:rPr>
-              <a:t>              ...</a:t>
+              <a:t> == 3 </a:t>
+            </a:r>
+          </a:p>
+          <a:p>
+            <a:r>
+              <a:rPr lang="en-US" sz="800" dirty="0" smtClean="0">
+                <a:solidFill>
+                  <a:schemeClr val="tx1"/>
+                </a:solidFill>
+                <a:latin typeface="Consolas" pitchFamily="49" charset="0"/>
+                <a:cs typeface="Consolas" pitchFamily="49" charset="0"/>
+              </a:rPr>
+              <a:t>                || </a:t>
+            </a:r>
+            <a:r>
+              <a:rPr lang="en-US" sz="800" dirty="0" err="1" smtClean="0">
+                <a:solidFill>
+                  <a:schemeClr val="tx1"/>
+                </a:solidFill>
+                <a:latin typeface="Consolas" pitchFamily="49" charset="0"/>
+                <a:cs typeface="Consolas" pitchFamily="49" charset="0"/>
+              </a:rPr>
+              <a:t>framecount</a:t>
+            </a:r>
+            <a:r>
+              <a:rPr lang="en-US" sz="800" dirty="0" smtClean="0">
+                <a:solidFill>
+                  <a:schemeClr val="tx1"/>
+                </a:solidFill>
+                <a:latin typeface="Consolas" pitchFamily="49" charset="0"/>
+                <a:cs typeface="Consolas" pitchFamily="49" charset="0"/>
+              </a:rPr>
+              <a:t> == 6 </a:t>
+            </a:r>
+          </a:p>
+          <a:p>
+            <a:r>
+              <a:rPr lang="en-US" sz="800" dirty="0" smtClean="0">
+                <a:solidFill>
+                  <a:schemeClr val="tx1"/>
+                </a:solidFill>
+                <a:latin typeface="Consolas" pitchFamily="49" charset="0"/>
+                <a:cs typeface="Consolas" pitchFamily="49" charset="0"/>
+              </a:rPr>
+              <a:t>                || </a:t>
+            </a:r>
+            <a:r>
+              <a:rPr lang="en-US" sz="800" dirty="0" err="1" smtClean="0">
+                <a:solidFill>
+                  <a:schemeClr val="tx1"/>
+                </a:solidFill>
+                <a:latin typeface="Consolas" pitchFamily="49" charset="0"/>
+                <a:cs typeface="Consolas" pitchFamily="49" charset="0"/>
+              </a:rPr>
+              <a:t>framecount</a:t>
+            </a:r>
+            <a:r>
+              <a:rPr lang="en-US" sz="800" dirty="0" smtClean="0">
+                <a:solidFill>
+                  <a:schemeClr val="tx1"/>
+                </a:solidFill>
+                <a:latin typeface="Consolas" pitchFamily="49" charset="0"/>
+                <a:cs typeface="Consolas" pitchFamily="49" charset="0"/>
+              </a:rPr>
+              <a:t> == 9) </a:t>
+            </a:r>
+            <a:r>
+              <a:rPr lang="en-US" sz="800" dirty="0" smtClean="0">
+                <a:solidFill>
+                  <a:schemeClr val="tx1"/>
+                </a:solidFill>
+                <a:latin typeface="Consolas" pitchFamily="49" charset="0"/>
+                <a:cs typeface="Consolas" pitchFamily="49" charset="0"/>
+              </a:rPr>
+              <a:t>{</a:t>
+            </a:r>
+          </a:p>
+          <a:p>
+            <a:r>
+              <a:rPr lang="en-US" sz="800" dirty="0" smtClean="0">
+                <a:solidFill>
+                  <a:schemeClr val="tx1"/>
+                </a:solidFill>
+                <a:latin typeface="Consolas" pitchFamily="49" charset="0"/>
+                <a:cs typeface="Consolas" pitchFamily="49" charset="0"/>
+              </a:rPr>
+              <a:t>               </a:t>
+            </a:r>
+            <a:r>
+              <a:rPr lang="en-US" sz="800" dirty="0" smtClean="0">
+                <a:solidFill>
+                  <a:schemeClr val="tx1"/>
+                </a:solidFill>
+                <a:latin typeface="Consolas" pitchFamily="49" charset="0"/>
+                <a:cs typeface="Consolas" pitchFamily="49" charset="0"/>
+              </a:rPr>
+              <a:t>...</a:t>
             </a:r>
             <a:endParaRPr lang="en-US" sz="800" dirty="0" smtClean="0">
               <a:solidFill>
@@ -8185,6 +8256,48 @@
             </a:endParaRPr>
           </a:p>
           <a:p>
+            <a:r>
+              <a:rPr lang="en-US" sz="800" dirty="0" smtClean="0">
+                <a:solidFill>
+                  <a:schemeClr val="tx1"/>
+                </a:solidFill>
+                <a:latin typeface="Consolas" pitchFamily="49" charset="0"/>
+                <a:cs typeface="Consolas" pitchFamily="49" charset="0"/>
+              </a:rPr>
+              <a:t>        } else </a:t>
+            </a:r>
+            <a:r>
+              <a:rPr lang="en-US" sz="800" dirty="0" smtClean="0">
+                <a:solidFill>
+                  <a:schemeClr val="tx1"/>
+                </a:solidFill>
+                <a:latin typeface="Consolas" pitchFamily="49" charset="0"/>
+                <a:cs typeface="Consolas" pitchFamily="49" charset="0"/>
+              </a:rPr>
+              <a:t>{</a:t>
+            </a:r>
+          </a:p>
+          <a:p>
+            <a:r>
+              <a:rPr lang="en-US" sz="800" dirty="0" smtClean="0">
+                <a:solidFill>
+                  <a:schemeClr val="tx1"/>
+                </a:solidFill>
+                <a:latin typeface="Consolas" pitchFamily="49" charset="0"/>
+                <a:cs typeface="Consolas" pitchFamily="49" charset="0"/>
+              </a:rPr>
+              <a:t>               </a:t>
+            </a:r>
+            <a:r>
+              <a:rPr lang="en-US" sz="800" dirty="0" smtClean="0">
+                <a:solidFill>
+                  <a:schemeClr val="tx1"/>
+                </a:solidFill>
+                <a:latin typeface="Consolas" pitchFamily="49" charset="0"/>
+                <a:cs typeface="Consolas" pitchFamily="49" charset="0"/>
+              </a:rPr>
+              <a:t>...</a:t>
+            </a:r>
             <a:endParaRPr lang="en-US" sz="800" dirty="0" smtClean="0">
               <a:solidFill>
                 <a:schemeClr val="tx1"/>
@@ -8202,78 +8315,10 @@
                 <a:latin typeface="Consolas" pitchFamily="49" charset="0"/>
                 <a:cs typeface="Consolas" pitchFamily="49" charset="0"/>
               </a:rPr>
-              <a:t>        </a:t>
-            </a:r>
-            <a:r>
-              <a:rPr lang="en-US" sz="800" dirty="0" err="1" smtClean="0">
-                <a:solidFill>
-                  <a:schemeClr val="tx1"/>
-                </a:solidFill>
-                <a:latin typeface="Consolas" pitchFamily="49" charset="0"/>
-                <a:cs typeface="Consolas" pitchFamily="49" charset="0"/>
-              </a:rPr>
-              <a:t>int</a:t>
-            </a:r>
-            <a:r>
-              <a:rPr lang="en-US" sz="800" dirty="0" smtClean="0">
-                <a:solidFill>
-                  <a:schemeClr val="tx1"/>
-                </a:solidFill>
-                <a:latin typeface="Consolas" pitchFamily="49" charset="0"/>
-                <a:cs typeface="Consolas" pitchFamily="49" charset="0"/>
-              </a:rPr>
-              <a:t> </a:t>
-            </a:r>
-            <a:r>
-              <a:rPr lang="en-US" sz="800" dirty="0" err="1" smtClean="0">
-                <a:solidFill>
-                  <a:schemeClr val="tx1"/>
-                </a:solidFill>
-                <a:latin typeface="Consolas" pitchFamily="49" charset="0"/>
-                <a:cs typeface="Consolas" pitchFamily="49" charset="0"/>
-              </a:rPr>
-              <a:t>framecount</a:t>
-            </a:r>
-            <a:r>
-              <a:rPr lang="en-US" sz="800" dirty="0" smtClean="0">
-                <a:solidFill>
-                  <a:schemeClr val="tx1"/>
-                </a:solidFill>
-                <a:latin typeface="Consolas" pitchFamily="49" charset="0"/>
-                <a:cs typeface="Consolas" pitchFamily="49" charset="0"/>
-              </a:rPr>
-              <a:t> = </a:t>
-            </a:r>
-            <a:r>
-              <a:rPr lang="en-US" sz="800" dirty="0" err="1" smtClean="0">
-                <a:solidFill>
-                  <a:schemeClr val="tx1"/>
-                </a:solidFill>
-                <a:latin typeface="Consolas" pitchFamily="49" charset="0"/>
-                <a:cs typeface="Consolas" pitchFamily="49" charset="0"/>
-              </a:rPr>
-              <a:t>frameno</a:t>
-            </a:r>
-            <a:r>
-              <a:rPr lang="en-US" sz="800" dirty="0" smtClean="0">
-                <a:solidFill>
-                  <a:schemeClr val="tx1"/>
-                </a:solidFill>
-                <a:latin typeface="Consolas" pitchFamily="49" charset="0"/>
-                <a:cs typeface="Consolas" pitchFamily="49" charset="0"/>
-              </a:rPr>
-              <a:t> % 12</a:t>
-            </a:r>
-            <a:r>
-              <a:rPr lang="en-US" sz="800" dirty="0" smtClean="0">
-                <a:solidFill>
-                  <a:schemeClr val="tx1"/>
-                </a:solidFill>
-                <a:latin typeface="Consolas" pitchFamily="49" charset="0"/>
-                <a:cs typeface="Consolas" pitchFamily="49" charset="0"/>
-              </a:rPr>
-              <a:t>;</a:t>
-            </a:r>
+              <a:t>        }</a:t>
+            </a:r>
+          </a:p>
+          <a:p>
             <a:endParaRPr lang="en-US" sz="800" dirty="0" smtClean="0">
               <a:solidFill>
                 <a:schemeClr val="tx1"/>
@@ -8291,187 +8336,7 @@
                 <a:latin typeface="Consolas" pitchFamily="49" charset="0"/>
                 <a:cs typeface="Consolas" pitchFamily="49" charset="0"/>
               </a:rPr>
-              <a:t> </a:t>
-            </a:r>
-            <a:r>
-              <a:rPr lang="en-US" sz="800" dirty="0" smtClean="0">
-                <a:solidFill>
-                  <a:schemeClr val="tx1"/>
-                </a:solidFill>
-                <a:latin typeface="Consolas" pitchFamily="49" charset="0"/>
-                <a:cs typeface="Consolas" pitchFamily="49" charset="0"/>
-              </a:rPr>
-              <a:t>       if </a:t>
-            </a:r>
-            <a:r>
-              <a:rPr lang="en-US" sz="800" dirty="0" smtClean="0">
-                <a:solidFill>
-                  <a:schemeClr val="tx1"/>
-                </a:solidFill>
-                <a:latin typeface="Consolas" pitchFamily="49" charset="0"/>
-                <a:cs typeface="Consolas" pitchFamily="49" charset="0"/>
-              </a:rPr>
-              <a:t>(</a:t>
-            </a:r>
-            <a:r>
-              <a:rPr lang="en-US" sz="800" dirty="0" err="1" smtClean="0">
-                <a:solidFill>
-                  <a:schemeClr val="tx1"/>
-                </a:solidFill>
-                <a:latin typeface="Consolas" pitchFamily="49" charset="0"/>
-                <a:cs typeface="Consolas" pitchFamily="49" charset="0"/>
-              </a:rPr>
-              <a:t>framecount</a:t>
-            </a:r>
-            <a:r>
-              <a:rPr lang="en-US" sz="800" dirty="0" smtClean="0">
-                <a:solidFill>
-                  <a:schemeClr val="tx1"/>
-                </a:solidFill>
-                <a:latin typeface="Consolas" pitchFamily="49" charset="0"/>
-                <a:cs typeface="Consolas" pitchFamily="49" charset="0"/>
-              </a:rPr>
-              <a:t> == 0) {</a:t>
-            </a:r>
-          </a:p>
-          <a:p>
-            <a:r>
-              <a:rPr lang="en-US" sz="800" dirty="0" smtClean="0">
-                <a:solidFill>
-                  <a:schemeClr val="tx1"/>
-                </a:solidFill>
-                <a:latin typeface="Consolas" pitchFamily="49" charset="0"/>
-                <a:cs typeface="Consolas" pitchFamily="49" charset="0"/>
-              </a:rPr>
-              <a:t>        } </a:t>
-            </a:r>
-            <a:r>
-              <a:rPr lang="en-US" sz="800" dirty="0" smtClean="0">
-                <a:solidFill>
-                  <a:schemeClr val="tx1"/>
-                </a:solidFill>
-                <a:latin typeface="Consolas" pitchFamily="49" charset="0"/>
-                <a:cs typeface="Consolas" pitchFamily="49" charset="0"/>
-              </a:rPr>
-              <a:t>else if (</a:t>
-            </a:r>
-            <a:r>
-              <a:rPr lang="en-US" sz="800" dirty="0" err="1" smtClean="0">
-                <a:solidFill>
-                  <a:schemeClr val="tx1"/>
-                </a:solidFill>
-                <a:latin typeface="Consolas" pitchFamily="49" charset="0"/>
-                <a:cs typeface="Consolas" pitchFamily="49" charset="0"/>
-              </a:rPr>
-              <a:t>framecount</a:t>
-            </a:r>
-            <a:r>
-              <a:rPr lang="en-US" sz="800" dirty="0" smtClean="0">
-                <a:solidFill>
-                  <a:schemeClr val="tx1"/>
-                </a:solidFill>
-                <a:latin typeface="Consolas" pitchFamily="49" charset="0"/>
-                <a:cs typeface="Consolas" pitchFamily="49" charset="0"/>
-              </a:rPr>
-              <a:t> == 3 </a:t>
-            </a:r>
-          </a:p>
-          <a:p>
-            <a:r>
-              <a:rPr lang="en-US" sz="800" dirty="0" smtClean="0">
-                <a:solidFill>
-                  <a:schemeClr val="tx1"/>
-                </a:solidFill>
-                <a:latin typeface="Consolas" pitchFamily="49" charset="0"/>
-                <a:cs typeface="Consolas" pitchFamily="49" charset="0"/>
-              </a:rPr>
-              <a:t>                || </a:t>
-            </a:r>
-            <a:r>
-              <a:rPr lang="en-US" sz="800" dirty="0" err="1" smtClean="0">
-                <a:solidFill>
-                  <a:schemeClr val="tx1"/>
-                </a:solidFill>
-                <a:latin typeface="Consolas" pitchFamily="49" charset="0"/>
-                <a:cs typeface="Consolas" pitchFamily="49" charset="0"/>
-              </a:rPr>
-              <a:t>framecount</a:t>
-            </a:r>
-            <a:r>
-              <a:rPr lang="en-US" sz="800" dirty="0" smtClean="0">
-                <a:solidFill>
-                  <a:schemeClr val="tx1"/>
-                </a:solidFill>
-                <a:latin typeface="Consolas" pitchFamily="49" charset="0"/>
-                <a:cs typeface="Consolas" pitchFamily="49" charset="0"/>
-              </a:rPr>
-              <a:t> == 6 </a:t>
-            </a:r>
-          </a:p>
-          <a:p>
-            <a:r>
-              <a:rPr lang="en-US" sz="800" dirty="0" smtClean="0">
-                <a:solidFill>
-                  <a:schemeClr val="tx1"/>
-                </a:solidFill>
-                <a:latin typeface="Consolas" pitchFamily="49" charset="0"/>
-                <a:cs typeface="Consolas" pitchFamily="49" charset="0"/>
-              </a:rPr>
-              <a:t>                || </a:t>
-            </a:r>
-            <a:r>
-              <a:rPr lang="en-US" sz="800" dirty="0" err="1" smtClean="0">
-                <a:solidFill>
-                  <a:schemeClr val="tx1"/>
-                </a:solidFill>
-                <a:latin typeface="Consolas" pitchFamily="49" charset="0"/>
-                <a:cs typeface="Consolas" pitchFamily="49" charset="0"/>
-              </a:rPr>
-              <a:t>framecount</a:t>
-            </a:r>
-            <a:r>
-              <a:rPr lang="en-US" sz="800" dirty="0" smtClean="0">
-                <a:solidFill>
-                  <a:schemeClr val="tx1"/>
-                </a:solidFill>
-                <a:latin typeface="Consolas" pitchFamily="49" charset="0"/>
-                <a:cs typeface="Consolas" pitchFamily="49" charset="0"/>
-              </a:rPr>
-              <a:t> == 9) {</a:t>
-            </a:r>
-          </a:p>
-          <a:p>
-            <a:r>
-              <a:rPr lang="en-US" sz="800" dirty="0" smtClean="0">
-                <a:solidFill>
-                  <a:schemeClr val="tx1"/>
-                </a:solidFill>
-                <a:latin typeface="Consolas" pitchFamily="49" charset="0"/>
-                <a:cs typeface="Consolas" pitchFamily="49" charset="0"/>
-              </a:rPr>
-              <a:t>        } </a:t>
-            </a:r>
-            <a:r>
-              <a:rPr lang="en-US" sz="800" dirty="0" smtClean="0">
-                <a:solidFill>
-                  <a:schemeClr val="tx1"/>
-                </a:solidFill>
-                <a:latin typeface="Consolas" pitchFamily="49" charset="0"/>
-                <a:cs typeface="Consolas" pitchFamily="49" charset="0"/>
-              </a:rPr>
-              <a:t>else {</a:t>
-            </a:r>
-          </a:p>
-          <a:p>
-            <a:r>
-              <a:rPr lang="en-US" sz="800" dirty="0" smtClean="0">
-                <a:solidFill>
-                  <a:schemeClr val="tx1"/>
-                </a:solidFill>
-                <a:latin typeface="Consolas" pitchFamily="49" charset="0"/>
-                <a:cs typeface="Consolas" pitchFamily="49" charset="0"/>
-              </a:rPr>
-              <a:t>        }</a:t>
+              <a:t>               ...        </a:t>
             </a:r>
           </a:p>
           <a:p>
@@ -8492,19 +8357,18 @@
                 <a:latin typeface="Consolas" pitchFamily="49" charset="0"/>
                 <a:cs typeface="Consolas" pitchFamily="49" charset="0"/>
               </a:rPr>
-              <a:t>               ...        </a:t>
-            </a:r>
-          </a:p>
-          <a:p>
-            <a:endParaRPr lang="en-US" sz="800" dirty="0" smtClean="0">
-              <a:solidFill>
-                <a:schemeClr val="tx1"/>
-              </a:solidFill>
-              <a:latin typeface="Consolas" pitchFamily="49" charset="0"/>
-              <a:cs typeface="Consolas" pitchFamily="49" charset="0"/>
-            </a:endParaRPr>
-          </a:p>
-          <a:p>
+              <a:t>        </a:t>
+            </a:r>
+            <a:r>
+              <a:rPr lang="en-US" sz="800" dirty="0" err="1" smtClean="0">
+                <a:solidFill>
+                  <a:schemeClr val="tx1"/>
+                </a:solidFill>
+                <a:latin typeface="Consolas" pitchFamily="49" charset="0"/>
+                <a:cs typeface="Consolas" pitchFamily="49" charset="0"/>
+              </a:rPr>
+              <a:t>frameno</a:t>
+            </a:r>
             <a:r>
               <a:rPr lang="en-US" sz="800" dirty="0" smtClean="0">
                 <a:solidFill>
@@ -8513,18 +8377,10 @@
                 <a:latin typeface="Consolas" pitchFamily="49" charset="0"/>
                 <a:cs typeface="Consolas" pitchFamily="49" charset="0"/>
               </a:rPr>
-              <a:t>        </a:t>
-            </a:r>
-            <a:r>
-              <a:rPr lang="en-US" sz="800" dirty="0" err="1" smtClean="0">
-                <a:solidFill>
-                  <a:srgbClr val="C00000"/>
-                </a:solidFill>
-                <a:latin typeface="Consolas" pitchFamily="49" charset="0"/>
-                <a:cs typeface="Consolas" pitchFamily="49" charset="0"/>
-              </a:rPr>
-              <a:t>frameno</a:t>
-            </a:r>
+              <a:t>++;</a:t>
+            </a:r>
+          </a:p>
+          <a:p>
             <a:r>
               <a:rPr lang="en-US" sz="800" dirty="0" smtClean="0">
                 <a:solidFill>
@@ -8533,7 +8389,7 @@
                 <a:latin typeface="Consolas" pitchFamily="49" charset="0"/>
                 <a:cs typeface="Consolas" pitchFamily="49" charset="0"/>
               </a:rPr>
-              <a:t>++;</a:t>
+              <a:t> </a:t>
             </a:r>
           </a:p>
           <a:p>
@@ -8545,7 +8401,7 @@
                 <a:latin typeface="Consolas" pitchFamily="49" charset="0"/>
                 <a:cs typeface="Consolas" pitchFamily="49" charset="0"/>
               </a:rPr>
-              <a:t> </a:t>
+              <a:t>   }</a:t>
             </a:r>
           </a:p>
           <a:p>
@@ -8557,34 +8413,8 @@
                 <a:latin typeface="Consolas" pitchFamily="49" charset="0"/>
                 <a:cs typeface="Consolas" pitchFamily="49" charset="0"/>
               </a:rPr>
-              <a:t>   }</a:t>
-            </a:r>
-            <a:endParaRPr lang="en-US" sz="800" dirty="0" smtClean="0">
-              <a:solidFill>
-                <a:schemeClr val="tx1"/>
-              </a:solidFill>
-              <a:latin typeface="Consolas" pitchFamily="49" charset="0"/>
-              <a:cs typeface="Consolas" pitchFamily="49" charset="0"/>
-            </a:endParaRPr>
-          </a:p>
-          <a:p>
-            <a:r>
-              <a:rPr lang="en-US" sz="800" dirty="0" smtClean="0">
-                <a:solidFill>
-                  <a:schemeClr val="tx1"/>
-                </a:solidFill>
-                <a:latin typeface="Consolas" pitchFamily="49" charset="0"/>
-                <a:cs typeface="Consolas" pitchFamily="49" charset="0"/>
-              </a:rPr>
               <a:t>}</a:t>
             </a:r>
-            <a:endParaRPr lang="en-US" sz="800" dirty="0" smtClean="0">
-              <a:solidFill>
-                <a:schemeClr val="tx1"/>
-              </a:solidFill>
-              <a:latin typeface="Consolas" pitchFamily="49" charset="0"/>
-              <a:cs typeface="Consolas" pitchFamily="49" charset="0"/>
-            </a:endParaRPr>
           </a:p>
         </p:txBody>
       </p:sp>
@@ -8596,7 +8426,7 @@
         </p:nvSpPr>
         <p:spPr>
           <a:xfrm rot="15157347">
-            <a:off x="1820318" y="1792484"/>
+            <a:off x="1820318" y="1716282"/>
             <a:ext cx="387448" cy="1065393"/>
           </a:xfrm>
           <a:prstGeom prst="triangle">
@@ -8648,7 +8478,7 @@
         </p:nvSpPr>
         <p:spPr>
           <a:xfrm>
-            <a:off x="2438400" y="1981202"/>
+            <a:off x="2438400" y="1905000"/>
             <a:ext cx="1676400" cy="381000"/>
           </a:xfrm>
           <a:prstGeom prst="rect">
@@ -8754,6 +8584,1089 @@
           </a:p>
         </p:txBody>
       </p:sp>
+    </p:spTree>
+  </p:cSld>
+  <p:clrMapOvr>
+    <a:masterClrMapping/>
+  </p:clrMapOvr>
+</p:sld>
+</file>
+
+<file path=ppt/slides/slide13.xml><?xml version="1.0" encoding="utf-8"?>
+<p:sld xmlns:a="http://schemas.openxmlformats.org/drawingml/2006/main" xmlns:r="http://schemas.openxmlformats.org/officeDocument/2006/relationships" xmlns:p="http://schemas.openxmlformats.org/presentationml/2006/main">
+  <p:cSld>
+    <p:spTree>
+      <p:nvGrpSpPr>
+        <p:cNvPr id="1" name=""/>
+        <p:cNvGrpSpPr/>
+        <p:nvPr/>
+      </p:nvGrpSpPr>
+      <p:grpSpPr>
+        <a:xfrm>
+          <a:off x="0" y="0"/>
+          <a:ext cx="0" cy="0"/>
+          <a:chOff x="0" y="0"/>
+          <a:chExt cx="0" cy="0"/>
+        </a:xfrm>
+      </p:grpSpPr>
+      <p:sp>
+        <p:nvSpPr>
+          <p:cNvPr id="22" name="Right Triangle 21"/>
+          <p:cNvSpPr/>
+          <p:nvPr/>
+        </p:nvSpPr>
+        <p:spPr>
+          <a:xfrm flipH="1">
+            <a:off x="1371600" y="1600200"/>
+            <a:ext cx="685800" cy="228600"/>
+          </a:xfrm>
+          <a:prstGeom prst="rtTriangle">
+            <a:avLst/>
+          </a:prstGeom>
+          <a:solidFill>
+            <a:schemeClr val="bg1">
+              <a:lumMod val="75000"/>
+            </a:schemeClr>
+          </a:solidFill>
+          <a:ln w="12700">
+            <a:solidFill>
+              <a:schemeClr val="tx1"/>
+            </a:solidFill>
+          </a:ln>
+        </p:spPr>
+        <p:style>
+          <a:lnRef idx="2">
+            <a:schemeClr val="accent1">
+              <a:shade val="50000"/>
+            </a:schemeClr>
+          </a:lnRef>
+          <a:fillRef idx="1">
+            <a:schemeClr val="accent1"/>
+          </a:fillRef>
+          <a:effectRef idx="0">
+            <a:schemeClr val="accent1"/>
+          </a:effectRef>
+          <a:fontRef idx="minor">
+            <a:schemeClr val="lt1"/>
+          </a:fontRef>
+        </p:style>
+        <p:txBody>
+          <a:bodyPr rtlCol="0" anchor="ctr"/>
+          <a:lstStyle/>
+          <a:p>
+            <a:pPr algn="ctr"/>
+            <a:endParaRPr lang="en-US"/>
+          </a:p>
+        </p:txBody>
+      </p:sp>
+      <p:sp>
+        <p:nvSpPr>
+          <p:cNvPr id="6" name="Rounded Rectangle 5"/>
+          <p:cNvSpPr/>
+          <p:nvPr/>
+        </p:nvSpPr>
+        <p:spPr>
+          <a:xfrm>
+            <a:off x="228600" y="152400"/>
+            <a:ext cx="2590800" cy="4114800"/>
+          </a:xfrm>
+          <a:prstGeom prst="roundRect">
+            <a:avLst/>
+          </a:prstGeom>
+          <a:solidFill>
+            <a:schemeClr val="bg1">
+              <a:alpha val="50000"/>
+            </a:schemeClr>
+          </a:solidFill>
+          <a:ln>
+            <a:solidFill>
+              <a:schemeClr val="tx1"/>
+            </a:solidFill>
+          </a:ln>
+        </p:spPr>
+        <p:style>
+          <a:lnRef idx="2">
+            <a:schemeClr val="accent1">
+              <a:shade val="50000"/>
+            </a:schemeClr>
+          </a:lnRef>
+          <a:fillRef idx="1">
+            <a:schemeClr val="accent1"/>
+          </a:fillRef>
+          <a:effectRef idx="0">
+            <a:schemeClr val="accent1"/>
+          </a:effectRef>
+          <a:fontRef idx="minor">
+            <a:schemeClr val="lt1"/>
+          </a:fontRef>
+        </p:style>
+        <p:txBody>
+          <a:bodyPr lIns="91440" rtlCol="0" anchor="ctr"/>
+          <a:lstStyle/>
+          <a:p>
+            <a:r>
+              <a:rPr lang="en-US" sz="800" dirty="0" err="1" smtClean="0">
+                <a:solidFill>
+                  <a:schemeClr val="tx1"/>
+                </a:solidFill>
+                <a:latin typeface="Consolas" pitchFamily="49" charset="0"/>
+                <a:cs typeface="Consolas" pitchFamily="49" charset="0"/>
+              </a:rPr>
+              <a:t>int</a:t>
+            </a:r>
+            <a:r>
+              <a:rPr lang="en-US" sz="800" dirty="0" smtClean="0">
+                <a:solidFill>
+                  <a:schemeClr val="tx1"/>
+                </a:solidFill>
+                <a:latin typeface="Consolas" pitchFamily="49" charset="0"/>
+                <a:cs typeface="Consolas" pitchFamily="49" charset="0"/>
+              </a:rPr>
+              <a:t>-&gt;</a:t>
+            </a:r>
+            <a:r>
+              <a:rPr lang="en-US" sz="800" dirty="0" err="1" smtClean="0">
+                <a:solidFill>
+                  <a:schemeClr val="tx1"/>
+                </a:solidFill>
+                <a:latin typeface="Consolas" pitchFamily="49" charset="0"/>
+                <a:cs typeface="Consolas" pitchFamily="49" charset="0"/>
+              </a:rPr>
+              <a:t>int</a:t>
+            </a:r>
+            <a:r>
+              <a:rPr lang="en-US" sz="800" dirty="0" smtClean="0">
+                <a:solidFill>
+                  <a:schemeClr val="tx1"/>
+                </a:solidFill>
+                <a:latin typeface="Consolas" pitchFamily="49" charset="0"/>
+                <a:cs typeface="Consolas" pitchFamily="49" charset="0"/>
+              </a:rPr>
+              <a:t> filter </a:t>
+            </a:r>
+            <a:r>
+              <a:rPr lang="en-US" sz="800" dirty="0" err="1" smtClean="0">
+                <a:solidFill>
+                  <a:schemeClr val="tx1"/>
+                </a:solidFill>
+                <a:latin typeface="Consolas" pitchFamily="49" charset="0"/>
+                <a:cs typeface="Consolas" pitchFamily="49" charset="0"/>
+              </a:rPr>
+              <a:t>AssignPictureType</a:t>
+            </a:r>
+            <a:r>
+              <a:rPr lang="en-US" sz="800" dirty="0" smtClean="0">
+                <a:solidFill>
+                  <a:schemeClr val="tx1"/>
+                </a:solidFill>
+                <a:latin typeface="Consolas" pitchFamily="49" charset="0"/>
+                <a:cs typeface="Consolas" pitchFamily="49" charset="0"/>
+              </a:rPr>
+              <a:t>(</a:t>
+            </a:r>
+          </a:p>
+          <a:p>
+            <a:r>
+              <a:rPr lang="en-US" sz="800" dirty="0" smtClean="0">
+                <a:solidFill>
+                  <a:schemeClr val="tx1"/>
+                </a:solidFill>
+                <a:latin typeface="Consolas" pitchFamily="49" charset="0"/>
+                <a:cs typeface="Consolas" pitchFamily="49" charset="0"/>
+              </a:rPr>
+              <a:t>	</a:t>
+            </a:r>
+            <a:r>
+              <a:rPr lang="en-US" sz="800" dirty="0" err="1" smtClean="0">
+                <a:solidFill>
+                  <a:schemeClr val="tx1"/>
+                </a:solidFill>
+                <a:latin typeface="Consolas" pitchFamily="49" charset="0"/>
+                <a:cs typeface="Consolas" pitchFamily="49" charset="0"/>
+              </a:rPr>
+              <a:t>int</a:t>
+            </a:r>
+            <a:r>
+              <a:rPr lang="en-US" sz="800" dirty="0" smtClean="0">
+                <a:solidFill>
+                  <a:schemeClr val="tx1"/>
+                </a:solidFill>
+                <a:latin typeface="Consolas" pitchFamily="49" charset="0"/>
+                <a:cs typeface="Consolas" pitchFamily="49" charset="0"/>
+              </a:rPr>
+              <a:t> width, </a:t>
+            </a:r>
+          </a:p>
+          <a:p>
+            <a:r>
+              <a:rPr lang="en-US" sz="800" dirty="0" smtClean="0">
+                <a:solidFill>
+                  <a:schemeClr val="tx1"/>
+                </a:solidFill>
+                <a:latin typeface="Consolas" pitchFamily="49" charset="0"/>
+                <a:cs typeface="Consolas" pitchFamily="49" charset="0"/>
+              </a:rPr>
+              <a:t>	</a:t>
+            </a:r>
+            <a:r>
+              <a:rPr lang="en-US" sz="800" dirty="0" err="1" smtClean="0">
+                <a:solidFill>
+                  <a:schemeClr val="tx1"/>
+                </a:solidFill>
+                <a:latin typeface="Consolas" pitchFamily="49" charset="0"/>
+                <a:cs typeface="Consolas" pitchFamily="49" charset="0"/>
+              </a:rPr>
+              <a:t>int</a:t>
+            </a:r>
+            <a:r>
+              <a:rPr lang="en-US" sz="800" dirty="0" smtClean="0">
+                <a:solidFill>
+                  <a:schemeClr val="tx1"/>
+                </a:solidFill>
+                <a:latin typeface="Consolas" pitchFamily="49" charset="0"/>
+                <a:cs typeface="Consolas" pitchFamily="49" charset="0"/>
+              </a:rPr>
+              <a:t> height, </a:t>
+            </a:r>
+          </a:p>
+          <a:p>
+            <a:r>
+              <a:rPr lang="en-US" sz="800" dirty="0" smtClean="0">
+                <a:solidFill>
+                  <a:schemeClr val="tx1"/>
+                </a:solidFill>
+                <a:latin typeface="Consolas" pitchFamily="49" charset="0"/>
+                <a:cs typeface="Consolas" pitchFamily="49" charset="0"/>
+              </a:rPr>
+              <a:t>	</a:t>
+            </a:r>
+            <a:r>
+              <a:rPr lang="en-US" sz="800" dirty="0" err="1" smtClean="0">
+                <a:solidFill>
+                  <a:schemeClr val="tx1"/>
+                </a:solidFill>
+                <a:latin typeface="Consolas" pitchFamily="49" charset="0"/>
+                <a:cs typeface="Consolas" pitchFamily="49" charset="0"/>
+              </a:rPr>
+              <a:t>int</a:t>
+            </a:r>
+            <a:r>
+              <a:rPr lang="en-US" sz="800" dirty="0" smtClean="0">
+                <a:solidFill>
+                  <a:schemeClr val="tx1"/>
+                </a:solidFill>
+                <a:latin typeface="Consolas" pitchFamily="49" charset="0"/>
+                <a:cs typeface="Consolas" pitchFamily="49" charset="0"/>
+              </a:rPr>
+              <a:t> </a:t>
+            </a:r>
+            <a:r>
+              <a:rPr lang="en-US" sz="800" dirty="0" err="1" smtClean="0">
+                <a:solidFill>
+                  <a:schemeClr val="tx1"/>
+                </a:solidFill>
+                <a:latin typeface="Consolas" pitchFamily="49" charset="0"/>
+                <a:cs typeface="Consolas" pitchFamily="49" charset="0"/>
+              </a:rPr>
+              <a:t>numpictures</a:t>
+            </a:r>
+            <a:r>
+              <a:rPr lang="en-US" sz="800" dirty="0" smtClean="0">
+                <a:solidFill>
+                  <a:schemeClr val="tx1"/>
+                </a:solidFill>
+                <a:latin typeface="Consolas" pitchFamily="49" charset="0"/>
+                <a:cs typeface="Consolas" pitchFamily="49" charset="0"/>
+              </a:rPr>
+              <a:t>) {</a:t>
+            </a:r>
+          </a:p>
+          <a:p>
+            <a:endParaRPr lang="en-US" sz="800" dirty="0" smtClean="0">
+              <a:solidFill>
+                <a:schemeClr val="tx1"/>
+              </a:solidFill>
+              <a:latin typeface="Consolas" pitchFamily="49" charset="0"/>
+              <a:cs typeface="Consolas" pitchFamily="49" charset="0"/>
+            </a:endParaRPr>
+          </a:p>
+          <a:p>
+            <a:r>
+              <a:rPr lang="en-US" sz="800" dirty="0" smtClean="0">
+                <a:solidFill>
+                  <a:schemeClr val="bg1">
+                    <a:lumMod val="75000"/>
+                  </a:schemeClr>
+                </a:solidFill>
+                <a:latin typeface="Consolas" pitchFamily="49" charset="0"/>
+                <a:cs typeface="Consolas" pitchFamily="49" charset="0"/>
+              </a:rPr>
+              <a:t>    </a:t>
+            </a:r>
+            <a:r>
+              <a:rPr lang="en-US" sz="800" dirty="0" err="1" smtClean="0">
+                <a:solidFill>
+                  <a:schemeClr val="bg1">
+                    <a:lumMod val="75000"/>
+                  </a:schemeClr>
+                </a:solidFill>
+                <a:latin typeface="Consolas" pitchFamily="49" charset="0"/>
+                <a:cs typeface="Consolas" pitchFamily="49" charset="0"/>
+              </a:rPr>
+              <a:t>int</a:t>
+            </a:r>
+            <a:r>
+              <a:rPr lang="en-US" sz="800" dirty="0" smtClean="0">
+                <a:solidFill>
+                  <a:schemeClr val="bg1">
+                    <a:lumMod val="75000"/>
+                  </a:schemeClr>
+                </a:solidFill>
+                <a:latin typeface="Consolas" pitchFamily="49" charset="0"/>
+                <a:cs typeface="Consolas" pitchFamily="49" charset="0"/>
+              </a:rPr>
+              <a:t> </a:t>
+            </a:r>
+            <a:r>
+              <a:rPr lang="en-US" sz="800" dirty="0" err="1" smtClean="0">
+                <a:solidFill>
+                  <a:schemeClr val="bg1">
+                    <a:lumMod val="75000"/>
+                  </a:schemeClr>
+                </a:solidFill>
+                <a:latin typeface="Consolas" pitchFamily="49" charset="0"/>
+                <a:cs typeface="Consolas" pitchFamily="49" charset="0"/>
+              </a:rPr>
+              <a:t>frameno</a:t>
+            </a:r>
+            <a:r>
+              <a:rPr lang="en-US" sz="800" dirty="0" smtClean="0">
+                <a:solidFill>
+                  <a:schemeClr val="bg1">
+                    <a:lumMod val="75000"/>
+                  </a:schemeClr>
+                </a:solidFill>
+                <a:latin typeface="Consolas" pitchFamily="49" charset="0"/>
+                <a:cs typeface="Consolas" pitchFamily="49" charset="0"/>
+              </a:rPr>
+              <a:t>;</a:t>
+            </a:r>
+          </a:p>
+          <a:p>
+            <a:r>
+              <a:rPr lang="en-US" sz="800" dirty="0" smtClean="0">
+                <a:solidFill>
+                  <a:schemeClr val="bg1">
+                    <a:lumMod val="75000"/>
+                  </a:schemeClr>
+                </a:solidFill>
+                <a:latin typeface="Consolas" pitchFamily="49" charset="0"/>
+                <a:cs typeface="Consolas" pitchFamily="49" charset="0"/>
+              </a:rPr>
+              <a:t>    init {</a:t>
+            </a:r>
+          </a:p>
+          <a:p>
+            <a:r>
+              <a:rPr lang="en-US" sz="800" dirty="0" smtClean="0">
+                <a:solidFill>
+                  <a:schemeClr val="bg1">
+                    <a:lumMod val="75000"/>
+                  </a:schemeClr>
+                </a:solidFill>
+                <a:latin typeface="Consolas" pitchFamily="49" charset="0"/>
+                <a:cs typeface="Consolas" pitchFamily="49" charset="0"/>
+              </a:rPr>
+              <a:t>        </a:t>
+            </a:r>
+            <a:r>
+              <a:rPr lang="en-US" sz="800" dirty="0" err="1" smtClean="0">
+                <a:solidFill>
+                  <a:schemeClr val="bg1">
+                    <a:lumMod val="75000"/>
+                  </a:schemeClr>
+                </a:solidFill>
+                <a:latin typeface="Consolas" pitchFamily="49" charset="0"/>
+                <a:cs typeface="Consolas" pitchFamily="49" charset="0"/>
+              </a:rPr>
+              <a:t>frameno</a:t>
+            </a:r>
+            <a:r>
+              <a:rPr lang="en-US" sz="800" dirty="0" smtClean="0">
+                <a:solidFill>
+                  <a:schemeClr val="bg1">
+                    <a:lumMod val="75000"/>
+                  </a:schemeClr>
+                </a:solidFill>
+                <a:latin typeface="Consolas" pitchFamily="49" charset="0"/>
+                <a:cs typeface="Consolas" pitchFamily="49" charset="0"/>
+              </a:rPr>
+              <a:t> = 0;</a:t>
+            </a:r>
+          </a:p>
+          <a:p>
+            <a:r>
+              <a:rPr lang="en-US" sz="800" dirty="0" smtClean="0">
+                <a:solidFill>
+                  <a:schemeClr val="bg1">
+                    <a:lumMod val="75000"/>
+                  </a:schemeClr>
+                </a:solidFill>
+                <a:latin typeface="Consolas" pitchFamily="49" charset="0"/>
+                <a:cs typeface="Consolas" pitchFamily="49" charset="0"/>
+              </a:rPr>
+              <a:t>    }</a:t>
+            </a:r>
+          </a:p>
+          <a:p>
+            <a:endParaRPr lang="en-US" sz="800" dirty="0" smtClean="0">
+              <a:solidFill>
+                <a:schemeClr val="tx1"/>
+              </a:solidFill>
+              <a:latin typeface="Consolas" pitchFamily="49" charset="0"/>
+              <a:cs typeface="Consolas" pitchFamily="49" charset="0"/>
+            </a:endParaRPr>
+          </a:p>
+          <a:p>
+            <a:r>
+              <a:rPr lang="en-US" sz="800" dirty="0" smtClean="0">
+                <a:solidFill>
+                  <a:schemeClr val="tx1"/>
+                </a:solidFill>
+                <a:latin typeface="Consolas" pitchFamily="49" charset="0"/>
+                <a:cs typeface="Consolas" pitchFamily="49" charset="0"/>
+              </a:rPr>
+              <a:t>    work pop (width*height*3) </a:t>
+            </a:r>
+          </a:p>
+          <a:p>
+            <a:r>
+              <a:rPr lang="en-US" sz="800" dirty="0" smtClean="0">
+                <a:solidFill>
+                  <a:schemeClr val="tx1"/>
+                </a:solidFill>
+                <a:latin typeface="Consolas" pitchFamily="49" charset="0"/>
+                <a:cs typeface="Consolas" pitchFamily="49" charset="0"/>
+              </a:rPr>
+              <a:t>         push 2 {</a:t>
+            </a:r>
+          </a:p>
+          <a:p>
+            <a:endParaRPr lang="en-US" sz="800" dirty="0" smtClean="0">
+              <a:solidFill>
+                <a:schemeClr val="tx1"/>
+              </a:solidFill>
+              <a:latin typeface="Consolas" pitchFamily="49" charset="0"/>
+              <a:cs typeface="Consolas" pitchFamily="49" charset="0"/>
+            </a:endParaRPr>
+          </a:p>
+          <a:p>
+            <a:r>
+              <a:rPr lang="en-US" sz="800" dirty="0" smtClean="0">
+                <a:solidFill>
+                  <a:schemeClr val="tx1"/>
+                </a:solidFill>
+                <a:latin typeface="Consolas" pitchFamily="49" charset="0"/>
+                <a:cs typeface="Consolas" pitchFamily="49" charset="0"/>
+              </a:rPr>
+              <a:t>               ...</a:t>
+            </a:r>
+          </a:p>
+          <a:p>
+            <a:endParaRPr lang="en-US" sz="800" dirty="0" smtClean="0">
+              <a:solidFill>
+                <a:schemeClr val="tx1"/>
+              </a:solidFill>
+              <a:latin typeface="Consolas" pitchFamily="49" charset="0"/>
+              <a:cs typeface="Consolas" pitchFamily="49" charset="0"/>
+            </a:endParaRPr>
+          </a:p>
+          <a:p>
+            <a:r>
+              <a:rPr lang="en-US" sz="800" dirty="0" smtClean="0">
+                <a:solidFill>
+                  <a:schemeClr val="tx1"/>
+                </a:solidFill>
+                <a:latin typeface="Consolas" pitchFamily="49" charset="0"/>
+                <a:cs typeface="Consolas" pitchFamily="49" charset="0"/>
+              </a:rPr>
+              <a:t>        </a:t>
+            </a:r>
+            <a:r>
+              <a:rPr lang="en-US" sz="800" dirty="0" err="1" smtClean="0">
+                <a:solidFill>
+                  <a:schemeClr val="tx1"/>
+                </a:solidFill>
+                <a:latin typeface="Consolas" pitchFamily="49" charset="0"/>
+                <a:cs typeface="Consolas" pitchFamily="49" charset="0"/>
+              </a:rPr>
+              <a:t>int</a:t>
+            </a:r>
+            <a:r>
+              <a:rPr lang="en-US" sz="800" dirty="0" smtClean="0">
+                <a:solidFill>
+                  <a:schemeClr val="tx1"/>
+                </a:solidFill>
+                <a:latin typeface="Consolas" pitchFamily="49" charset="0"/>
+                <a:cs typeface="Consolas" pitchFamily="49" charset="0"/>
+              </a:rPr>
+              <a:t> </a:t>
+            </a:r>
+            <a:r>
+              <a:rPr lang="en-US" sz="800" dirty="0" err="1" smtClean="0">
+                <a:solidFill>
+                  <a:schemeClr val="tx1"/>
+                </a:solidFill>
+                <a:latin typeface="Consolas" pitchFamily="49" charset="0"/>
+                <a:cs typeface="Consolas" pitchFamily="49" charset="0"/>
+              </a:rPr>
+              <a:t>framecount</a:t>
+            </a:r>
+            <a:r>
+              <a:rPr lang="en-US" sz="800" dirty="0" smtClean="0">
+                <a:solidFill>
+                  <a:schemeClr val="tx1"/>
+                </a:solidFill>
+                <a:latin typeface="Consolas" pitchFamily="49" charset="0"/>
+                <a:cs typeface="Consolas" pitchFamily="49" charset="0"/>
+              </a:rPr>
+              <a:t> = </a:t>
+            </a:r>
+            <a:r>
+              <a:rPr lang="en-US" sz="800" dirty="0" err="1" smtClean="0">
+                <a:solidFill>
+                  <a:schemeClr val="tx1"/>
+                </a:solidFill>
+                <a:latin typeface="Consolas" pitchFamily="49" charset="0"/>
+                <a:cs typeface="Consolas" pitchFamily="49" charset="0"/>
+              </a:rPr>
+              <a:t>frameno</a:t>
+            </a:r>
+            <a:r>
+              <a:rPr lang="en-US" sz="800" dirty="0" smtClean="0">
+                <a:solidFill>
+                  <a:schemeClr val="tx1"/>
+                </a:solidFill>
+                <a:latin typeface="Consolas" pitchFamily="49" charset="0"/>
+                <a:cs typeface="Consolas" pitchFamily="49" charset="0"/>
+              </a:rPr>
+              <a:t> % 12;</a:t>
+            </a:r>
+          </a:p>
+          <a:p>
+            <a:r>
+              <a:rPr lang="en-US" sz="800" dirty="0" smtClean="0">
+                <a:solidFill>
+                  <a:schemeClr val="tx1"/>
+                </a:solidFill>
+                <a:latin typeface="Consolas" pitchFamily="49" charset="0"/>
+                <a:cs typeface="Consolas" pitchFamily="49" charset="0"/>
+              </a:rPr>
+              <a:t>        if (</a:t>
+            </a:r>
+            <a:r>
+              <a:rPr lang="en-US" sz="800" dirty="0" err="1" smtClean="0">
+                <a:solidFill>
+                  <a:schemeClr val="tx1"/>
+                </a:solidFill>
+                <a:latin typeface="Consolas" pitchFamily="49" charset="0"/>
+                <a:cs typeface="Consolas" pitchFamily="49" charset="0"/>
+              </a:rPr>
+              <a:t>framecount</a:t>
+            </a:r>
+            <a:r>
+              <a:rPr lang="en-US" sz="800" dirty="0" smtClean="0">
+                <a:solidFill>
+                  <a:schemeClr val="tx1"/>
+                </a:solidFill>
+                <a:latin typeface="Consolas" pitchFamily="49" charset="0"/>
+                <a:cs typeface="Consolas" pitchFamily="49" charset="0"/>
+              </a:rPr>
+              <a:t> == 0) </a:t>
+            </a:r>
+            <a:r>
+              <a:rPr lang="en-US" sz="800" dirty="0" smtClean="0">
+                <a:solidFill>
+                  <a:schemeClr val="tx1"/>
+                </a:solidFill>
+                <a:latin typeface="Consolas" pitchFamily="49" charset="0"/>
+                <a:cs typeface="Consolas" pitchFamily="49" charset="0"/>
+              </a:rPr>
+              <a:t>{</a:t>
+            </a:r>
+          </a:p>
+          <a:p>
+            <a:r>
+              <a:rPr lang="en-US" sz="800" dirty="0" smtClean="0">
+                <a:solidFill>
+                  <a:schemeClr val="tx1"/>
+                </a:solidFill>
+                <a:latin typeface="Consolas" pitchFamily="49" charset="0"/>
+                <a:cs typeface="Consolas" pitchFamily="49" charset="0"/>
+              </a:rPr>
+              <a:t> </a:t>
+            </a:r>
+            <a:r>
+              <a:rPr lang="en-US" sz="800" dirty="0" smtClean="0">
+                <a:solidFill>
+                  <a:schemeClr val="tx1"/>
+                </a:solidFill>
+                <a:latin typeface="Consolas" pitchFamily="49" charset="0"/>
+                <a:cs typeface="Consolas" pitchFamily="49" charset="0"/>
+              </a:rPr>
+              <a:t>              ...</a:t>
+            </a:r>
+            <a:endParaRPr lang="en-US" sz="800" dirty="0" smtClean="0">
+              <a:solidFill>
+                <a:schemeClr val="tx1"/>
+              </a:solidFill>
+              <a:latin typeface="Consolas" pitchFamily="49" charset="0"/>
+              <a:cs typeface="Consolas" pitchFamily="49" charset="0"/>
+            </a:endParaRPr>
+          </a:p>
+          <a:p>
+            <a:r>
+              <a:rPr lang="en-US" sz="800" dirty="0" smtClean="0">
+                <a:solidFill>
+                  <a:schemeClr val="tx1"/>
+                </a:solidFill>
+                <a:latin typeface="Consolas" pitchFamily="49" charset="0"/>
+                <a:cs typeface="Consolas" pitchFamily="49" charset="0"/>
+              </a:rPr>
+              <a:t>        } else if (</a:t>
+            </a:r>
+            <a:r>
+              <a:rPr lang="en-US" sz="800" dirty="0" err="1" smtClean="0">
+                <a:solidFill>
+                  <a:schemeClr val="tx1"/>
+                </a:solidFill>
+                <a:latin typeface="Consolas" pitchFamily="49" charset="0"/>
+                <a:cs typeface="Consolas" pitchFamily="49" charset="0"/>
+              </a:rPr>
+              <a:t>framecount</a:t>
+            </a:r>
+            <a:r>
+              <a:rPr lang="en-US" sz="800" dirty="0" smtClean="0">
+                <a:solidFill>
+                  <a:schemeClr val="tx1"/>
+                </a:solidFill>
+                <a:latin typeface="Consolas" pitchFamily="49" charset="0"/>
+                <a:cs typeface="Consolas" pitchFamily="49" charset="0"/>
+              </a:rPr>
+              <a:t> == 3 </a:t>
+            </a:r>
+          </a:p>
+          <a:p>
+            <a:r>
+              <a:rPr lang="en-US" sz="800" dirty="0" smtClean="0">
+                <a:solidFill>
+                  <a:schemeClr val="tx1"/>
+                </a:solidFill>
+                <a:latin typeface="Consolas" pitchFamily="49" charset="0"/>
+                <a:cs typeface="Consolas" pitchFamily="49" charset="0"/>
+              </a:rPr>
+              <a:t>                || </a:t>
+            </a:r>
+            <a:r>
+              <a:rPr lang="en-US" sz="800" dirty="0" err="1" smtClean="0">
+                <a:solidFill>
+                  <a:schemeClr val="tx1"/>
+                </a:solidFill>
+                <a:latin typeface="Consolas" pitchFamily="49" charset="0"/>
+                <a:cs typeface="Consolas" pitchFamily="49" charset="0"/>
+              </a:rPr>
+              <a:t>framecount</a:t>
+            </a:r>
+            <a:r>
+              <a:rPr lang="en-US" sz="800" dirty="0" smtClean="0">
+                <a:solidFill>
+                  <a:schemeClr val="tx1"/>
+                </a:solidFill>
+                <a:latin typeface="Consolas" pitchFamily="49" charset="0"/>
+                <a:cs typeface="Consolas" pitchFamily="49" charset="0"/>
+              </a:rPr>
+              <a:t> == 6 </a:t>
+            </a:r>
+          </a:p>
+          <a:p>
+            <a:r>
+              <a:rPr lang="en-US" sz="800" dirty="0" smtClean="0">
+                <a:solidFill>
+                  <a:schemeClr val="tx1"/>
+                </a:solidFill>
+                <a:latin typeface="Consolas" pitchFamily="49" charset="0"/>
+                <a:cs typeface="Consolas" pitchFamily="49" charset="0"/>
+              </a:rPr>
+              <a:t>                || </a:t>
+            </a:r>
+            <a:r>
+              <a:rPr lang="en-US" sz="800" dirty="0" err="1" smtClean="0">
+                <a:solidFill>
+                  <a:schemeClr val="tx1"/>
+                </a:solidFill>
+                <a:latin typeface="Consolas" pitchFamily="49" charset="0"/>
+                <a:cs typeface="Consolas" pitchFamily="49" charset="0"/>
+              </a:rPr>
+              <a:t>framecount</a:t>
+            </a:r>
+            <a:r>
+              <a:rPr lang="en-US" sz="800" dirty="0" smtClean="0">
+                <a:solidFill>
+                  <a:schemeClr val="tx1"/>
+                </a:solidFill>
+                <a:latin typeface="Consolas" pitchFamily="49" charset="0"/>
+                <a:cs typeface="Consolas" pitchFamily="49" charset="0"/>
+              </a:rPr>
+              <a:t> == 9) </a:t>
+            </a:r>
+            <a:r>
+              <a:rPr lang="en-US" sz="800" dirty="0" smtClean="0">
+                <a:solidFill>
+                  <a:schemeClr val="tx1"/>
+                </a:solidFill>
+                <a:latin typeface="Consolas" pitchFamily="49" charset="0"/>
+                <a:cs typeface="Consolas" pitchFamily="49" charset="0"/>
+              </a:rPr>
+              <a:t>{</a:t>
+            </a:r>
+          </a:p>
+          <a:p>
+            <a:r>
+              <a:rPr lang="en-US" sz="800" dirty="0" smtClean="0">
+                <a:solidFill>
+                  <a:schemeClr val="tx1"/>
+                </a:solidFill>
+                <a:latin typeface="Consolas" pitchFamily="49" charset="0"/>
+                <a:cs typeface="Consolas" pitchFamily="49" charset="0"/>
+              </a:rPr>
+              <a:t>               </a:t>
+            </a:r>
+            <a:r>
+              <a:rPr lang="en-US" sz="800" dirty="0" smtClean="0">
+                <a:solidFill>
+                  <a:schemeClr val="tx1"/>
+                </a:solidFill>
+                <a:latin typeface="Consolas" pitchFamily="49" charset="0"/>
+                <a:cs typeface="Consolas" pitchFamily="49" charset="0"/>
+              </a:rPr>
+              <a:t>...</a:t>
+            </a:r>
+            <a:endParaRPr lang="en-US" sz="800" dirty="0" smtClean="0">
+              <a:solidFill>
+                <a:schemeClr val="tx1"/>
+              </a:solidFill>
+              <a:latin typeface="Consolas" pitchFamily="49" charset="0"/>
+              <a:cs typeface="Consolas" pitchFamily="49" charset="0"/>
+            </a:endParaRPr>
+          </a:p>
+          <a:p>
+            <a:r>
+              <a:rPr lang="en-US" sz="800" dirty="0" smtClean="0">
+                <a:solidFill>
+                  <a:schemeClr val="tx1"/>
+                </a:solidFill>
+                <a:latin typeface="Consolas" pitchFamily="49" charset="0"/>
+                <a:cs typeface="Consolas" pitchFamily="49" charset="0"/>
+              </a:rPr>
+              <a:t>        } else </a:t>
+            </a:r>
+            <a:r>
+              <a:rPr lang="en-US" sz="800" dirty="0" smtClean="0">
+                <a:solidFill>
+                  <a:schemeClr val="tx1"/>
+                </a:solidFill>
+                <a:latin typeface="Consolas" pitchFamily="49" charset="0"/>
+                <a:cs typeface="Consolas" pitchFamily="49" charset="0"/>
+              </a:rPr>
+              <a:t>{</a:t>
+            </a:r>
+          </a:p>
+          <a:p>
+            <a:r>
+              <a:rPr lang="en-US" sz="800" dirty="0" smtClean="0">
+                <a:solidFill>
+                  <a:schemeClr val="tx1"/>
+                </a:solidFill>
+                <a:latin typeface="Consolas" pitchFamily="49" charset="0"/>
+                <a:cs typeface="Consolas" pitchFamily="49" charset="0"/>
+              </a:rPr>
+              <a:t>               </a:t>
+            </a:r>
+            <a:r>
+              <a:rPr lang="en-US" sz="800" dirty="0" smtClean="0">
+                <a:solidFill>
+                  <a:schemeClr val="tx1"/>
+                </a:solidFill>
+                <a:latin typeface="Consolas" pitchFamily="49" charset="0"/>
+                <a:cs typeface="Consolas" pitchFamily="49" charset="0"/>
+              </a:rPr>
+              <a:t>...</a:t>
+            </a:r>
+            <a:endParaRPr lang="en-US" sz="800" dirty="0" smtClean="0">
+              <a:solidFill>
+                <a:schemeClr val="tx1"/>
+              </a:solidFill>
+              <a:latin typeface="Consolas" pitchFamily="49" charset="0"/>
+              <a:cs typeface="Consolas" pitchFamily="49" charset="0"/>
+            </a:endParaRPr>
+          </a:p>
+          <a:p>
+            <a:r>
+              <a:rPr lang="en-US" sz="800" dirty="0" smtClean="0">
+                <a:solidFill>
+                  <a:schemeClr val="tx1"/>
+                </a:solidFill>
+                <a:latin typeface="Consolas" pitchFamily="49" charset="0"/>
+                <a:cs typeface="Consolas" pitchFamily="49" charset="0"/>
+              </a:rPr>
+              <a:t>        }</a:t>
+            </a:r>
+          </a:p>
+          <a:p>
+            <a:endParaRPr lang="en-US" sz="800" dirty="0" smtClean="0">
+              <a:solidFill>
+                <a:schemeClr val="tx1"/>
+              </a:solidFill>
+              <a:latin typeface="Consolas" pitchFamily="49" charset="0"/>
+              <a:cs typeface="Consolas" pitchFamily="49" charset="0"/>
+            </a:endParaRPr>
+          </a:p>
+          <a:p>
+            <a:r>
+              <a:rPr lang="en-US" sz="800" dirty="0" smtClean="0">
+                <a:solidFill>
+                  <a:schemeClr val="tx1"/>
+                </a:solidFill>
+                <a:latin typeface="Consolas" pitchFamily="49" charset="0"/>
+                <a:cs typeface="Consolas" pitchFamily="49" charset="0"/>
+              </a:rPr>
+              <a:t>               ...        </a:t>
+            </a:r>
+          </a:p>
+          <a:p>
+            <a:endParaRPr lang="en-US" sz="800" dirty="0" smtClean="0">
+              <a:solidFill>
+                <a:schemeClr val="tx1"/>
+              </a:solidFill>
+              <a:latin typeface="Consolas" pitchFamily="49" charset="0"/>
+              <a:cs typeface="Consolas" pitchFamily="49" charset="0"/>
+            </a:endParaRPr>
+          </a:p>
+          <a:p>
+            <a:r>
+              <a:rPr lang="en-US" sz="800" dirty="0" smtClean="0">
+                <a:solidFill>
+                  <a:schemeClr val="bg1">
+                    <a:lumMod val="75000"/>
+                  </a:schemeClr>
+                </a:solidFill>
+                <a:latin typeface="Consolas" pitchFamily="49" charset="0"/>
+                <a:cs typeface="Consolas" pitchFamily="49" charset="0"/>
+              </a:rPr>
+              <a:t>        </a:t>
+            </a:r>
+            <a:r>
+              <a:rPr lang="en-US" sz="800" dirty="0" err="1" smtClean="0">
+                <a:solidFill>
+                  <a:schemeClr val="bg1">
+                    <a:lumMod val="75000"/>
+                  </a:schemeClr>
+                </a:solidFill>
+                <a:latin typeface="Consolas" pitchFamily="49" charset="0"/>
+                <a:cs typeface="Consolas" pitchFamily="49" charset="0"/>
+              </a:rPr>
+              <a:t>frameno</a:t>
+            </a:r>
+            <a:r>
+              <a:rPr lang="en-US" sz="800" dirty="0" smtClean="0">
+                <a:solidFill>
+                  <a:schemeClr val="bg1">
+                    <a:lumMod val="75000"/>
+                  </a:schemeClr>
+                </a:solidFill>
+                <a:latin typeface="Consolas" pitchFamily="49" charset="0"/>
+                <a:cs typeface="Consolas" pitchFamily="49" charset="0"/>
+              </a:rPr>
+              <a:t>++;</a:t>
+            </a:r>
+          </a:p>
+          <a:p>
+            <a:r>
+              <a:rPr lang="en-US" sz="800" dirty="0" smtClean="0">
+                <a:solidFill>
+                  <a:schemeClr val="tx1"/>
+                </a:solidFill>
+                <a:latin typeface="Consolas" pitchFamily="49" charset="0"/>
+                <a:cs typeface="Consolas" pitchFamily="49" charset="0"/>
+              </a:rPr>
+              <a:t> </a:t>
+            </a:r>
+          </a:p>
+          <a:p>
+            <a:r>
+              <a:rPr lang="en-US" sz="800" dirty="0" smtClean="0">
+                <a:solidFill>
+                  <a:schemeClr val="tx1"/>
+                </a:solidFill>
+                <a:latin typeface="Consolas" pitchFamily="49" charset="0"/>
+                <a:cs typeface="Consolas" pitchFamily="49" charset="0"/>
+              </a:rPr>
+              <a:t>   }</a:t>
+            </a:r>
+          </a:p>
+          <a:p>
+            <a:r>
+              <a:rPr lang="en-US" sz="800" dirty="0" smtClean="0">
+                <a:solidFill>
+                  <a:schemeClr val="tx1"/>
+                </a:solidFill>
+                <a:latin typeface="Consolas" pitchFamily="49" charset="0"/>
+                <a:cs typeface="Consolas" pitchFamily="49" charset="0"/>
+              </a:rPr>
+              <a:t>}</a:t>
+            </a:r>
+          </a:p>
+        </p:txBody>
+      </p:sp>
+      <p:sp>
+        <p:nvSpPr>
+          <p:cNvPr id="21" name="Rectangle 20"/>
+          <p:cNvSpPr/>
+          <p:nvPr/>
+        </p:nvSpPr>
+        <p:spPr>
+          <a:xfrm>
+            <a:off x="2057400" y="1600200"/>
+            <a:ext cx="1676400" cy="228600"/>
+          </a:xfrm>
+          <a:prstGeom prst="rect">
+            <a:avLst/>
+          </a:prstGeom>
+          <a:solidFill>
+            <a:schemeClr val="bg1"/>
+          </a:solidFill>
+          <a:ln>
+            <a:solidFill>
+              <a:schemeClr val="tx1"/>
+            </a:solidFill>
+          </a:ln>
+        </p:spPr>
+        <p:style>
+          <a:lnRef idx="2">
+            <a:schemeClr val="accent1">
+              <a:shade val="50000"/>
+            </a:schemeClr>
+          </a:lnRef>
+          <a:fillRef idx="1">
+            <a:schemeClr val="accent1"/>
+          </a:fillRef>
+          <a:effectRef idx="0">
+            <a:schemeClr val="accent1"/>
+          </a:effectRef>
+          <a:fontRef idx="minor">
+            <a:schemeClr val="lt1"/>
+          </a:fontRef>
+        </p:style>
+        <p:txBody>
+          <a:bodyPr rtlCol="0" anchor="ctr"/>
+          <a:lstStyle/>
+          <a:p>
+            <a:pPr algn="ctr"/>
+            <a:r>
+              <a:rPr lang="en-US" sz="1000" dirty="0" err="1" smtClean="0">
+                <a:solidFill>
+                  <a:schemeClr val="tx1"/>
+                </a:solidFill>
+                <a:latin typeface="Consolas" pitchFamily="49" charset="0"/>
+                <a:cs typeface="Consolas" pitchFamily="49" charset="0"/>
+              </a:rPr>
+              <a:t>int</a:t>
+            </a:r>
+            <a:r>
+              <a:rPr lang="en-US" sz="1000" dirty="0" smtClean="0">
+                <a:solidFill>
+                  <a:schemeClr val="tx1"/>
+                </a:solidFill>
+                <a:latin typeface="Consolas" pitchFamily="49" charset="0"/>
+                <a:cs typeface="Consolas" pitchFamily="49" charset="0"/>
+              </a:rPr>
+              <a:t> </a:t>
+            </a:r>
+            <a:r>
+              <a:rPr lang="en-US" sz="1000" dirty="0" err="1" smtClean="0">
+                <a:solidFill>
+                  <a:schemeClr val="tx1"/>
+                </a:solidFill>
+                <a:latin typeface="Consolas" pitchFamily="49" charset="0"/>
+                <a:cs typeface="Consolas" pitchFamily="49" charset="0"/>
+              </a:rPr>
+              <a:t>frameno</a:t>
+            </a:r>
+            <a:r>
+              <a:rPr lang="en-US" sz="1000" dirty="0" smtClean="0">
+                <a:solidFill>
+                  <a:schemeClr val="tx1"/>
+                </a:solidFill>
+                <a:latin typeface="Consolas" pitchFamily="49" charset="0"/>
+                <a:cs typeface="Consolas" pitchFamily="49" charset="0"/>
+              </a:rPr>
+              <a:t> = </a:t>
+            </a:r>
+            <a:r>
+              <a:rPr lang="en-US" sz="1000" dirty="0" err="1" smtClean="0">
+                <a:solidFill>
+                  <a:schemeClr val="tx1"/>
+                </a:solidFill>
+                <a:latin typeface="Consolas" pitchFamily="49" charset="0"/>
+                <a:cs typeface="Consolas" pitchFamily="49" charset="0"/>
+              </a:rPr>
+              <a:t>iter</a:t>
+            </a:r>
+            <a:r>
+              <a:rPr lang="en-US" sz="1000" dirty="0" smtClean="0">
+                <a:solidFill>
+                  <a:schemeClr val="tx1"/>
+                </a:solidFill>
+                <a:latin typeface="Consolas" pitchFamily="49" charset="0"/>
+                <a:cs typeface="Consolas" pitchFamily="49" charset="0"/>
+              </a:rPr>
+              <a:t>();</a:t>
+            </a:r>
+            <a:endParaRPr lang="en-US" sz="1000" dirty="0">
+              <a:solidFill>
+                <a:schemeClr val="tx1"/>
+              </a:solidFill>
+              <a:latin typeface="Consolas" pitchFamily="49" charset="0"/>
+              <a:cs typeface="Consolas" pitchFamily="49" charset="0"/>
+            </a:endParaRPr>
+          </a:p>
+        </p:txBody>
+      </p:sp>
+    </p:spTree>
+  </p:cSld>
+  <p:clrMapOvr>
+    <a:masterClrMapping/>
+  </p:clrMapOvr>
+</p:sld>
+</file>
+
+<file path=ppt/slides/slide14.xml><?xml version="1.0" encoding="utf-8"?>
+<p:sld xmlns:a="http://schemas.openxmlformats.org/drawingml/2006/main" xmlns:r="http://schemas.openxmlformats.org/officeDocument/2006/relationships" xmlns:p="http://schemas.openxmlformats.org/presentationml/2006/main">
+  <p:cSld>
+    <p:spTree>
+      <p:nvGrpSpPr>
+        <p:cNvPr id="1" name=""/>
+        <p:cNvGrpSpPr/>
+        <p:nvPr/>
+      </p:nvGrpSpPr>
+      <p:grpSpPr>
+        <a:xfrm>
+          <a:off x="0" y="0"/>
+          <a:ext cx="0" cy="0"/>
+          <a:chOff x="0" y="0"/>
+          <a:chExt cx="0" cy="0"/>
+        </a:xfrm>
+      </p:grpSpPr>
     </p:spTree>
   </p:cSld>
   <p:clrMapOvr>

--- a/streams/docs/induction-state-2012/figures/fission-induction2.pptx
+++ b/streams/docs/induction-state-2012/figures/fission-induction2.pptx
@@ -5,10 +5,10 @@
     <p:sldMasterId id="2147483648" r:id="rId1"/>
   </p:sldMasterIdLst>
   <p:notesMasterIdLst>
-    <p:notesMasterId r:id="rId16"/>
+    <p:notesMasterId r:id="rId17"/>
   </p:notesMasterIdLst>
   <p:handoutMasterIdLst>
-    <p:handoutMasterId r:id="rId17"/>
+    <p:handoutMasterId r:id="rId18"/>
   </p:handoutMasterIdLst>
   <p:sldIdLst>
     <p:sldId id="256" r:id="rId2"/>
@@ -25,6 +25,7 @@
     <p:sldId id="267" r:id="rId13"/>
     <p:sldId id="268" r:id="rId14"/>
     <p:sldId id="269" r:id="rId15"/>
+    <p:sldId id="270" r:id="rId16"/>
   </p:sldIdLst>
   <p:sldSz cx="9144000" cy="6858000" type="screen4x3"/>
   <p:notesSz cx="6858000" cy="9144000"/>
@@ -620,6 +621,249 @@
 </c:chartSpace>
 </file>
 
+<file path=ppt/charts/chart2.xml><?xml version="1.0" encoding="utf-8"?>
+<c:chartSpace xmlns:c="http://schemas.openxmlformats.org/drawingml/2006/chart" xmlns:a="http://schemas.openxmlformats.org/drawingml/2006/main" xmlns:r="http://schemas.openxmlformats.org/officeDocument/2006/relationships">
+  <c:lang val="en-US"/>
+  <c:chart>
+    <c:plotArea>
+      <c:layout/>
+      <c:scatterChart>
+        <c:scatterStyle val="lineMarker"/>
+        <c:ser>
+          <c:idx val="0"/>
+          <c:order val="0"/>
+          <c:tx>
+            <c:strRef>
+              <c:f>'Mpeg-motionestimation'!$H$2</c:f>
+              <c:strCache>
+                <c:ptCount val="1"/>
+                <c:pt idx="0">
+                  <c:v>Using iter()</c:v>
+                </c:pt>
+              </c:strCache>
+            </c:strRef>
+          </c:tx>
+          <c:spPr>
+            <a:ln w="28575">
+              <a:solidFill>
+                <a:schemeClr val="tx2">
+                  <a:lumMod val="60000"/>
+                  <a:lumOff val="40000"/>
+                </a:schemeClr>
+              </a:solidFill>
+            </a:ln>
+          </c:spPr>
+          <c:xVal>
+            <c:numRef>
+              <c:f>'Mpeg-motionestimation'!$G$3:$G$8</c:f>
+              <c:numCache>
+                <c:formatCode>General</c:formatCode>
+                <c:ptCount val="6"/>
+                <c:pt idx="0">
+                  <c:v>1</c:v>
+                </c:pt>
+                <c:pt idx="1">
+                  <c:v>2</c:v>
+                </c:pt>
+                <c:pt idx="2">
+                  <c:v>4</c:v>
+                </c:pt>
+                <c:pt idx="3">
+                  <c:v>8</c:v>
+                </c:pt>
+                <c:pt idx="4">
+                  <c:v>16</c:v>
+                </c:pt>
+                <c:pt idx="5">
+                  <c:v>32</c:v>
+                </c:pt>
+              </c:numCache>
+            </c:numRef>
+          </c:xVal>
+          <c:yVal>
+            <c:numRef>
+              <c:f>'Mpeg-motionestimation'!$H$3:$H$8</c:f>
+              <c:numCache>
+                <c:formatCode>0.00</c:formatCode>
+                <c:ptCount val="6"/>
+                <c:pt idx="0">
+                  <c:v>1</c:v>
+                </c:pt>
+                <c:pt idx="1">
+                  <c:v>2.6772067490940596</c:v>
+                </c:pt>
+                <c:pt idx="2">
+                  <c:v>5.2702175611566178</c:v>
+                </c:pt>
+                <c:pt idx="3">
+                  <c:v>9.9416298781992314</c:v>
+                </c:pt>
+                <c:pt idx="4">
+                  <c:v>16.7254715226311</c:v>
+                </c:pt>
+                <c:pt idx="5">
+                  <c:v>28.862103191902431</c:v>
+                </c:pt>
+              </c:numCache>
+            </c:numRef>
+          </c:yVal>
+        </c:ser>
+        <c:ser>
+          <c:idx val="1"/>
+          <c:order val="1"/>
+          <c:tx>
+            <c:strRef>
+              <c:f>'Mpeg-motionestimation'!$I$2</c:f>
+              <c:strCache>
+                <c:ptCount val="1"/>
+                <c:pt idx="0">
+                  <c:v>Base induction state</c:v>
+                </c:pt>
+              </c:strCache>
+            </c:strRef>
+          </c:tx>
+          <c:spPr>
+            <a:ln w="28575">
+              <a:solidFill>
+                <a:schemeClr val="accent2">
+                  <a:lumMod val="75000"/>
+                </a:schemeClr>
+              </a:solidFill>
+            </a:ln>
+          </c:spPr>
+          <c:xVal>
+            <c:numRef>
+              <c:f>'Mpeg-motionestimation'!$G$3:$G$8</c:f>
+              <c:numCache>
+                <c:formatCode>General</c:formatCode>
+                <c:ptCount val="6"/>
+                <c:pt idx="0">
+                  <c:v>1</c:v>
+                </c:pt>
+                <c:pt idx="1">
+                  <c:v>2</c:v>
+                </c:pt>
+                <c:pt idx="2">
+                  <c:v>4</c:v>
+                </c:pt>
+                <c:pt idx="3">
+                  <c:v>8</c:v>
+                </c:pt>
+                <c:pt idx="4">
+                  <c:v>16</c:v>
+                </c:pt>
+                <c:pt idx="5">
+                  <c:v>32</c:v>
+                </c:pt>
+              </c:numCache>
+            </c:numRef>
+          </c:xVal>
+          <c:yVal>
+            <c:numRef>
+              <c:f>'Mpeg-motionestimation'!$I$3:$I$8</c:f>
+              <c:numCache>
+                <c:formatCode>0.00</c:formatCode>
+                <c:ptCount val="6"/>
+                <c:pt idx="0">
+                  <c:v>1</c:v>
+                </c:pt>
+                <c:pt idx="1">
+                  <c:v>1.9942542564666486</c:v>
+                </c:pt>
+                <c:pt idx="2">
+                  <c:v>2.0016707211033991</c:v>
+                </c:pt>
+                <c:pt idx="3">
+                  <c:v>1.9932259008641109</c:v>
+                </c:pt>
+                <c:pt idx="4">
+                  <c:v>1.7774554824344739</c:v>
+                </c:pt>
+                <c:pt idx="5">
+                  <c:v>1.8261165712084637</c:v>
+                </c:pt>
+              </c:numCache>
+            </c:numRef>
+          </c:yVal>
+        </c:ser>
+        <c:axId val="58258944"/>
+        <c:axId val="61292544"/>
+      </c:scatterChart>
+      <c:valAx>
+        <c:axId val="58258944"/>
+        <c:scaling>
+          <c:logBase val="2"/>
+          <c:orientation val="minMax"/>
+        </c:scaling>
+        <c:axPos val="b"/>
+        <c:numFmt formatCode="General" sourceLinked="1"/>
+        <c:tickLblPos val="nextTo"/>
+        <c:crossAx val="61292544"/>
+        <c:crosses val="autoZero"/>
+        <c:crossBetween val="midCat"/>
+      </c:valAx>
+      <c:valAx>
+        <c:axId val="61292544"/>
+        <c:scaling>
+          <c:orientation val="minMax"/>
+        </c:scaling>
+        <c:axPos val="l"/>
+        <c:majorGridlines/>
+        <c:title>
+          <c:tx>
+            <c:rich>
+              <a:bodyPr rot="-5400000" vert="horz"/>
+              <a:lstStyle/>
+              <a:p>
+                <a:pPr>
+                  <a:defRPr/>
+                </a:pPr>
+                <a:r>
+                  <a:rPr lang="en-US"/>
+                  <a:t>Speedups Over 1 Core</a:t>
+                </a:r>
+              </a:p>
+            </c:rich>
+          </c:tx>
+          <c:layout/>
+        </c:title>
+        <c:numFmt formatCode="0" sourceLinked="0"/>
+        <c:tickLblPos val="nextTo"/>
+        <c:crossAx val="58258944"/>
+        <c:crosses val="autoZero"/>
+        <c:crossBetween val="midCat"/>
+      </c:valAx>
+    </c:plotArea>
+    <c:legend>
+      <c:legendPos val="l"/>
+      <c:layout>
+        <c:manualLayout>
+          <c:xMode val="edge"/>
+          <c:yMode val="edge"/>
+          <c:x val="0.20833333333333348"/>
+          <c:y val="0.15702354913969091"/>
+          <c:w val="0.31243066491688576"/>
+          <c:h val="0.16743438320209994"/>
+        </c:manualLayout>
+      </c:layout>
+      <c:overlay val="1"/>
+      <c:spPr>
+        <a:solidFill>
+          <a:sysClr val="window" lastClr="FFFFFF"/>
+        </a:solidFill>
+        <a:ln>
+          <a:solidFill>
+            <a:schemeClr val="tx1"/>
+          </a:solidFill>
+        </a:ln>
+      </c:spPr>
+    </c:legend>
+    <c:plotVisOnly val="1"/>
+  </c:chart>
+  <c:externalData r:id="rId1"/>
+</c:chartSpace>
+</file>
+
 <file path=ppt/handoutMasters/handoutMaster1.xml><?xml version="1.0" encoding="utf-8"?>
 <p:handoutMaster xmlns:a="http://schemas.openxmlformats.org/drawingml/2006/main" xmlns:r="http://schemas.openxmlformats.org/officeDocument/2006/relationships" xmlns:p="http://schemas.openxmlformats.org/presentationml/2006/main">
   <p:cSld>
@@ -8678,7 +8922,7 @@
               <a:alpha val="50000"/>
             </a:schemeClr>
           </a:solidFill>
-          <a:ln>
+          <a:ln w="12700">
             <a:solidFill>
               <a:schemeClr val="tx1"/>
             </a:solidFill>
@@ -9667,6 +9911,874 @@
           <a:chExt cx="0" cy="0"/>
         </a:xfrm>
       </p:grpSpPr>
+      <p:graphicFrame>
+        <p:nvGraphicFramePr>
+          <p:cNvPr id="4" name="Chart 3"/>
+          <p:cNvGraphicFramePr/>
+          <p:nvPr/>
+        </p:nvGraphicFramePr>
+        <p:xfrm>
+          <a:off x="2286000" y="2057400"/>
+          <a:ext cx="4572000" cy="2743200"/>
+        </p:xfrm>
+        <a:graphic>
+          <a:graphicData uri="http://schemas.openxmlformats.org/drawingml/2006/chart">
+            <c:chart xmlns:c="http://schemas.openxmlformats.org/drawingml/2006/chart" xmlns:r="http://schemas.openxmlformats.org/officeDocument/2006/relationships" r:id="rId2"/>
+          </a:graphicData>
+        </a:graphic>
+      </p:graphicFrame>
+    </p:spTree>
+  </p:cSld>
+  <p:clrMapOvr>
+    <a:masterClrMapping/>
+  </p:clrMapOvr>
+</p:sld>
+</file>
+
+<file path=ppt/slides/slide15.xml><?xml version="1.0" encoding="utf-8"?>
+<p:sld xmlns:a="http://schemas.openxmlformats.org/drawingml/2006/main" xmlns:r="http://schemas.openxmlformats.org/officeDocument/2006/relationships" xmlns:p="http://schemas.openxmlformats.org/presentationml/2006/main">
+  <p:cSld>
+    <p:spTree>
+      <p:nvGrpSpPr>
+        <p:cNvPr id="1" name=""/>
+        <p:cNvGrpSpPr/>
+        <p:nvPr/>
+      </p:nvGrpSpPr>
+      <p:grpSpPr>
+        <a:xfrm>
+          <a:off x="0" y="0"/>
+          <a:ext cx="0" cy="0"/>
+          <a:chOff x="0" y="0"/>
+          <a:chExt cx="0" cy="0"/>
+        </a:xfrm>
+      </p:grpSpPr>
+      <p:sp>
+        <p:nvSpPr>
+          <p:cNvPr id="12" name="Rounded Rectangle 11"/>
+          <p:cNvSpPr/>
+          <p:nvPr/>
+        </p:nvSpPr>
+        <p:spPr>
+          <a:xfrm>
+            <a:off x="4114800" y="1371600"/>
+            <a:ext cx="1524000" cy="457200"/>
+          </a:xfrm>
+          <a:prstGeom prst="roundRect">
+            <a:avLst/>
+          </a:prstGeom>
+          <a:solidFill>
+            <a:schemeClr val="bg1"/>
+          </a:solidFill>
+          <a:ln>
+            <a:solidFill>
+              <a:schemeClr val="tx1"/>
+            </a:solidFill>
+          </a:ln>
+        </p:spPr>
+        <p:style>
+          <a:lnRef idx="1">
+            <a:schemeClr val="accent1"/>
+          </a:lnRef>
+          <a:fillRef idx="3">
+            <a:schemeClr val="accent1"/>
+          </a:fillRef>
+          <a:effectRef idx="2">
+            <a:schemeClr val="accent1"/>
+          </a:effectRef>
+          <a:fontRef idx="minor">
+            <a:schemeClr val="lt1"/>
+          </a:fontRef>
+        </p:style>
+        <p:txBody>
+          <a:bodyPr wrap="none" rtlCol="0" anchor="ctr"/>
+          <a:lstStyle/>
+          <a:p>
+            <a:pPr algn="ctr"/>
+            <a:r>
+              <a:rPr lang="en-US" sz="1100" i="1" dirty="0" err="1" smtClean="0">
+                <a:solidFill>
+                  <a:srgbClr val="000000"/>
+                </a:solidFill>
+                <a:latin typeface="Times"/>
+                <a:cs typeface="Times"/>
+              </a:rPr>
+              <a:t>MotionEstimation</a:t>
+            </a:r>
+            <a:endParaRPr lang="en-US" sz="1100" i="1" dirty="0" smtClean="0">
+              <a:solidFill>
+                <a:srgbClr val="000000"/>
+              </a:solidFill>
+              <a:latin typeface="Times"/>
+              <a:cs typeface="Times"/>
+            </a:endParaRPr>
+          </a:p>
+          <a:p>
+            <a:pPr algn="ctr"/>
+            <a:r>
+              <a:rPr lang="en-US" sz="1100" i="1" baseline="-25000" dirty="0" smtClean="0">
+                <a:solidFill>
+                  <a:srgbClr val="000000"/>
+                </a:solidFill>
+                <a:latin typeface="Times"/>
+                <a:cs typeface="Times"/>
+              </a:rPr>
+              <a:t>Work = 783896</a:t>
+            </a:r>
+            <a:endParaRPr lang="en-US" sz="1100" i="1" baseline="-25000" dirty="0">
+              <a:solidFill>
+                <a:srgbClr val="000000"/>
+              </a:solidFill>
+              <a:latin typeface="Times"/>
+              <a:cs typeface="Times"/>
+            </a:endParaRPr>
+          </a:p>
+        </p:txBody>
+      </p:sp>
+      <p:sp>
+        <p:nvSpPr>
+          <p:cNvPr id="13" name="Rounded Rectangle 12"/>
+          <p:cNvSpPr/>
+          <p:nvPr/>
+        </p:nvSpPr>
+        <p:spPr>
+          <a:xfrm>
+            <a:off x="5715000" y="1371600"/>
+            <a:ext cx="1524000" cy="457200"/>
+          </a:xfrm>
+          <a:prstGeom prst="roundRect">
+            <a:avLst/>
+          </a:prstGeom>
+          <a:solidFill>
+            <a:schemeClr val="bg1"/>
+          </a:solidFill>
+          <a:ln>
+            <a:solidFill>
+              <a:schemeClr val="tx1"/>
+            </a:solidFill>
+          </a:ln>
+        </p:spPr>
+        <p:style>
+          <a:lnRef idx="1">
+            <a:schemeClr val="accent1"/>
+          </a:lnRef>
+          <a:fillRef idx="3">
+            <a:schemeClr val="accent1"/>
+          </a:fillRef>
+          <a:effectRef idx="2">
+            <a:schemeClr val="accent1"/>
+          </a:effectRef>
+          <a:fontRef idx="minor">
+            <a:schemeClr val="lt1"/>
+          </a:fontRef>
+        </p:style>
+        <p:txBody>
+          <a:bodyPr wrap="none" rtlCol="0" anchor="ctr"/>
+          <a:lstStyle/>
+          <a:p>
+            <a:pPr algn="ctr"/>
+            <a:r>
+              <a:rPr lang="en-US" sz="1100" i="1" dirty="0" err="1" smtClean="0">
+                <a:solidFill>
+                  <a:srgbClr val="000000"/>
+                </a:solidFill>
+                <a:latin typeface="Times"/>
+                <a:cs typeface="Times"/>
+              </a:rPr>
+              <a:t>MotionEstimation</a:t>
+            </a:r>
+            <a:endParaRPr lang="en-US" sz="1100" i="1" dirty="0" smtClean="0">
+              <a:solidFill>
+                <a:srgbClr val="000000"/>
+              </a:solidFill>
+              <a:latin typeface="Times"/>
+              <a:cs typeface="Times"/>
+            </a:endParaRPr>
+          </a:p>
+          <a:p>
+            <a:pPr algn="ctr"/>
+            <a:r>
+              <a:rPr lang="en-US" sz="1100" i="1" baseline="-25000" dirty="0" smtClean="0">
+                <a:solidFill>
+                  <a:srgbClr val="000000"/>
+                </a:solidFill>
+                <a:latin typeface="Times"/>
+                <a:cs typeface="Times"/>
+              </a:rPr>
+              <a:t>Work = 783896</a:t>
+            </a:r>
+            <a:endParaRPr lang="en-US" sz="1100" i="1" baseline="-25000" dirty="0">
+              <a:solidFill>
+                <a:srgbClr val="000000"/>
+              </a:solidFill>
+              <a:latin typeface="Times"/>
+              <a:cs typeface="Times"/>
+            </a:endParaRPr>
+          </a:p>
+        </p:txBody>
+      </p:sp>
+      <p:sp>
+        <p:nvSpPr>
+          <p:cNvPr id="14" name="Rounded Rectangle 13"/>
+          <p:cNvSpPr/>
+          <p:nvPr/>
+        </p:nvSpPr>
+        <p:spPr>
+          <a:xfrm>
+            <a:off x="2514600" y="1371600"/>
+            <a:ext cx="1524000" cy="457200"/>
+          </a:xfrm>
+          <a:prstGeom prst="roundRect">
+            <a:avLst/>
+          </a:prstGeom>
+          <a:solidFill>
+            <a:schemeClr val="bg1"/>
+          </a:solidFill>
+          <a:ln>
+            <a:solidFill>
+              <a:schemeClr val="tx1"/>
+            </a:solidFill>
+          </a:ln>
+        </p:spPr>
+        <p:style>
+          <a:lnRef idx="1">
+            <a:schemeClr val="accent1"/>
+          </a:lnRef>
+          <a:fillRef idx="3">
+            <a:schemeClr val="accent1"/>
+          </a:fillRef>
+          <a:effectRef idx="2">
+            <a:schemeClr val="accent1"/>
+          </a:effectRef>
+          <a:fontRef idx="minor">
+            <a:schemeClr val="lt1"/>
+          </a:fontRef>
+        </p:style>
+        <p:txBody>
+          <a:bodyPr wrap="none" rtlCol="0" anchor="ctr"/>
+          <a:lstStyle/>
+          <a:p>
+            <a:pPr algn="ctr"/>
+            <a:r>
+              <a:rPr lang="en-US" sz="1100" i="1" dirty="0" err="1" smtClean="0">
+                <a:solidFill>
+                  <a:srgbClr val="000000"/>
+                </a:solidFill>
+                <a:latin typeface="Times"/>
+                <a:cs typeface="Times"/>
+              </a:rPr>
+              <a:t>IntraMotionPrediction</a:t>
+            </a:r>
+            <a:endParaRPr lang="en-US" sz="1100" i="1" dirty="0" smtClean="0">
+              <a:solidFill>
+                <a:srgbClr val="000000"/>
+              </a:solidFill>
+              <a:latin typeface="Times"/>
+              <a:cs typeface="Times"/>
+            </a:endParaRPr>
+          </a:p>
+          <a:p>
+            <a:pPr algn="ctr"/>
+            <a:r>
+              <a:rPr lang="en-US" sz="1100" i="1" baseline="-25000" dirty="0" smtClean="0">
+                <a:solidFill>
+                  <a:srgbClr val="000000"/>
+                </a:solidFill>
+                <a:latin typeface="Times"/>
+                <a:cs typeface="Times"/>
+              </a:rPr>
+              <a:t>Work = 3087</a:t>
+            </a:r>
+            <a:endParaRPr lang="en-US" sz="1100" i="1" baseline="-25000" dirty="0">
+              <a:solidFill>
+                <a:srgbClr val="000000"/>
+              </a:solidFill>
+              <a:latin typeface="Times"/>
+              <a:cs typeface="Times"/>
+            </a:endParaRPr>
+          </a:p>
+        </p:txBody>
+      </p:sp>
+      <p:sp>
+        <p:nvSpPr>
+          <p:cNvPr id="15" name="Rounded Rectangle 14"/>
+          <p:cNvSpPr/>
+          <p:nvPr/>
+        </p:nvSpPr>
+        <p:spPr>
+          <a:xfrm>
+            <a:off x="4419600" y="838200"/>
+            <a:ext cx="914400" cy="275251"/>
+          </a:xfrm>
+          <a:prstGeom prst="roundRect">
+            <a:avLst/>
+          </a:prstGeom>
+          <a:solidFill>
+            <a:schemeClr val="bg1"/>
+          </a:solidFill>
+          <a:ln>
+            <a:solidFill>
+              <a:schemeClr val="tx1"/>
+            </a:solidFill>
+          </a:ln>
+        </p:spPr>
+        <p:style>
+          <a:lnRef idx="1">
+            <a:schemeClr val="accent1"/>
+          </a:lnRef>
+          <a:fillRef idx="3">
+            <a:schemeClr val="accent1"/>
+          </a:fillRef>
+          <a:effectRef idx="2">
+            <a:schemeClr val="accent1"/>
+          </a:effectRef>
+          <a:fontRef idx="minor">
+            <a:schemeClr val="lt1"/>
+          </a:fontRef>
+        </p:style>
+        <p:txBody>
+          <a:bodyPr wrap="none" rtlCol="0" anchor="ctr"/>
+          <a:lstStyle/>
+          <a:p>
+            <a:pPr algn="ctr"/>
+            <a:r>
+              <a:rPr lang="en-US" sz="1100" i="1" dirty="0" smtClean="0">
+                <a:solidFill>
+                  <a:srgbClr val="000000"/>
+                </a:solidFill>
+                <a:latin typeface="Times"/>
+                <a:cs typeface="Times"/>
+              </a:rPr>
+              <a:t>Duplicate</a:t>
+            </a:r>
+            <a:endParaRPr lang="en-US" sz="1100" i="1" dirty="0" smtClean="0">
+              <a:solidFill>
+                <a:srgbClr val="000000"/>
+              </a:solidFill>
+              <a:latin typeface="Times"/>
+              <a:cs typeface="Times"/>
+            </a:endParaRPr>
+          </a:p>
+        </p:txBody>
+      </p:sp>
+      <p:sp>
+        <p:nvSpPr>
+          <p:cNvPr id="16" name="Rounded Rectangle 15"/>
+          <p:cNvSpPr/>
+          <p:nvPr/>
+        </p:nvSpPr>
+        <p:spPr>
+          <a:xfrm>
+            <a:off x="4419600" y="2057400"/>
+            <a:ext cx="914400" cy="275251"/>
+          </a:xfrm>
+          <a:prstGeom prst="roundRect">
+            <a:avLst/>
+          </a:prstGeom>
+          <a:solidFill>
+            <a:schemeClr val="bg1"/>
+          </a:solidFill>
+          <a:ln>
+            <a:solidFill>
+              <a:schemeClr val="tx1"/>
+            </a:solidFill>
+          </a:ln>
+        </p:spPr>
+        <p:style>
+          <a:lnRef idx="1">
+            <a:schemeClr val="accent1"/>
+          </a:lnRef>
+          <a:fillRef idx="3">
+            <a:schemeClr val="accent1"/>
+          </a:fillRef>
+          <a:effectRef idx="2">
+            <a:schemeClr val="accent1"/>
+          </a:effectRef>
+          <a:fontRef idx="minor">
+            <a:schemeClr val="lt1"/>
+          </a:fontRef>
+        </p:style>
+        <p:txBody>
+          <a:bodyPr wrap="none" rtlCol="0" anchor="ctr"/>
+          <a:lstStyle/>
+          <a:p>
+            <a:pPr algn="ctr"/>
+            <a:r>
+              <a:rPr lang="en-US" sz="1100" i="1" dirty="0" smtClean="0">
+                <a:solidFill>
+                  <a:srgbClr val="000000"/>
+                </a:solidFill>
+                <a:latin typeface="Times"/>
+                <a:cs typeface="Times"/>
+              </a:rPr>
+              <a:t>Round Robin</a:t>
+            </a:r>
+            <a:endParaRPr lang="en-US" sz="1100" i="1" dirty="0" smtClean="0">
+              <a:solidFill>
+                <a:srgbClr val="000000"/>
+              </a:solidFill>
+              <a:latin typeface="Times"/>
+              <a:cs typeface="Times"/>
+            </a:endParaRPr>
+          </a:p>
+        </p:txBody>
+      </p:sp>
+      <p:sp>
+        <p:nvSpPr>
+          <p:cNvPr id="48" name="Rounded Rectangle 47"/>
+          <p:cNvSpPr/>
+          <p:nvPr/>
+        </p:nvSpPr>
+        <p:spPr>
+          <a:xfrm>
+            <a:off x="4114800" y="2590800"/>
+            <a:ext cx="1524000" cy="457200"/>
+          </a:xfrm>
+          <a:prstGeom prst="roundRect">
+            <a:avLst/>
+          </a:prstGeom>
+          <a:solidFill>
+            <a:schemeClr val="bg1"/>
+          </a:solidFill>
+          <a:ln>
+            <a:solidFill>
+              <a:schemeClr val="tx1"/>
+            </a:solidFill>
+          </a:ln>
+        </p:spPr>
+        <p:style>
+          <a:lnRef idx="1">
+            <a:schemeClr val="accent1"/>
+          </a:lnRef>
+          <a:fillRef idx="3">
+            <a:schemeClr val="accent1"/>
+          </a:fillRef>
+          <a:effectRef idx="2">
+            <a:schemeClr val="accent1"/>
+          </a:effectRef>
+          <a:fontRef idx="minor">
+            <a:schemeClr val="lt1"/>
+          </a:fontRef>
+        </p:style>
+        <p:txBody>
+          <a:bodyPr wrap="none" rtlCol="0" anchor="ctr"/>
+          <a:lstStyle/>
+          <a:p>
+            <a:pPr algn="ctr"/>
+            <a:r>
+              <a:rPr lang="en-US" sz="1100" i="1" dirty="0" err="1" smtClean="0">
+                <a:solidFill>
+                  <a:srgbClr val="000000"/>
+                </a:solidFill>
+                <a:latin typeface="Times"/>
+                <a:cs typeface="Times"/>
+              </a:rPr>
+              <a:t>MotionPredictionDecision</a:t>
+            </a:r>
+            <a:endParaRPr lang="en-US" sz="1100" i="1" dirty="0" smtClean="0">
+              <a:solidFill>
+                <a:srgbClr val="000000"/>
+              </a:solidFill>
+              <a:latin typeface="Times"/>
+              <a:cs typeface="Times"/>
+            </a:endParaRPr>
+          </a:p>
+          <a:p>
+            <a:pPr algn="ctr"/>
+            <a:r>
+              <a:rPr lang="en-US" sz="1100" i="1" baseline="-25000" dirty="0" smtClean="0">
+                <a:solidFill>
+                  <a:srgbClr val="000000"/>
+                </a:solidFill>
+                <a:latin typeface="Times"/>
+                <a:cs typeface="Times"/>
+              </a:rPr>
+              <a:t>Work = 25589</a:t>
+            </a:r>
+            <a:endParaRPr lang="en-US" sz="1100" i="1" baseline="-25000" dirty="0">
+              <a:solidFill>
+                <a:srgbClr val="000000"/>
+              </a:solidFill>
+              <a:latin typeface="Times"/>
+              <a:cs typeface="Times"/>
+            </a:endParaRPr>
+          </a:p>
+        </p:txBody>
+      </p:sp>
+      <p:cxnSp>
+        <p:nvCxnSpPr>
+          <p:cNvPr id="17" name="Straight Arrow Connector 16"/>
+          <p:cNvCxnSpPr>
+            <a:stCxn id="15" idx="2"/>
+            <a:endCxn id="12" idx="0"/>
+          </p:cNvCxnSpPr>
+          <p:nvPr/>
+        </p:nvCxnSpPr>
+        <p:spPr>
+          <a:xfrm>
+            <a:off x="4876800" y="1113451"/>
+            <a:ext cx="0" cy="258149"/>
+          </a:xfrm>
+          <a:prstGeom prst="straightConnector1">
+            <a:avLst/>
+          </a:prstGeom>
+          <a:ln w="9525" cap="flat" cmpd="sng" algn="ctr">
+            <a:solidFill>
+              <a:srgbClr val="000000"/>
+            </a:solidFill>
+            <a:prstDash val="solid"/>
+            <a:round/>
+            <a:headEnd type="none" w="med" len="med"/>
+            <a:tailEnd type="triangle" w="med" len="med"/>
+          </a:ln>
+        </p:spPr>
+        <p:style>
+          <a:lnRef idx="2">
+            <a:schemeClr val="accent1"/>
+          </a:lnRef>
+          <a:fillRef idx="0">
+            <a:schemeClr val="accent1"/>
+          </a:fillRef>
+          <a:effectRef idx="1">
+            <a:schemeClr val="accent1"/>
+          </a:effectRef>
+          <a:fontRef idx="minor">
+            <a:schemeClr val="tx1"/>
+          </a:fontRef>
+        </p:style>
+      </p:cxnSp>
+      <p:cxnSp>
+        <p:nvCxnSpPr>
+          <p:cNvPr id="20" name="Straight Arrow Connector 19"/>
+          <p:cNvCxnSpPr>
+            <a:stCxn id="15" idx="2"/>
+            <a:endCxn id="13" idx="0"/>
+          </p:cNvCxnSpPr>
+          <p:nvPr/>
+        </p:nvCxnSpPr>
+        <p:spPr>
+          <a:xfrm>
+            <a:off x="4876800" y="1113451"/>
+            <a:ext cx="1600200" cy="258149"/>
+          </a:xfrm>
+          <a:prstGeom prst="straightConnector1">
+            <a:avLst/>
+          </a:prstGeom>
+          <a:ln w="9525" cap="flat" cmpd="sng" algn="ctr">
+            <a:solidFill>
+              <a:srgbClr val="000000"/>
+            </a:solidFill>
+            <a:prstDash val="solid"/>
+            <a:round/>
+            <a:headEnd type="none" w="med" len="med"/>
+            <a:tailEnd type="triangle" w="med" len="med"/>
+          </a:ln>
+        </p:spPr>
+        <p:style>
+          <a:lnRef idx="2">
+            <a:schemeClr val="accent1"/>
+          </a:lnRef>
+          <a:fillRef idx="0">
+            <a:schemeClr val="accent1"/>
+          </a:fillRef>
+          <a:effectRef idx="1">
+            <a:schemeClr val="accent1"/>
+          </a:effectRef>
+          <a:fontRef idx="minor">
+            <a:schemeClr val="tx1"/>
+          </a:fontRef>
+        </p:style>
+      </p:cxnSp>
+      <p:cxnSp>
+        <p:nvCxnSpPr>
+          <p:cNvPr id="23" name="Straight Arrow Connector 22"/>
+          <p:cNvCxnSpPr>
+            <a:stCxn id="15" idx="2"/>
+            <a:endCxn id="14" idx="0"/>
+          </p:cNvCxnSpPr>
+          <p:nvPr/>
+        </p:nvCxnSpPr>
+        <p:spPr>
+          <a:xfrm flipH="1">
+            <a:off x="3276600" y="1113451"/>
+            <a:ext cx="1600200" cy="258149"/>
+          </a:xfrm>
+          <a:prstGeom prst="straightConnector1">
+            <a:avLst/>
+          </a:prstGeom>
+          <a:ln w="9525" cap="flat" cmpd="sng" algn="ctr">
+            <a:solidFill>
+              <a:srgbClr val="000000"/>
+            </a:solidFill>
+            <a:prstDash val="solid"/>
+            <a:round/>
+            <a:headEnd type="none" w="med" len="med"/>
+            <a:tailEnd type="triangle" w="med" len="med"/>
+          </a:ln>
+        </p:spPr>
+        <p:style>
+          <a:lnRef idx="2">
+            <a:schemeClr val="accent1"/>
+          </a:lnRef>
+          <a:fillRef idx="0">
+            <a:schemeClr val="accent1"/>
+          </a:fillRef>
+          <a:effectRef idx="1">
+            <a:schemeClr val="accent1"/>
+          </a:effectRef>
+          <a:fontRef idx="minor">
+            <a:schemeClr val="tx1"/>
+          </a:fontRef>
+        </p:style>
+      </p:cxnSp>
+      <p:cxnSp>
+        <p:nvCxnSpPr>
+          <p:cNvPr id="26" name="Straight Arrow Connector 25"/>
+          <p:cNvCxnSpPr>
+            <a:stCxn id="14" idx="2"/>
+            <a:endCxn id="16" idx="0"/>
+          </p:cNvCxnSpPr>
+          <p:nvPr/>
+        </p:nvCxnSpPr>
+        <p:spPr>
+          <a:xfrm>
+            <a:off x="3276600" y="1828800"/>
+            <a:ext cx="1600200" cy="228600"/>
+          </a:xfrm>
+          <a:prstGeom prst="straightConnector1">
+            <a:avLst/>
+          </a:prstGeom>
+          <a:ln w="9525" cap="flat" cmpd="sng" algn="ctr">
+            <a:solidFill>
+              <a:srgbClr val="000000"/>
+            </a:solidFill>
+            <a:prstDash val="solid"/>
+            <a:round/>
+            <a:headEnd type="none" w="med" len="med"/>
+            <a:tailEnd type="triangle" w="med" len="med"/>
+          </a:ln>
+        </p:spPr>
+        <p:style>
+          <a:lnRef idx="2">
+            <a:schemeClr val="accent1"/>
+          </a:lnRef>
+          <a:fillRef idx="0">
+            <a:schemeClr val="accent1"/>
+          </a:fillRef>
+          <a:effectRef idx="1">
+            <a:schemeClr val="accent1"/>
+          </a:effectRef>
+          <a:fontRef idx="minor">
+            <a:schemeClr val="tx1"/>
+          </a:fontRef>
+        </p:style>
+      </p:cxnSp>
+      <p:cxnSp>
+        <p:nvCxnSpPr>
+          <p:cNvPr id="29" name="Straight Arrow Connector 28"/>
+          <p:cNvCxnSpPr>
+            <a:stCxn id="12" idx="2"/>
+            <a:endCxn id="16" idx="0"/>
+          </p:cNvCxnSpPr>
+          <p:nvPr/>
+        </p:nvCxnSpPr>
+        <p:spPr>
+          <a:xfrm>
+            <a:off x="4876800" y="1828800"/>
+            <a:ext cx="0" cy="228600"/>
+          </a:xfrm>
+          <a:prstGeom prst="straightConnector1">
+            <a:avLst/>
+          </a:prstGeom>
+          <a:ln w="9525" cap="flat" cmpd="sng" algn="ctr">
+            <a:solidFill>
+              <a:srgbClr val="000000"/>
+            </a:solidFill>
+            <a:prstDash val="solid"/>
+            <a:round/>
+            <a:headEnd type="none" w="med" len="med"/>
+            <a:tailEnd type="triangle" w="med" len="med"/>
+          </a:ln>
+        </p:spPr>
+        <p:style>
+          <a:lnRef idx="2">
+            <a:schemeClr val="accent1"/>
+          </a:lnRef>
+          <a:fillRef idx="0">
+            <a:schemeClr val="accent1"/>
+          </a:fillRef>
+          <a:effectRef idx="1">
+            <a:schemeClr val="accent1"/>
+          </a:effectRef>
+          <a:fontRef idx="minor">
+            <a:schemeClr val="tx1"/>
+          </a:fontRef>
+        </p:style>
+      </p:cxnSp>
+      <p:cxnSp>
+        <p:nvCxnSpPr>
+          <p:cNvPr id="32" name="Straight Arrow Connector 31"/>
+          <p:cNvCxnSpPr>
+            <a:stCxn id="13" idx="2"/>
+            <a:endCxn id="16" idx="0"/>
+          </p:cNvCxnSpPr>
+          <p:nvPr/>
+        </p:nvCxnSpPr>
+        <p:spPr>
+          <a:xfrm flipH="1">
+            <a:off x="4876800" y="1828800"/>
+            <a:ext cx="1600200" cy="228600"/>
+          </a:xfrm>
+          <a:prstGeom prst="straightConnector1">
+            <a:avLst/>
+          </a:prstGeom>
+          <a:ln w="9525" cap="flat" cmpd="sng" algn="ctr">
+            <a:solidFill>
+              <a:srgbClr val="000000"/>
+            </a:solidFill>
+            <a:prstDash val="solid"/>
+            <a:round/>
+            <a:headEnd type="none" w="med" len="med"/>
+            <a:tailEnd type="triangle" w="med" len="med"/>
+          </a:ln>
+        </p:spPr>
+        <p:style>
+          <a:lnRef idx="2">
+            <a:schemeClr val="accent1"/>
+          </a:lnRef>
+          <a:fillRef idx="0">
+            <a:schemeClr val="accent1"/>
+          </a:fillRef>
+          <a:effectRef idx="1">
+            <a:schemeClr val="accent1"/>
+          </a:effectRef>
+          <a:fontRef idx="minor">
+            <a:schemeClr val="tx1"/>
+          </a:fontRef>
+        </p:style>
+      </p:cxnSp>
+      <p:cxnSp>
+        <p:nvCxnSpPr>
+          <p:cNvPr id="41" name="Straight Arrow Connector 40"/>
+          <p:cNvCxnSpPr>
+            <a:endCxn id="15" idx="0"/>
+          </p:cNvCxnSpPr>
+          <p:nvPr/>
+        </p:nvCxnSpPr>
+        <p:spPr>
+          <a:xfrm>
+            <a:off x="4876800" y="609600"/>
+            <a:ext cx="0" cy="228600"/>
+          </a:xfrm>
+          <a:prstGeom prst="straightConnector1">
+            <a:avLst/>
+          </a:prstGeom>
+          <a:ln w="9525" cap="flat" cmpd="sng" algn="ctr">
+            <a:solidFill>
+              <a:srgbClr val="000000"/>
+            </a:solidFill>
+            <a:prstDash val="solid"/>
+            <a:round/>
+            <a:headEnd type="none" w="med" len="med"/>
+            <a:tailEnd type="triangle" w="med" len="med"/>
+          </a:ln>
+        </p:spPr>
+        <p:style>
+          <a:lnRef idx="2">
+            <a:schemeClr val="accent1"/>
+          </a:lnRef>
+          <a:fillRef idx="0">
+            <a:schemeClr val="accent1"/>
+          </a:fillRef>
+          <a:effectRef idx="1">
+            <a:schemeClr val="accent1"/>
+          </a:effectRef>
+          <a:fontRef idx="minor">
+            <a:schemeClr val="tx1"/>
+          </a:fontRef>
+        </p:style>
+      </p:cxnSp>
+      <p:cxnSp>
+        <p:nvCxnSpPr>
+          <p:cNvPr id="45" name="Straight Arrow Connector 44"/>
+          <p:cNvCxnSpPr>
+            <a:stCxn id="16" idx="2"/>
+          </p:cNvCxnSpPr>
+          <p:nvPr/>
+        </p:nvCxnSpPr>
+        <p:spPr>
+          <a:xfrm>
+            <a:off x="4876800" y="2332651"/>
+            <a:ext cx="0" cy="258149"/>
+          </a:xfrm>
+          <a:prstGeom prst="straightConnector1">
+            <a:avLst/>
+          </a:prstGeom>
+          <a:ln w="9525" cap="flat" cmpd="sng" algn="ctr">
+            <a:solidFill>
+              <a:srgbClr val="000000"/>
+            </a:solidFill>
+            <a:prstDash val="solid"/>
+            <a:round/>
+            <a:headEnd type="none" w="med" len="med"/>
+            <a:tailEnd type="triangle" w="med" len="med"/>
+          </a:ln>
+        </p:spPr>
+        <p:style>
+          <a:lnRef idx="2">
+            <a:schemeClr val="accent1"/>
+          </a:lnRef>
+          <a:fillRef idx="0">
+            <a:schemeClr val="accent1"/>
+          </a:fillRef>
+          <a:effectRef idx="1">
+            <a:schemeClr val="accent1"/>
+          </a:effectRef>
+          <a:fontRef idx="minor">
+            <a:schemeClr val="tx1"/>
+          </a:fontRef>
+        </p:style>
+      </p:cxnSp>
+      <p:cxnSp>
+        <p:nvCxnSpPr>
+          <p:cNvPr id="63" name="Straight Arrow Connector 62"/>
+          <p:cNvCxnSpPr>
+            <a:stCxn id="48" idx="2"/>
+          </p:cNvCxnSpPr>
+          <p:nvPr/>
+        </p:nvCxnSpPr>
+        <p:spPr>
+          <a:xfrm>
+            <a:off x="4876800" y="3048000"/>
+            <a:ext cx="0" cy="304800"/>
+          </a:xfrm>
+          <a:prstGeom prst="straightConnector1">
+            <a:avLst/>
+          </a:prstGeom>
+          <a:ln w="9525" cap="flat" cmpd="sng" algn="ctr">
+            <a:solidFill>
+              <a:srgbClr val="000000"/>
+            </a:solidFill>
+            <a:prstDash val="solid"/>
+            <a:round/>
+            <a:headEnd type="none" w="med" len="med"/>
+            <a:tailEnd type="triangle" w="med" len="med"/>
+          </a:ln>
+        </p:spPr>
+        <p:style>
+          <a:lnRef idx="2">
+            <a:schemeClr val="accent1"/>
+          </a:lnRef>
+          <a:fillRef idx="0">
+            <a:schemeClr val="accent1"/>
+          </a:fillRef>
+          <a:effectRef idx="1">
+            <a:schemeClr val="accent1"/>
+          </a:effectRef>
+          <a:fontRef idx="minor">
+            <a:schemeClr val="tx1"/>
+          </a:fontRef>
+        </p:style>
+      </p:cxnSp>
     </p:spTree>
   </p:cSld>
   <p:clrMapOvr>

--- a/streams/docs/induction-state-2012/figures/fission-induction2.pptx
+++ b/streams/docs/induction-state-2012/figures/fission-induction2.pptx
@@ -5,10 +5,10 @@
     <p:sldMasterId id="2147483648" r:id="rId1"/>
   </p:sldMasterIdLst>
   <p:notesMasterIdLst>
-    <p:notesMasterId r:id="rId15"/>
+    <p:notesMasterId r:id="rId16"/>
   </p:notesMasterIdLst>
   <p:handoutMasterIdLst>
-    <p:handoutMasterId r:id="rId16"/>
+    <p:handoutMasterId r:id="rId17"/>
   </p:handoutMasterIdLst>
   <p:sldIdLst>
     <p:sldId id="256" r:id="rId2"/>
@@ -20,10 +20,11 @@
     <p:sldId id="259" r:id="rId8"/>
     <p:sldId id="261" r:id="rId9"/>
     <p:sldId id="268" r:id="rId10"/>
-    <p:sldId id="270" r:id="rId11"/>
-    <p:sldId id="271" r:id="rId12"/>
-    <p:sldId id="272" r:id="rId13"/>
-    <p:sldId id="273" r:id="rId14"/>
+    <p:sldId id="274" r:id="rId11"/>
+    <p:sldId id="270" r:id="rId12"/>
+    <p:sldId id="271" r:id="rId13"/>
+    <p:sldId id="272" r:id="rId14"/>
+    <p:sldId id="273" r:id="rId15"/>
   </p:sldIdLst>
   <p:sldSz cx="9144000" cy="6858000" type="screen4x3"/>
   <p:notesSz cx="6858000" cy="9144000"/>
@@ -194,19 +195,19 @@
                   <c:v>1</c:v>
                 </c:pt>
                 <c:pt idx="1">
-                  <c:v>1.9343555210800623</c:v>
+                  <c:v>1.9343555210800625</c:v>
                 </c:pt>
                 <c:pt idx="2">
-                  <c:v>3.6447244086907773</c:v>
+                  <c:v>3.6447244086907782</c:v>
                 </c:pt>
                 <c:pt idx="3">
-                  <c:v>6.4843573911028543</c:v>
+                  <c:v>6.4843573911028551</c:v>
                 </c:pt>
                 <c:pt idx="4">
-                  <c:v>9.551125571110564</c:v>
+                  <c:v>9.5511255711105623</c:v>
                 </c:pt>
                 <c:pt idx="5">
-                  <c:v>14.297470166327786</c:v>
+                  <c:v>14.297470166327784</c:v>
                 </c:pt>
               </c:numCache>
             </c:numRef>
@@ -272,19 +273,19 @@
                   <c:v>1</c:v>
                 </c:pt>
                 <c:pt idx="1">
-                  <c:v>1.7491123887382136</c:v>
+                  <c:v>1.7491123887382141</c:v>
                 </c:pt>
                 <c:pt idx="2">
                   <c:v>3.045638231832875</c:v>
                 </c:pt>
                 <c:pt idx="3">
-                  <c:v>4.7995661490660275</c:v>
+                  <c:v>4.7995661490660284</c:v>
                 </c:pt>
                 <c:pt idx="4">
-                  <c:v>6.1025978249553461</c:v>
+                  <c:v>6.1025978249553452</c:v>
                 </c:pt>
                 <c:pt idx="5">
-                  <c:v>7.8810683159375641</c:v>
+                  <c:v>7.8810683159375658</c:v>
                 </c:pt>
               </c:numCache>
             </c:numRef>
@@ -336,7 +337,7 @@
                   <c:v>1.8180274168544994</c:v>
                 </c:pt>
                 <c:pt idx="2">
-                  <c:v>3.4056326708355211</c:v>
+                  <c:v>3.4056326708355207</c:v>
                 </c:pt>
                 <c:pt idx="3">
                   <c:v>6.1232864929784379</c:v>
@@ -345,17 +346,17 @@
                   <c:v>9.7092331395039562</c:v>
                 </c:pt>
                 <c:pt idx="5">
-                  <c:v>17.507005157023706</c:v>
+                  <c:v>17.507005157023709</c:v>
                 </c:pt>
               </c:numCache>
             </c:numRef>
           </c:yVal>
         </c:ser>
-        <c:axId val="88777088"/>
-        <c:axId val="88779008"/>
+        <c:axId val="62200832"/>
+        <c:axId val="62289024"/>
       </c:scatterChart>
       <c:valAx>
-        <c:axId val="88777088"/>
+        <c:axId val="62200832"/>
         <c:scaling>
           <c:logBase val="2"/>
           <c:orientation val="minMax"/>
@@ -381,12 +382,12 @@
         </c:title>
         <c:numFmt formatCode="General" sourceLinked="1"/>
         <c:tickLblPos val="nextTo"/>
-        <c:crossAx val="88779008"/>
+        <c:crossAx val="62289024"/>
         <c:crosses val="autoZero"/>
         <c:crossBetween val="midCat"/>
       </c:valAx>
       <c:valAx>
-        <c:axId val="88779008"/>
+        <c:axId val="62289024"/>
         <c:scaling>
           <c:orientation val="minMax"/>
         </c:scaling>
@@ -412,7 +413,7 @@
         </c:title>
         <c:numFmt formatCode="0" sourceLinked="0"/>
         <c:tickLblPos val="nextTo"/>
-        <c:crossAx val="88777088"/>
+        <c:crossAx val="62200832"/>
         <c:crosses val="autoZero"/>
         <c:crossBetween val="midCat"/>
       </c:valAx>
@@ -423,9 +424,9 @@
         <c:manualLayout>
           <c:xMode val="edge"/>
           <c:yMode val="edge"/>
-          <c:x val="0.20833333333333359"/>
+          <c:x val="0.20833333333333362"/>
           <c:y val="0.15702354913969091"/>
-          <c:w val="0.32047727162939038"/>
+          <c:w val="0.32047727162939044"/>
           <c:h val="0.21918682891911237"/>
         </c:manualLayout>
       </c:layout>
@@ -522,13 +523,13 @@
                   <c:v>5.2702175611566178</c:v>
                 </c:pt>
                 <c:pt idx="3">
-                  <c:v>9.9416298781992314</c:v>
+                  <c:v>9.9416298781992332</c:v>
                 </c:pt>
                 <c:pt idx="4">
-                  <c:v>16.7254715226311</c:v>
+                  <c:v>16.725471522631096</c:v>
                 </c:pt>
                 <c:pt idx="5">
-                  <c:v>28.862103191902431</c:v>
+                  <c:v>28.862103191902428</c:v>
                 </c:pt>
               </c:numCache>
             </c:numRef>
@@ -594,7 +595,7 @@
                   <c:v>1</c:v>
                 </c:pt>
                 <c:pt idx="1">
-                  <c:v>1.9942542564666486</c:v>
+                  <c:v>1.9942542564666488</c:v>
                 </c:pt>
                 <c:pt idx="2">
                   <c:v>2.0016707211033991</c:v>
@@ -603,10 +604,10 @@
                   <c:v>1.9932259008641109</c:v>
                 </c:pt>
                 <c:pt idx="4">
-                  <c:v>1.7774554824344739</c:v>
+                  <c:v>1.7774554824344737</c:v>
                 </c:pt>
                 <c:pt idx="5">
-                  <c:v>1.8261165712084637</c:v>
+                  <c:v>1.8261165712084639</c:v>
                 </c:pt>
               </c:numCache>
             </c:numRef>
@@ -664,7 +665,7 @@
                   <c:v>7.8333777903959554</c:v>
                 </c:pt>
                 <c:pt idx="4">
-                  <c:v>13.953025537110619</c:v>
+                  <c:v>13.953025537110621</c:v>
                 </c:pt>
                 <c:pt idx="5">
                   <c:v>28.651769002260796</c:v>
@@ -673,11 +674,11 @@
             </c:numRef>
           </c:yVal>
         </c:ser>
-        <c:axId val="113182976"/>
-        <c:axId val="128870272"/>
+        <c:axId val="62323328"/>
+        <c:axId val="62370560"/>
       </c:scatterChart>
       <c:valAx>
-        <c:axId val="113182976"/>
+        <c:axId val="62323328"/>
         <c:scaling>
           <c:logBase val="2"/>
           <c:orientation val="minMax"/>
@@ -703,12 +704,12 @@
         </c:title>
         <c:numFmt formatCode="General" sourceLinked="1"/>
         <c:tickLblPos val="nextTo"/>
-        <c:crossAx val="128870272"/>
+        <c:crossAx val="62370560"/>
         <c:crosses val="autoZero"/>
         <c:crossBetween val="midCat"/>
       </c:valAx>
       <c:valAx>
-        <c:axId val="128870272"/>
+        <c:axId val="62370560"/>
         <c:scaling>
           <c:orientation val="minMax"/>
         </c:scaling>
@@ -734,7 +735,7 @@
         </c:title>
         <c:numFmt formatCode="0" sourceLinked="0"/>
         <c:tickLblPos val="nextTo"/>
-        <c:crossAx val="113182976"/>
+        <c:crossAx val="62323328"/>
         <c:crosses val="autoZero"/>
         <c:crossBetween val="midCat"/>
       </c:valAx>
@@ -745,9 +746,9 @@
         <c:manualLayout>
           <c:xMode val="edge"/>
           <c:yMode val="edge"/>
-          <c:x val="0.20833333333333354"/>
+          <c:x val="0.20833333333333356"/>
           <c:y val="0.15702354913969091"/>
-          <c:w val="0.32047727162939016"/>
+          <c:w val="0.32047727162939027"/>
           <c:h val="0.21918682891911237"/>
         </c:manualLayout>
       </c:layout>
@@ -1162,11 +1163,11 @@
           </c:val>
         </c:ser>
         <c:marker val="1"/>
-        <c:axId val="112290432"/>
-        <c:axId val="112423680"/>
+        <c:axId val="59959552"/>
+        <c:axId val="60023168"/>
       </c:lineChart>
       <c:catAx>
-        <c:axId val="112290432"/>
+        <c:axId val="59959552"/>
         <c:scaling>
           <c:orientation val="minMax"/>
         </c:scaling>
@@ -1191,14 +1192,14 @@
         </c:title>
         <c:numFmt formatCode="General" sourceLinked="1"/>
         <c:tickLblPos val="nextTo"/>
-        <c:crossAx val="112423680"/>
+        <c:crossAx val="60023168"/>
         <c:crosses val="autoZero"/>
         <c:auto val="1"/>
         <c:lblAlgn val="ctr"/>
         <c:lblOffset val="100"/>
       </c:catAx>
       <c:valAx>
-        <c:axId val="112423680"/>
+        <c:axId val="60023168"/>
         <c:scaling>
           <c:orientation val="minMax"/>
         </c:scaling>
@@ -1224,7 +1225,7 @@
         </c:title>
         <c:numFmt formatCode="0" sourceLinked="0"/>
         <c:tickLblPos val="nextTo"/>
-        <c:crossAx val="112290432"/>
+        <c:crossAx val="59959552"/>
         <c:crosses val="autoZero"/>
         <c:crossBetween val="between"/>
       </c:valAx>
@@ -1237,8 +1238,8 @@
           <c:yMode val="edge"/>
           <c:x val="0.2416666666666667"/>
           <c:y val="0.24460265383493729"/>
-          <c:w val="0.19484733158355208"/>
-          <c:h val="0.225320793234179"/>
+          <c:w val="0.19484733158355211"/>
+          <c:h val="0.22532079323417897"/>
         </c:manualLayout>
       </c:layout>
       <c:overlay val="1"/>
@@ -7467,6 +7468,882 @@
       </p:grpSpPr>
       <p:sp>
         <p:nvSpPr>
+          <p:cNvPr id="7" name="Right Triangle 6"/>
+          <p:cNvSpPr/>
+          <p:nvPr/>
+        </p:nvSpPr>
+        <p:spPr>
+          <a:xfrm flipH="1">
+            <a:off x="1371600" y="1600200"/>
+            <a:ext cx="685800" cy="228600"/>
+          </a:xfrm>
+          <a:prstGeom prst="rtTriangle">
+            <a:avLst/>
+          </a:prstGeom>
+          <a:solidFill>
+            <a:schemeClr val="bg1">
+              <a:lumMod val="75000"/>
+            </a:schemeClr>
+          </a:solidFill>
+          <a:ln w="12700">
+            <a:solidFill>
+              <a:schemeClr val="tx1"/>
+            </a:solidFill>
+          </a:ln>
+        </p:spPr>
+        <p:style>
+          <a:lnRef idx="2">
+            <a:schemeClr val="accent1">
+              <a:shade val="50000"/>
+            </a:schemeClr>
+          </a:lnRef>
+          <a:fillRef idx="1">
+            <a:schemeClr val="accent1"/>
+          </a:fillRef>
+          <a:effectRef idx="0">
+            <a:schemeClr val="accent1"/>
+          </a:effectRef>
+          <a:fontRef idx="minor">
+            <a:schemeClr val="lt1"/>
+          </a:fontRef>
+        </p:style>
+        <p:txBody>
+          <a:bodyPr rtlCol="0" anchor="ctr"/>
+          <a:lstStyle/>
+          <a:p>
+            <a:pPr algn="ctr"/>
+            <a:endParaRPr lang="en-US"/>
+          </a:p>
+        </p:txBody>
+      </p:sp>
+      <p:sp>
+        <p:nvSpPr>
+          <p:cNvPr id="8" name="Rounded Rectangle 7"/>
+          <p:cNvSpPr/>
+          <p:nvPr/>
+        </p:nvSpPr>
+        <p:spPr>
+          <a:xfrm>
+            <a:off x="228600" y="152400"/>
+            <a:ext cx="2590800" cy="3200400"/>
+          </a:xfrm>
+          <a:prstGeom prst="roundRect">
+            <a:avLst/>
+          </a:prstGeom>
+          <a:solidFill>
+            <a:schemeClr val="bg1">
+              <a:alpha val="50000"/>
+            </a:schemeClr>
+          </a:solidFill>
+          <a:ln w="12700">
+            <a:solidFill>
+              <a:schemeClr val="tx1"/>
+            </a:solidFill>
+          </a:ln>
+        </p:spPr>
+        <p:style>
+          <a:lnRef idx="2">
+            <a:schemeClr val="accent1">
+              <a:shade val="50000"/>
+            </a:schemeClr>
+          </a:lnRef>
+          <a:fillRef idx="1">
+            <a:schemeClr val="accent1"/>
+          </a:fillRef>
+          <a:effectRef idx="0">
+            <a:schemeClr val="accent1"/>
+          </a:effectRef>
+          <a:fontRef idx="minor">
+            <a:schemeClr val="lt1"/>
+          </a:fontRef>
+        </p:style>
+        <p:txBody>
+          <a:bodyPr lIns="91440" rtlCol="0" anchor="ctr"/>
+          <a:lstStyle/>
+          <a:p>
+            <a:r>
+              <a:rPr lang="en-US" sz="800" dirty="0" err="1" smtClean="0">
+                <a:solidFill>
+                  <a:schemeClr val="tx1"/>
+                </a:solidFill>
+                <a:latin typeface="Consolas" pitchFamily="49" charset="0"/>
+                <a:cs typeface="Consolas" pitchFamily="49" charset="0"/>
+              </a:rPr>
+              <a:t>int</a:t>
+            </a:r>
+            <a:r>
+              <a:rPr lang="en-US" sz="800" dirty="0" smtClean="0">
+                <a:solidFill>
+                  <a:schemeClr val="tx1"/>
+                </a:solidFill>
+                <a:latin typeface="Consolas" pitchFamily="49" charset="0"/>
+                <a:cs typeface="Consolas" pitchFamily="49" charset="0"/>
+              </a:rPr>
+              <a:t>-&gt;</a:t>
+            </a:r>
+            <a:r>
+              <a:rPr lang="en-US" sz="800" dirty="0" err="1" smtClean="0">
+                <a:solidFill>
+                  <a:schemeClr val="tx1"/>
+                </a:solidFill>
+                <a:latin typeface="Consolas" pitchFamily="49" charset="0"/>
+                <a:cs typeface="Consolas" pitchFamily="49" charset="0"/>
+              </a:rPr>
+              <a:t>int</a:t>
+            </a:r>
+            <a:r>
+              <a:rPr lang="en-US" sz="800" dirty="0" smtClean="0">
+                <a:solidFill>
+                  <a:schemeClr val="tx1"/>
+                </a:solidFill>
+                <a:latin typeface="Consolas" pitchFamily="49" charset="0"/>
+                <a:cs typeface="Consolas" pitchFamily="49" charset="0"/>
+              </a:rPr>
+              <a:t> filter </a:t>
+            </a:r>
+            <a:r>
+              <a:rPr lang="en-US" sz="800" dirty="0" err="1" smtClean="0">
+                <a:solidFill>
+                  <a:schemeClr val="tx1"/>
+                </a:solidFill>
+                <a:latin typeface="Consolas" pitchFamily="49" charset="0"/>
+                <a:cs typeface="Consolas" pitchFamily="49" charset="0"/>
+              </a:rPr>
+              <a:t>AssignPictureType</a:t>
+            </a:r>
+            <a:r>
+              <a:rPr lang="en-US" sz="800" dirty="0" smtClean="0">
+                <a:solidFill>
+                  <a:schemeClr val="tx1"/>
+                </a:solidFill>
+                <a:latin typeface="Consolas" pitchFamily="49" charset="0"/>
+                <a:cs typeface="Consolas" pitchFamily="49" charset="0"/>
+              </a:rPr>
+              <a:t>(</a:t>
+            </a:r>
+          </a:p>
+          <a:p>
+            <a:r>
+              <a:rPr lang="en-US" sz="800" dirty="0" smtClean="0">
+                <a:solidFill>
+                  <a:schemeClr val="tx1"/>
+                </a:solidFill>
+                <a:latin typeface="Consolas" pitchFamily="49" charset="0"/>
+                <a:cs typeface="Consolas" pitchFamily="49" charset="0"/>
+              </a:rPr>
+              <a:t>	</a:t>
+            </a:r>
+            <a:r>
+              <a:rPr lang="en-US" sz="800" dirty="0" err="1" smtClean="0">
+                <a:solidFill>
+                  <a:schemeClr val="tx1"/>
+                </a:solidFill>
+                <a:latin typeface="Consolas" pitchFamily="49" charset="0"/>
+                <a:cs typeface="Consolas" pitchFamily="49" charset="0"/>
+              </a:rPr>
+              <a:t>int</a:t>
+            </a:r>
+            <a:r>
+              <a:rPr lang="en-US" sz="800" dirty="0" smtClean="0">
+                <a:solidFill>
+                  <a:schemeClr val="tx1"/>
+                </a:solidFill>
+                <a:latin typeface="Consolas" pitchFamily="49" charset="0"/>
+                <a:cs typeface="Consolas" pitchFamily="49" charset="0"/>
+              </a:rPr>
+              <a:t> width, </a:t>
+            </a:r>
+          </a:p>
+          <a:p>
+            <a:r>
+              <a:rPr lang="en-US" sz="800" dirty="0" smtClean="0">
+                <a:solidFill>
+                  <a:schemeClr val="tx1"/>
+                </a:solidFill>
+                <a:latin typeface="Consolas" pitchFamily="49" charset="0"/>
+                <a:cs typeface="Consolas" pitchFamily="49" charset="0"/>
+              </a:rPr>
+              <a:t>	</a:t>
+            </a:r>
+            <a:r>
+              <a:rPr lang="en-US" sz="800" dirty="0" err="1" smtClean="0">
+                <a:solidFill>
+                  <a:schemeClr val="tx1"/>
+                </a:solidFill>
+                <a:latin typeface="Consolas" pitchFamily="49" charset="0"/>
+                <a:cs typeface="Consolas" pitchFamily="49" charset="0"/>
+              </a:rPr>
+              <a:t>int</a:t>
+            </a:r>
+            <a:r>
+              <a:rPr lang="en-US" sz="800" dirty="0" smtClean="0">
+                <a:solidFill>
+                  <a:schemeClr val="tx1"/>
+                </a:solidFill>
+                <a:latin typeface="Consolas" pitchFamily="49" charset="0"/>
+                <a:cs typeface="Consolas" pitchFamily="49" charset="0"/>
+              </a:rPr>
+              <a:t> height, </a:t>
+            </a:r>
+          </a:p>
+          <a:p>
+            <a:r>
+              <a:rPr lang="en-US" sz="800" dirty="0" smtClean="0">
+                <a:solidFill>
+                  <a:schemeClr val="tx1"/>
+                </a:solidFill>
+                <a:latin typeface="Consolas" pitchFamily="49" charset="0"/>
+                <a:cs typeface="Consolas" pitchFamily="49" charset="0"/>
+              </a:rPr>
+              <a:t>	</a:t>
+            </a:r>
+            <a:r>
+              <a:rPr lang="en-US" sz="800" dirty="0" err="1" smtClean="0">
+                <a:solidFill>
+                  <a:schemeClr val="tx1"/>
+                </a:solidFill>
+                <a:latin typeface="Consolas" pitchFamily="49" charset="0"/>
+                <a:cs typeface="Consolas" pitchFamily="49" charset="0"/>
+              </a:rPr>
+              <a:t>int</a:t>
+            </a:r>
+            <a:r>
+              <a:rPr lang="en-US" sz="800" dirty="0" smtClean="0">
+                <a:solidFill>
+                  <a:schemeClr val="tx1"/>
+                </a:solidFill>
+                <a:latin typeface="Consolas" pitchFamily="49" charset="0"/>
+                <a:cs typeface="Consolas" pitchFamily="49" charset="0"/>
+              </a:rPr>
+              <a:t> </a:t>
+            </a:r>
+            <a:r>
+              <a:rPr lang="en-US" sz="800" dirty="0" err="1" smtClean="0">
+                <a:solidFill>
+                  <a:schemeClr val="tx1"/>
+                </a:solidFill>
+                <a:latin typeface="Consolas" pitchFamily="49" charset="0"/>
+                <a:cs typeface="Consolas" pitchFamily="49" charset="0"/>
+              </a:rPr>
+              <a:t>numpictures</a:t>
+            </a:r>
+            <a:r>
+              <a:rPr lang="en-US" sz="800" dirty="0" smtClean="0">
+                <a:solidFill>
+                  <a:schemeClr val="tx1"/>
+                </a:solidFill>
+                <a:latin typeface="Consolas" pitchFamily="49" charset="0"/>
+                <a:cs typeface="Consolas" pitchFamily="49" charset="0"/>
+              </a:rPr>
+              <a:t>) {</a:t>
+            </a:r>
+          </a:p>
+          <a:p>
+            <a:endParaRPr lang="en-US" sz="800" dirty="0" smtClean="0">
+              <a:solidFill>
+                <a:schemeClr val="tx1"/>
+              </a:solidFill>
+              <a:latin typeface="Consolas" pitchFamily="49" charset="0"/>
+              <a:cs typeface="Consolas" pitchFamily="49" charset="0"/>
+            </a:endParaRPr>
+          </a:p>
+          <a:p>
+            <a:r>
+              <a:rPr lang="en-US" sz="800" dirty="0" smtClean="0">
+                <a:solidFill>
+                  <a:schemeClr val="bg1">
+                    <a:lumMod val="75000"/>
+                  </a:schemeClr>
+                </a:solidFill>
+                <a:latin typeface="Consolas" pitchFamily="49" charset="0"/>
+                <a:cs typeface="Consolas" pitchFamily="49" charset="0"/>
+              </a:rPr>
+              <a:t>    </a:t>
+            </a:r>
+            <a:r>
+              <a:rPr lang="en-US" sz="800" dirty="0" err="1" smtClean="0">
+                <a:solidFill>
+                  <a:schemeClr val="bg1">
+                    <a:lumMod val="75000"/>
+                  </a:schemeClr>
+                </a:solidFill>
+                <a:latin typeface="Consolas" pitchFamily="49" charset="0"/>
+                <a:cs typeface="Consolas" pitchFamily="49" charset="0"/>
+              </a:rPr>
+              <a:t>int</a:t>
+            </a:r>
+            <a:r>
+              <a:rPr lang="en-US" sz="800" dirty="0" smtClean="0">
+                <a:solidFill>
+                  <a:schemeClr val="bg1">
+                    <a:lumMod val="75000"/>
+                  </a:schemeClr>
+                </a:solidFill>
+                <a:latin typeface="Consolas" pitchFamily="49" charset="0"/>
+                <a:cs typeface="Consolas" pitchFamily="49" charset="0"/>
+              </a:rPr>
+              <a:t> </a:t>
+            </a:r>
+            <a:r>
+              <a:rPr lang="en-US" sz="800" dirty="0" err="1" smtClean="0">
+                <a:solidFill>
+                  <a:schemeClr val="bg1">
+                    <a:lumMod val="75000"/>
+                  </a:schemeClr>
+                </a:solidFill>
+                <a:latin typeface="Consolas" pitchFamily="49" charset="0"/>
+                <a:cs typeface="Consolas" pitchFamily="49" charset="0"/>
+              </a:rPr>
+              <a:t>frameno</a:t>
+            </a:r>
+            <a:r>
+              <a:rPr lang="en-US" sz="800" dirty="0" smtClean="0">
+                <a:solidFill>
+                  <a:schemeClr val="bg1">
+                    <a:lumMod val="75000"/>
+                  </a:schemeClr>
+                </a:solidFill>
+                <a:latin typeface="Consolas" pitchFamily="49" charset="0"/>
+                <a:cs typeface="Consolas" pitchFamily="49" charset="0"/>
+              </a:rPr>
+              <a:t>;</a:t>
+            </a:r>
+          </a:p>
+          <a:p>
+            <a:r>
+              <a:rPr lang="en-US" sz="800" dirty="0" smtClean="0">
+                <a:solidFill>
+                  <a:schemeClr val="bg1">
+                    <a:lumMod val="75000"/>
+                  </a:schemeClr>
+                </a:solidFill>
+                <a:latin typeface="Consolas" pitchFamily="49" charset="0"/>
+                <a:cs typeface="Consolas" pitchFamily="49" charset="0"/>
+              </a:rPr>
+              <a:t>    init {</a:t>
+            </a:r>
+          </a:p>
+          <a:p>
+            <a:r>
+              <a:rPr lang="en-US" sz="800" dirty="0" smtClean="0">
+                <a:solidFill>
+                  <a:schemeClr val="bg1">
+                    <a:lumMod val="75000"/>
+                  </a:schemeClr>
+                </a:solidFill>
+                <a:latin typeface="Consolas" pitchFamily="49" charset="0"/>
+                <a:cs typeface="Consolas" pitchFamily="49" charset="0"/>
+              </a:rPr>
+              <a:t>        </a:t>
+            </a:r>
+            <a:r>
+              <a:rPr lang="en-US" sz="800" dirty="0" err="1" smtClean="0">
+                <a:solidFill>
+                  <a:schemeClr val="bg1">
+                    <a:lumMod val="75000"/>
+                  </a:schemeClr>
+                </a:solidFill>
+                <a:latin typeface="Consolas" pitchFamily="49" charset="0"/>
+                <a:cs typeface="Consolas" pitchFamily="49" charset="0"/>
+              </a:rPr>
+              <a:t>frameno</a:t>
+            </a:r>
+            <a:r>
+              <a:rPr lang="en-US" sz="800" dirty="0" smtClean="0">
+                <a:solidFill>
+                  <a:schemeClr val="bg1">
+                    <a:lumMod val="75000"/>
+                  </a:schemeClr>
+                </a:solidFill>
+                <a:latin typeface="Consolas" pitchFamily="49" charset="0"/>
+                <a:cs typeface="Consolas" pitchFamily="49" charset="0"/>
+              </a:rPr>
+              <a:t> = 0;</a:t>
+            </a:r>
+          </a:p>
+          <a:p>
+            <a:r>
+              <a:rPr lang="en-US" sz="800" dirty="0" smtClean="0">
+                <a:solidFill>
+                  <a:schemeClr val="bg1">
+                    <a:lumMod val="75000"/>
+                  </a:schemeClr>
+                </a:solidFill>
+                <a:latin typeface="Consolas" pitchFamily="49" charset="0"/>
+                <a:cs typeface="Consolas" pitchFamily="49" charset="0"/>
+              </a:rPr>
+              <a:t>    }</a:t>
+            </a:r>
+          </a:p>
+          <a:p>
+            <a:endParaRPr lang="en-US" sz="800" dirty="0" smtClean="0">
+              <a:solidFill>
+                <a:schemeClr val="tx1"/>
+              </a:solidFill>
+              <a:latin typeface="Consolas" pitchFamily="49" charset="0"/>
+              <a:cs typeface="Consolas" pitchFamily="49" charset="0"/>
+            </a:endParaRPr>
+          </a:p>
+          <a:p>
+            <a:r>
+              <a:rPr lang="en-US" sz="800" dirty="0" smtClean="0">
+                <a:solidFill>
+                  <a:schemeClr val="tx1"/>
+                </a:solidFill>
+                <a:latin typeface="Consolas" pitchFamily="49" charset="0"/>
+                <a:cs typeface="Consolas" pitchFamily="49" charset="0"/>
+              </a:rPr>
+              <a:t>    work pop (width*height*3) </a:t>
+            </a:r>
+          </a:p>
+          <a:p>
+            <a:r>
+              <a:rPr lang="en-US" sz="800" dirty="0" smtClean="0">
+                <a:solidFill>
+                  <a:schemeClr val="tx1"/>
+                </a:solidFill>
+                <a:latin typeface="Consolas" pitchFamily="49" charset="0"/>
+                <a:cs typeface="Consolas" pitchFamily="49" charset="0"/>
+              </a:rPr>
+              <a:t>         push 2 </a:t>
+            </a:r>
+            <a:r>
+              <a:rPr lang="en-US" sz="800" dirty="0" smtClean="0">
+                <a:solidFill>
+                  <a:schemeClr val="tx1"/>
+                </a:solidFill>
+                <a:latin typeface="Consolas" pitchFamily="49" charset="0"/>
+                <a:cs typeface="Consolas" pitchFamily="49" charset="0"/>
+              </a:rPr>
+              <a:t>{</a:t>
+            </a:r>
+            <a:endParaRPr lang="en-US" sz="800" dirty="0" smtClean="0">
+              <a:solidFill>
+                <a:schemeClr val="tx1"/>
+              </a:solidFill>
+              <a:latin typeface="Consolas" pitchFamily="49" charset="0"/>
+              <a:cs typeface="Consolas" pitchFamily="49" charset="0"/>
+            </a:endParaRPr>
+          </a:p>
+          <a:p>
+            <a:r>
+              <a:rPr lang="en-US" sz="800" dirty="0" smtClean="0">
+                <a:solidFill>
+                  <a:schemeClr val="tx1"/>
+                </a:solidFill>
+                <a:latin typeface="Consolas" pitchFamily="49" charset="0"/>
+                <a:cs typeface="Consolas" pitchFamily="49" charset="0"/>
+              </a:rPr>
+              <a:t>               </a:t>
+            </a:r>
+            <a:r>
+              <a:rPr lang="en-US" sz="800" dirty="0" smtClean="0">
+                <a:solidFill>
+                  <a:schemeClr val="tx1"/>
+                </a:solidFill>
+                <a:latin typeface="Consolas" pitchFamily="49" charset="0"/>
+                <a:cs typeface="Consolas" pitchFamily="49" charset="0"/>
+              </a:rPr>
+              <a:t>...</a:t>
+            </a:r>
+          </a:p>
+          <a:p>
+            <a:endParaRPr lang="en-US" sz="800" dirty="0" smtClean="0">
+              <a:solidFill>
+                <a:schemeClr val="tx1"/>
+              </a:solidFill>
+              <a:latin typeface="Consolas" pitchFamily="49" charset="0"/>
+              <a:cs typeface="Consolas" pitchFamily="49" charset="0"/>
+            </a:endParaRPr>
+          </a:p>
+          <a:p>
+            <a:r>
+              <a:rPr lang="en-US" sz="800" dirty="0" smtClean="0">
+                <a:solidFill>
+                  <a:schemeClr val="tx1"/>
+                </a:solidFill>
+                <a:latin typeface="Consolas" pitchFamily="49" charset="0"/>
+                <a:cs typeface="Consolas" pitchFamily="49" charset="0"/>
+              </a:rPr>
+              <a:t>        </a:t>
+            </a:r>
+            <a:r>
+              <a:rPr lang="en-US" sz="800" dirty="0" err="1" smtClean="0">
+                <a:solidFill>
+                  <a:schemeClr val="tx1"/>
+                </a:solidFill>
+                <a:latin typeface="Consolas" pitchFamily="49" charset="0"/>
+                <a:cs typeface="Consolas" pitchFamily="49" charset="0"/>
+              </a:rPr>
+              <a:t>int</a:t>
+            </a:r>
+            <a:r>
+              <a:rPr lang="en-US" sz="800" dirty="0" smtClean="0">
+                <a:solidFill>
+                  <a:schemeClr val="tx1"/>
+                </a:solidFill>
+                <a:latin typeface="Consolas" pitchFamily="49" charset="0"/>
+                <a:cs typeface="Consolas" pitchFamily="49" charset="0"/>
+              </a:rPr>
+              <a:t> </a:t>
+            </a:r>
+            <a:r>
+              <a:rPr lang="en-US" sz="800" dirty="0" err="1" smtClean="0">
+                <a:solidFill>
+                  <a:schemeClr val="tx1"/>
+                </a:solidFill>
+                <a:latin typeface="Consolas" pitchFamily="49" charset="0"/>
+                <a:cs typeface="Consolas" pitchFamily="49" charset="0"/>
+              </a:rPr>
+              <a:t>framecount</a:t>
+            </a:r>
+            <a:r>
+              <a:rPr lang="en-US" sz="800" dirty="0" smtClean="0">
+                <a:solidFill>
+                  <a:schemeClr val="tx1"/>
+                </a:solidFill>
+                <a:latin typeface="Consolas" pitchFamily="49" charset="0"/>
+                <a:cs typeface="Consolas" pitchFamily="49" charset="0"/>
+              </a:rPr>
+              <a:t> = </a:t>
+            </a:r>
+            <a:r>
+              <a:rPr lang="en-US" sz="800" dirty="0" err="1" smtClean="0">
+                <a:solidFill>
+                  <a:schemeClr val="tx1"/>
+                </a:solidFill>
+                <a:latin typeface="Consolas" pitchFamily="49" charset="0"/>
+                <a:cs typeface="Consolas" pitchFamily="49" charset="0"/>
+              </a:rPr>
+              <a:t>frameno</a:t>
+            </a:r>
+            <a:r>
+              <a:rPr lang="en-US" sz="800" dirty="0" smtClean="0">
+                <a:solidFill>
+                  <a:schemeClr val="tx1"/>
+                </a:solidFill>
+                <a:latin typeface="Consolas" pitchFamily="49" charset="0"/>
+                <a:cs typeface="Consolas" pitchFamily="49" charset="0"/>
+              </a:rPr>
+              <a:t> % 12;</a:t>
+            </a:r>
+          </a:p>
+          <a:p>
+            <a:r>
+              <a:rPr lang="en-US" sz="800" dirty="0" smtClean="0">
+                <a:solidFill>
+                  <a:schemeClr val="tx1"/>
+                </a:solidFill>
+                <a:latin typeface="Consolas" pitchFamily="49" charset="0"/>
+                <a:cs typeface="Consolas" pitchFamily="49" charset="0"/>
+              </a:rPr>
+              <a:t>        if (</a:t>
+            </a:r>
+            <a:r>
+              <a:rPr lang="en-US" sz="800" dirty="0" err="1" smtClean="0">
+                <a:solidFill>
+                  <a:schemeClr val="tx1"/>
+                </a:solidFill>
+                <a:latin typeface="Consolas" pitchFamily="49" charset="0"/>
+                <a:cs typeface="Consolas" pitchFamily="49" charset="0"/>
+              </a:rPr>
+              <a:t>framecount</a:t>
+            </a:r>
+            <a:r>
+              <a:rPr lang="en-US" sz="800" dirty="0" smtClean="0">
+                <a:solidFill>
+                  <a:schemeClr val="tx1"/>
+                </a:solidFill>
+                <a:latin typeface="Consolas" pitchFamily="49" charset="0"/>
+                <a:cs typeface="Consolas" pitchFamily="49" charset="0"/>
+              </a:rPr>
+              <a:t> == 0) {</a:t>
+            </a:r>
+          </a:p>
+          <a:p>
+            <a:r>
+              <a:rPr lang="en-US" sz="800" dirty="0" smtClean="0">
+                <a:solidFill>
+                  <a:schemeClr val="tx1"/>
+                </a:solidFill>
+                <a:latin typeface="Consolas" pitchFamily="49" charset="0"/>
+                <a:cs typeface="Consolas" pitchFamily="49" charset="0"/>
+              </a:rPr>
+              <a:t>               ...</a:t>
+            </a:r>
+          </a:p>
+          <a:p>
+            <a:r>
+              <a:rPr lang="en-US" sz="800" dirty="0" smtClean="0">
+                <a:solidFill>
+                  <a:schemeClr val="tx1"/>
+                </a:solidFill>
+                <a:latin typeface="Consolas" pitchFamily="49" charset="0"/>
+                <a:cs typeface="Consolas" pitchFamily="49" charset="0"/>
+              </a:rPr>
+              <a:t> </a:t>
+            </a:r>
+            <a:r>
+              <a:rPr lang="en-US" sz="800" dirty="0" smtClean="0">
+                <a:solidFill>
+                  <a:schemeClr val="tx1"/>
+                </a:solidFill>
+                <a:latin typeface="Consolas" pitchFamily="49" charset="0"/>
+                <a:cs typeface="Consolas" pitchFamily="49" charset="0"/>
+              </a:rPr>
+              <a:t>       </a:t>
+            </a:r>
+            <a:r>
+              <a:rPr lang="en-US" sz="800" dirty="0" smtClean="0">
+                <a:solidFill>
+                  <a:schemeClr val="tx1"/>
+                </a:solidFill>
+                <a:latin typeface="Consolas" pitchFamily="49" charset="0"/>
+                <a:cs typeface="Consolas" pitchFamily="49" charset="0"/>
+              </a:rPr>
+              <a:t>}</a:t>
+            </a:r>
+            <a:endParaRPr lang="en-US" sz="800" dirty="0" smtClean="0">
+              <a:solidFill>
+                <a:schemeClr val="tx1"/>
+              </a:solidFill>
+              <a:latin typeface="Consolas" pitchFamily="49" charset="0"/>
+              <a:cs typeface="Consolas" pitchFamily="49" charset="0"/>
+            </a:endParaRPr>
+          </a:p>
+          <a:p>
+            <a:r>
+              <a:rPr lang="en-US" sz="800" dirty="0" smtClean="0">
+                <a:solidFill>
+                  <a:schemeClr val="tx1"/>
+                </a:solidFill>
+                <a:latin typeface="Consolas" pitchFamily="49" charset="0"/>
+                <a:cs typeface="Consolas" pitchFamily="49" charset="0"/>
+              </a:rPr>
+              <a:t>               ...        </a:t>
+            </a:r>
+          </a:p>
+          <a:p>
+            <a:endParaRPr lang="en-US" sz="800" dirty="0" smtClean="0">
+              <a:solidFill>
+                <a:schemeClr val="tx1"/>
+              </a:solidFill>
+              <a:latin typeface="Consolas" pitchFamily="49" charset="0"/>
+              <a:cs typeface="Consolas" pitchFamily="49" charset="0"/>
+            </a:endParaRPr>
+          </a:p>
+          <a:p>
+            <a:r>
+              <a:rPr lang="en-US" sz="800" dirty="0" smtClean="0">
+                <a:solidFill>
+                  <a:schemeClr val="bg1">
+                    <a:lumMod val="75000"/>
+                  </a:schemeClr>
+                </a:solidFill>
+                <a:latin typeface="Consolas" pitchFamily="49" charset="0"/>
+                <a:cs typeface="Consolas" pitchFamily="49" charset="0"/>
+              </a:rPr>
+              <a:t>        </a:t>
+            </a:r>
+            <a:r>
+              <a:rPr lang="en-US" sz="800" dirty="0" err="1" smtClean="0">
+                <a:solidFill>
+                  <a:schemeClr val="bg1">
+                    <a:lumMod val="75000"/>
+                  </a:schemeClr>
+                </a:solidFill>
+                <a:latin typeface="Consolas" pitchFamily="49" charset="0"/>
+                <a:cs typeface="Consolas" pitchFamily="49" charset="0"/>
+              </a:rPr>
+              <a:t>frameno</a:t>
+            </a:r>
+            <a:r>
+              <a:rPr lang="en-US" sz="800" dirty="0" smtClean="0">
+                <a:solidFill>
+                  <a:schemeClr val="bg1">
+                    <a:lumMod val="75000"/>
+                  </a:schemeClr>
+                </a:solidFill>
+                <a:latin typeface="Consolas" pitchFamily="49" charset="0"/>
+                <a:cs typeface="Consolas" pitchFamily="49" charset="0"/>
+              </a:rPr>
+              <a:t>++;</a:t>
+            </a:r>
+            <a:endParaRPr lang="en-US" sz="800" dirty="0" smtClean="0">
+              <a:solidFill>
+                <a:schemeClr val="tx1"/>
+              </a:solidFill>
+              <a:latin typeface="Consolas" pitchFamily="49" charset="0"/>
+              <a:cs typeface="Consolas" pitchFamily="49" charset="0"/>
+            </a:endParaRPr>
+          </a:p>
+          <a:p>
+            <a:r>
+              <a:rPr lang="en-US" sz="800" dirty="0" smtClean="0">
+                <a:solidFill>
+                  <a:schemeClr val="tx1"/>
+                </a:solidFill>
+                <a:latin typeface="Consolas" pitchFamily="49" charset="0"/>
+                <a:cs typeface="Consolas" pitchFamily="49" charset="0"/>
+              </a:rPr>
+              <a:t>   }</a:t>
+            </a:r>
+          </a:p>
+          <a:p>
+            <a:r>
+              <a:rPr lang="en-US" sz="800" dirty="0" smtClean="0">
+                <a:solidFill>
+                  <a:schemeClr val="tx1"/>
+                </a:solidFill>
+                <a:latin typeface="Consolas" pitchFamily="49" charset="0"/>
+                <a:cs typeface="Consolas" pitchFamily="49" charset="0"/>
+              </a:rPr>
+              <a:t>}</a:t>
+            </a:r>
+          </a:p>
+        </p:txBody>
+      </p:sp>
+      <p:sp>
+        <p:nvSpPr>
+          <p:cNvPr id="9" name="Rectangle 8"/>
+          <p:cNvSpPr/>
+          <p:nvPr/>
+        </p:nvSpPr>
+        <p:spPr>
+          <a:xfrm>
+            <a:off x="2057400" y="1600200"/>
+            <a:ext cx="1676400" cy="228600"/>
+          </a:xfrm>
+          <a:prstGeom prst="rect">
+            <a:avLst/>
+          </a:prstGeom>
+          <a:solidFill>
+            <a:schemeClr val="bg1"/>
+          </a:solidFill>
+          <a:ln>
+            <a:solidFill>
+              <a:schemeClr val="tx1"/>
+            </a:solidFill>
+          </a:ln>
+        </p:spPr>
+        <p:style>
+          <a:lnRef idx="2">
+            <a:schemeClr val="accent1">
+              <a:shade val="50000"/>
+            </a:schemeClr>
+          </a:lnRef>
+          <a:fillRef idx="1">
+            <a:schemeClr val="accent1"/>
+          </a:fillRef>
+          <a:effectRef idx="0">
+            <a:schemeClr val="accent1"/>
+          </a:effectRef>
+          <a:fontRef idx="minor">
+            <a:schemeClr val="lt1"/>
+          </a:fontRef>
+        </p:style>
+        <p:txBody>
+          <a:bodyPr rtlCol="0" anchor="ctr"/>
+          <a:lstStyle/>
+          <a:p>
+            <a:pPr algn="ctr"/>
+            <a:r>
+              <a:rPr lang="en-US" sz="1000" dirty="0" err="1" smtClean="0">
+                <a:solidFill>
+                  <a:schemeClr val="tx1"/>
+                </a:solidFill>
+                <a:latin typeface="Consolas" pitchFamily="49" charset="0"/>
+                <a:cs typeface="Consolas" pitchFamily="49" charset="0"/>
+              </a:rPr>
+              <a:t>int</a:t>
+            </a:r>
+            <a:r>
+              <a:rPr lang="en-US" sz="1000" dirty="0" smtClean="0">
+                <a:solidFill>
+                  <a:schemeClr val="tx1"/>
+                </a:solidFill>
+                <a:latin typeface="Consolas" pitchFamily="49" charset="0"/>
+                <a:cs typeface="Consolas" pitchFamily="49" charset="0"/>
+              </a:rPr>
+              <a:t> </a:t>
+            </a:r>
+            <a:r>
+              <a:rPr lang="en-US" sz="1000" dirty="0" err="1" smtClean="0">
+                <a:solidFill>
+                  <a:schemeClr val="tx1"/>
+                </a:solidFill>
+                <a:latin typeface="Consolas" pitchFamily="49" charset="0"/>
+                <a:cs typeface="Consolas" pitchFamily="49" charset="0"/>
+              </a:rPr>
+              <a:t>frameno</a:t>
+            </a:r>
+            <a:r>
+              <a:rPr lang="en-US" sz="1000" dirty="0" smtClean="0">
+                <a:solidFill>
+                  <a:schemeClr val="tx1"/>
+                </a:solidFill>
+                <a:latin typeface="Consolas" pitchFamily="49" charset="0"/>
+                <a:cs typeface="Consolas" pitchFamily="49" charset="0"/>
+              </a:rPr>
+              <a:t> = </a:t>
+            </a:r>
+            <a:r>
+              <a:rPr lang="en-US" sz="1000" dirty="0" err="1" smtClean="0">
+                <a:solidFill>
+                  <a:schemeClr val="tx1"/>
+                </a:solidFill>
+                <a:latin typeface="Consolas" pitchFamily="49" charset="0"/>
+                <a:cs typeface="Consolas" pitchFamily="49" charset="0"/>
+              </a:rPr>
+              <a:t>iter</a:t>
+            </a:r>
+            <a:r>
+              <a:rPr lang="en-US" sz="1000" dirty="0" smtClean="0">
+                <a:solidFill>
+                  <a:schemeClr val="tx1"/>
+                </a:solidFill>
+                <a:latin typeface="Consolas" pitchFamily="49" charset="0"/>
+                <a:cs typeface="Consolas" pitchFamily="49" charset="0"/>
+              </a:rPr>
+              <a:t>();</a:t>
+            </a:r>
+            <a:endParaRPr lang="en-US" sz="1000" dirty="0">
+              <a:solidFill>
+                <a:schemeClr val="tx1"/>
+              </a:solidFill>
+              <a:latin typeface="Consolas" pitchFamily="49" charset="0"/>
+              <a:cs typeface="Consolas" pitchFamily="49" charset="0"/>
+            </a:endParaRPr>
+          </a:p>
+        </p:txBody>
+      </p:sp>
+    </p:spTree>
+  </p:cSld>
+  <p:clrMapOvr>
+    <a:masterClrMapping/>
+  </p:clrMapOvr>
+</p:sld>
+</file>
+
+<file path=ppt/slides/slide11.xml><?xml version="1.0" encoding="utf-8"?>
+<p:sld xmlns:a="http://schemas.openxmlformats.org/drawingml/2006/main" xmlns:r="http://schemas.openxmlformats.org/officeDocument/2006/relationships" xmlns:p="http://schemas.openxmlformats.org/presentationml/2006/main">
+  <p:cSld>
+    <p:spTree>
+      <p:nvGrpSpPr>
+        <p:cNvPr id="1" name=""/>
+        <p:cNvGrpSpPr/>
+        <p:nvPr/>
+      </p:nvGrpSpPr>
+      <p:grpSpPr>
+        <a:xfrm>
+          <a:off x="0" y="0"/>
+          <a:ext cx="0" cy="0"/>
+          <a:chOff x="0" y="0"/>
+          <a:chExt cx="0" cy="0"/>
+        </a:xfrm>
+      </p:grpSpPr>
+      <p:sp>
+        <p:nvSpPr>
           <p:cNvPr id="12" name="Rounded Rectangle 11"/>
           <p:cNvSpPr/>
           <p:nvPr/>
@@ -8286,7 +9163,7 @@
 </p:sld>
 </file>
 
-<file path=ppt/slides/slide11.xml><?xml version="1.0" encoding="utf-8"?>
+<file path=ppt/slides/slide12.xml><?xml version="1.0" encoding="utf-8"?>
 <p:sld xmlns:a="http://schemas.openxmlformats.org/drawingml/2006/main" xmlns:r="http://schemas.openxmlformats.org/officeDocument/2006/relationships" xmlns:p="http://schemas.openxmlformats.org/presentationml/2006/main">
   <p:cSld>
     <p:spTree>
@@ -8306,47 +9183,6 @@
       <p:graphicFrame>
         <p:nvGraphicFramePr>
           <p:cNvPr id="5" name="Chart 4"/>
-          <p:cNvGraphicFramePr/>
-          <p:nvPr/>
-        </p:nvGraphicFramePr>
-        <p:xfrm>
-          <a:off x="2243137" y="1857375"/>
-          <a:ext cx="4657725" cy="3143250"/>
-        </p:xfrm>
-        <a:graphic>
-          <a:graphicData uri="http://schemas.openxmlformats.org/drawingml/2006/chart">
-            <c:chart xmlns:c="http://schemas.openxmlformats.org/drawingml/2006/chart" xmlns:r="http://schemas.openxmlformats.org/officeDocument/2006/relationships" r:id="rId2"/>
-          </a:graphicData>
-        </a:graphic>
-      </p:graphicFrame>
-    </p:spTree>
-  </p:cSld>
-  <p:clrMapOvr>
-    <a:masterClrMapping/>
-  </p:clrMapOvr>
-</p:sld>
-</file>
-
-<file path=ppt/slides/slide12.xml><?xml version="1.0" encoding="utf-8"?>
-<p:sld xmlns:a="http://schemas.openxmlformats.org/drawingml/2006/main" xmlns:r="http://schemas.openxmlformats.org/officeDocument/2006/relationships" xmlns:p="http://schemas.openxmlformats.org/presentationml/2006/main">
-  <p:cSld>
-    <p:spTree>
-      <p:nvGrpSpPr>
-        <p:cNvPr id="1" name=""/>
-        <p:cNvGrpSpPr/>
-        <p:nvPr/>
-      </p:nvGrpSpPr>
-      <p:grpSpPr>
-        <a:xfrm>
-          <a:off x="0" y="0"/>
-          <a:ext cx="0" cy="0"/>
-          <a:chOff x="0" y="0"/>
-          <a:chExt cx="0" cy="0"/>
-        </a:xfrm>
-      </p:grpSpPr>
-      <p:graphicFrame>
-        <p:nvGraphicFramePr>
-          <p:cNvPr id="4" name="Chart 3"/>
           <p:cNvGraphicFramePr/>
           <p:nvPr/>
         </p:nvGraphicFramePr>
@@ -8392,6 +9228,47 @@
           <p:nvPr/>
         </p:nvGraphicFramePr>
         <p:xfrm>
+          <a:off x="2243137" y="1857375"/>
+          <a:ext cx="4657725" cy="3143250"/>
+        </p:xfrm>
+        <a:graphic>
+          <a:graphicData uri="http://schemas.openxmlformats.org/drawingml/2006/chart">
+            <c:chart xmlns:c="http://schemas.openxmlformats.org/drawingml/2006/chart" xmlns:r="http://schemas.openxmlformats.org/officeDocument/2006/relationships" r:id="rId2"/>
+          </a:graphicData>
+        </a:graphic>
+      </p:graphicFrame>
+    </p:spTree>
+  </p:cSld>
+  <p:clrMapOvr>
+    <a:masterClrMapping/>
+  </p:clrMapOvr>
+</p:sld>
+</file>
+
+<file path=ppt/slides/slide14.xml><?xml version="1.0" encoding="utf-8"?>
+<p:sld xmlns:a="http://schemas.openxmlformats.org/drawingml/2006/main" xmlns:r="http://schemas.openxmlformats.org/officeDocument/2006/relationships" xmlns:p="http://schemas.openxmlformats.org/presentationml/2006/main">
+  <p:cSld>
+    <p:spTree>
+      <p:nvGrpSpPr>
+        <p:cNvPr id="1" name=""/>
+        <p:cNvGrpSpPr/>
+        <p:nvPr/>
+      </p:nvGrpSpPr>
+      <p:grpSpPr>
+        <a:xfrm>
+          <a:off x="0" y="0"/>
+          <a:ext cx="0" cy="0"/>
+          <a:chOff x="0" y="0"/>
+          <a:chExt cx="0" cy="0"/>
+        </a:xfrm>
+      </p:grpSpPr>
+      <p:graphicFrame>
+        <p:nvGraphicFramePr>
+          <p:cNvPr id="3" name="Chart 2"/>
+          <p:cNvGraphicFramePr/>
+          <p:nvPr/>
+        </p:nvGraphicFramePr>
+        <p:xfrm>
           <a:off x="2286000" y="2057400"/>
           <a:ext cx="4572000" cy="2743200"/>
         </p:xfrm>
@@ -8401,6 +9278,161 @@
           </a:graphicData>
         </a:graphic>
       </p:graphicFrame>
+      <p:sp>
+        <p:nvSpPr>
+          <p:cNvPr id="5" name="TextBox 6"/>
+          <p:cNvSpPr txBox="1"/>
+          <p:nvPr/>
+        </p:nvSpPr>
+        <p:spPr>
+          <a:xfrm>
+            <a:off x="3390899" y="2457450"/>
+            <a:ext cx="895351" cy="265981"/>
+          </a:xfrm>
+          <a:prstGeom prst="rect">
+            <a:avLst/>
+          </a:prstGeom>
+          <a:solidFill>
+            <a:sysClr val="window" lastClr="FFFFFF"/>
+          </a:solidFill>
+          <a:ln>
+            <a:solidFill>
+              <a:sysClr val="windowText" lastClr="000000"/>
+            </a:solidFill>
+          </a:ln>
+        </p:spPr>
+        <p:style>
+          <a:lnRef idx="0">
+            <a:scrgbClr r="0" g="0" b="0"/>
+          </a:lnRef>
+          <a:fillRef idx="0">
+            <a:scrgbClr r="0" g="0" b="0"/>
+          </a:fillRef>
+          <a:effectRef idx="0">
+            <a:scrgbClr r="0" g="0" b="0"/>
+          </a:effectRef>
+          <a:fontRef idx="minor">
+            <a:schemeClr val="tx1"/>
+          </a:fontRef>
+        </p:style>
+        <p:txBody>
+          <a:bodyPr wrap="square" lIns="0" tIns="27432" rIns="0" bIns="0" rtlCol="0" anchor="t">
+            <a:noAutofit/>
+          </a:bodyPr>
+          <a:lstStyle>
+            <a:lvl1pPr marL="0" indent="0">
+              <a:defRPr sz="1100">
+                <a:solidFill>
+                  <a:schemeClr val="tx1"/>
+                </a:solidFill>
+                <a:latin typeface="+mn-lt"/>
+                <a:ea typeface="+mn-ea"/>
+                <a:cs typeface="+mn-cs"/>
+              </a:defRPr>
+            </a:lvl1pPr>
+            <a:lvl2pPr marL="457200" indent="0">
+              <a:defRPr sz="1100">
+                <a:solidFill>
+                  <a:schemeClr val="tx1"/>
+                </a:solidFill>
+                <a:latin typeface="+mn-lt"/>
+                <a:ea typeface="+mn-ea"/>
+                <a:cs typeface="+mn-cs"/>
+              </a:defRPr>
+            </a:lvl2pPr>
+            <a:lvl3pPr marL="914400" indent="0">
+              <a:defRPr sz="1100">
+                <a:solidFill>
+                  <a:schemeClr val="tx1"/>
+                </a:solidFill>
+                <a:latin typeface="+mn-lt"/>
+                <a:ea typeface="+mn-ea"/>
+                <a:cs typeface="+mn-cs"/>
+              </a:defRPr>
+            </a:lvl3pPr>
+            <a:lvl4pPr marL="1371600" indent="0">
+              <a:defRPr sz="1100">
+                <a:solidFill>
+                  <a:schemeClr val="tx1"/>
+                </a:solidFill>
+                <a:latin typeface="+mn-lt"/>
+                <a:ea typeface="+mn-ea"/>
+                <a:cs typeface="+mn-cs"/>
+              </a:defRPr>
+            </a:lvl4pPr>
+            <a:lvl5pPr marL="1828800" indent="0">
+              <a:defRPr sz="1100">
+                <a:solidFill>
+                  <a:schemeClr val="tx1"/>
+                </a:solidFill>
+                <a:latin typeface="+mn-lt"/>
+                <a:ea typeface="+mn-ea"/>
+                <a:cs typeface="+mn-cs"/>
+              </a:defRPr>
+            </a:lvl5pPr>
+            <a:lvl6pPr marL="2286000" indent="0">
+              <a:defRPr sz="1100">
+                <a:solidFill>
+                  <a:schemeClr val="tx1"/>
+                </a:solidFill>
+                <a:latin typeface="+mn-lt"/>
+                <a:ea typeface="+mn-ea"/>
+                <a:cs typeface="+mn-cs"/>
+              </a:defRPr>
+            </a:lvl6pPr>
+            <a:lvl7pPr marL="2743200" indent="0">
+              <a:defRPr sz="1100">
+                <a:solidFill>
+                  <a:schemeClr val="tx1"/>
+                </a:solidFill>
+                <a:latin typeface="+mn-lt"/>
+                <a:ea typeface="+mn-ea"/>
+                <a:cs typeface="+mn-cs"/>
+              </a:defRPr>
+            </a:lvl7pPr>
+            <a:lvl8pPr marL="3200400" indent="0">
+              <a:defRPr sz="1100">
+                <a:solidFill>
+                  <a:schemeClr val="tx1"/>
+                </a:solidFill>
+                <a:latin typeface="+mn-lt"/>
+                <a:ea typeface="+mn-ea"/>
+                <a:cs typeface="+mn-cs"/>
+              </a:defRPr>
+            </a:lvl8pPr>
+            <a:lvl9pPr marL="3657600" indent="0">
+              <a:defRPr sz="1100">
+                <a:solidFill>
+                  <a:schemeClr val="tx1"/>
+                </a:solidFill>
+                <a:latin typeface="+mn-lt"/>
+                <a:ea typeface="+mn-ea"/>
+                <a:cs typeface="+mn-cs"/>
+              </a:defRPr>
+            </a:lvl9pPr>
+          </a:lstStyle>
+          <a:p>
+            <a:pPr algn="ctr"/>
+            <a:r>
+              <a:rPr lang="en-US" sz="700">
+                <a:latin typeface="Consolas" pitchFamily="49" charset="0"/>
+                <a:cs typeface="Consolas" pitchFamily="49" charset="0"/>
+              </a:rPr>
+              <a:t>Work in Induction </a:t>
+            </a:r>
+          </a:p>
+          <a:p>
+            <a:pPr algn="ctr"/>
+            <a:r>
+              <a:rPr lang="en-US" sz="700">
+                <a:latin typeface="Consolas" pitchFamily="49" charset="0"/>
+                <a:cs typeface="Consolas" pitchFamily="49" charset="0"/>
+              </a:rPr>
+              <a:t>Variable Filters</a:t>
+            </a:r>
+          </a:p>
+        </p:txBody>
+      </p:sp>
     </p:spTree>
   </p:cSld>
   <p:clrMapOvr>
@@ -10185,17 +11217,7 @@
                 <a:latin typeface="Consolas" pitchFamily="49" charset="0"/>
                 <a:cs typeface="Consolas" pitchFamily="49" charset="0"/>
               </a:rPr>
-              <a:t> start</a:t>
-            </a:r>
-            <a:r>
-              <a:rPr lang="en-US" sz="1000" dirty="0" smtClean="0">
-                <a:solidFill>
-                  <a:schemeClr val="tx1"/>
-                </a:solidFill>
-                <a:latin typeface="Consolas" pitchFamily="49" charset="0"/>
-                <a:cs typeface="Consolas" pitchFamily="49" charset="0"/>
-              </a:rPr>
-              <a:t>;</a:t>
+              <a:t> start;</a:t>
             </a:r>
           </a:p>
           <a:p>
@@ -10216,17 +11238,7 @@
                 <a:latin typeface="Consolas" pitchFamily="49" charset="0"/>
                 <a:cs typeface="Consolas" pitchFamily="49" charset="0"/>
               </a:rPr>
-              <a:t>work </a:t>
-            </a:r>
-            <a:r>
-              <a:rPr lang="en-US" sz="1000" dirty="0" smtClean="0">
-                <a:solidFill>
-                  <a:schemeClr val="tx1"/>
-                </a:solidFill>
-                <a:latin typeface="Consolas" pitchFamily="49" charset="0"/>
-                <a:cs typeface="Consolas" pitchFamily="49" charset="0"/>
-              </a:rPr>
-              <a:t>push 1 pop 1{</a:t>
+              <a:t>work push 1 pop 1{</a:t>
             </a:r>
           </a:p>
           <a:p>
@@ -11407,13 +12419,6 @@
               </a:rPr>
               <a:t>}</a:t>
             </a:r>
-            <a:endParaRPr lang="en-US" sz="1000" dirty="0" smtClean="0">
-              <a:solidFill>
-                <a:schemeClr val="tx1"/>
-              </a:solidFill>
-              <a:latin typeface="Consolas" pitchFamily="49" charset="0"/>
-              <a:cs typeface="Consolas" pitchFamily="49" charset="0"/>
-            </a:endParaRPr>
           </a:p>
         </p:txBody>
       </p:sp>
@@ -11537,25 +12542,8 @@
                 <a:latin typeface="Consolas" pitchFamily="49" charset="0"/>
                 <a:cs typeface="Consolas" pitchFamily="49" charset="0"/>
               </a:rPr>
-              <a:t> work push 1 pop 1</a:t>
-            </a:r>
-            <a:r>
-              <a:rPr lang="en-US" sz="1000" dirty="0" smtClean="0">
-                <a:solidFill>
-                  <a:schemeClr val="tx1"/>
-                </a:solidFill>
-                <a:latin typeface="Consolas" pitchFamily="49" charset="0"/>
-                <a:cs typeface="Consolas" pitchFamily="49" charset="0"/>
-              </a:rPr>
-              <a:t>{</a:t>
-            </a:r>
-            <a:endParaRPr lang="en-US" sz="1000" dirty="0" smtClean="0">
-              <a:solidFill>
-                <a:schemeClr val="tx1"/>
-              </a:solidFill>
-              <a:latin typeface="Consolas" pitchFamily="49" charset="0"/>
-              <a:cs typeface="Consolas" pitchFamily="49" charset="0"/>
-            </a:endParaRPr>
+              <a:t> work push 1 pop 1{</a:t>
+            </a:r>
           </a:p>
           <a:p>
             <a:r>
@@ -11628,25 +12616,8 @@
                 <a:latin typeface="Consolas" pitchFamily="49" charset="0"/>
                 <a:cs typeface="Consolas" pitchFamily="49" charset="0"/>
               </a:rPr>
-              <a:t>    </a:t>
-            </a:r>
-            <a:r>
-              <a:rPr lang="en-US" sz="1000" dirty="0" smtClean="0">
-                <a:solidFill>
-                  <a:schemeClr val="tx1"/>
-                </a:solidFill>
-                <a:latin typeface="Consolas" pitchFamily="49" charset="0"/>
-                <a:cs typeface="Consolas" pitchFamily="49" charset="0"/>
-              </a:rPr>
-              <a:t>...</a:t>
-            </a:r>
-            <a:endParaRPr lang="en-US" sz="1000" dirty="0" smtClean="0">
-              <a:solidFill>
-                <a:schemeClr val="tx1"/>
-              </a:solidFill>
-              <a:latin typeface="Consolas" pitchFamily="49" charset="0"/>
-              <a:cs typeface="Consolas" pitchFamily="49" charset="0"/>
-            </a:endParaRPr>
+              <a:t>    ...</a:t>
+            </a:r>
           </a:p>
           <a:p>
             <a:r>
@@ -11762,25 +12733,8 @@
                 <a:latin typeface="Consolas" pitchFamily="49" charset="0"/>
                 <a:cs typeface="Consolas" pitchFamily="49" charset="0"/>
               </a:rPr>
-              <a:t>work push 1 pop 1</a:t>
-            </a:r>
-            <a:r>
-              <a:rPr lang="en-US" sz="1000" dirty="0" smtClean="0">
-                <a:solidFill>
-                  <a:schemeClr val="tx1"/>
-                </a:solidFill>
-                <a:latin typeface="Consolas" pitchFamily="49" charset="0"/>
-                <a:cs typeface="Consolas" pitchFamily="49" charset="0"/>
-              </a:rPr>
-              <a:t>{</a:t>
-            </a:r>
-            <a:endParaRPr lang="en-US" sz="1000" dirty="0" smtClean="0">
-              <a:solidFill>
-                <a:schemeClr val="tx1"/>
-              </a:solidFill>
-              <a:latin typeface="Consolas" pitchFamily="49" charset="0"/>
-              <a:cs typeface="Consolas" pitchFamily="49" charset="0"/>
-            </a:endParaRPr>
+              <a:t>work push 1 pop 1{</a:t>
+            </a:r>
           </a:p>
           <a:p>
             <a:r>
@@ -11843,38 +12797,21 @@
                 <a:latin typeface="Consolas" pitchFamily="49" charset="0"/>
                 <a:cs typeface="Consolas" pitchFamily="49" charset="0"/>
               </a:rPr>
+              <a:t>    ...</a:t>
+            </a:r>
+          </a:p>
+          <a:p>
+            <a:r>
+              <a:rPr lang="en-US" sz="1000" dirty="0" smtClean="0">
+                <a:solidFill>
+                  <a:schemeClr val="tx1"/>
+                </a:solidFill>
+                <a:latin typeface="Consolas" pitchFamily="49" charset="0"/>
+                <a:cs typeface="Consolas" pitchFamily="49" charset="0"/>
+              </a:rPr>
               <a:t>    </a:t>
             </a:r>
             <a:r>
-              <a:rPr lang="en-US" sz="1000" dirty="0" smtClean="0">
-                <a:solidFill>
-                  <a:schemeClr val="tx1"/>
-                </a:solidFill>
-                <a:latin typeface="Consolas" pitchFamily="49" charset="0"/>
-                <a:cs typeface="Consolas" pitchFamily="49" charset="0"/>
-              </a:rPr>
-              <a:t>...</a:t>
-            </a:r>
-            <a:endParaRPr lang="en-US" sz="1000" dirty="0" smtClean="0">
-              <a:solidFill>
-                <a:schemeClr val="tx1"/>
-              </a:solidFill>
-              <a:latin typeface="Consolas" pitchFamily="49" charset="0"/>
-              <a:cs typeface="Consolas" pitchFamily="49" charset="0"/>
-            </a:endParaRPr>
-          </a:p>
-          <a:p>
-            <a:r>
-              <a:rPr lang="en-US" sz="1000" dirty="0" smtClean="0">
-                <a:solidFill>
-                  <a:schemeClr val="tx1"/>
-                </a:solidFill>
-                <a:latin typeface="Consolas" pitchFamily="49" charset="0"/>
-                <a:cs typeface="Consolas" pitchFamily="49" charset="0"/>
-              </a:rPr>
-              <a:t>    </a:t>
-            </a:r>
-            <a:r>
               <a:rPr lang="en-US" sz="1000" dirty="0" err="1" smtClean="0">
                 <a:solidFill>
                   <a:schemeClr val="tx1"/>
@@ -11894,13 +12831,6 @@
               </a:rPr>
               <a:t>++;</a:t>
             </a:r>
-            <a:endParaRPr lang="en-US" sz="1000" dirty="0" smtClean="0">
-              <a:solidFill>
-                <a:schemeClr val="tx1"/>
-              </a:solidFill>
-              <a:latin typeface="Consolas" pitchFamily="49" charset="0"/>
-              <a:cs typeface="Consolas" pitchFamily="49" charset="0"/>
-            </a:endParaRPr>
           </a:p>
           <a:p>
             <a:r>
@@ -21400,17 +22330,7 @@
                 <a:latin typeface="Consolas" pitchFamily="49" charset="0"/>
                 <a:cs typeface="Consolas" pitchFamily="49" charset="0"/>
               </a:rPr>
-              <a:t>         push 2 </a:t>
-            </a:r>
-            <a:r>
-              <a:rPr lang="en-US" sz="800" dirty="0" smtClean="0">
-                <a:solidFill>
-                  <a:schemeClr val="tx1"/>
-                </a:solidFill>
-                <a:latin typeface="Consolas" pitchFamily="49" charset="0"/>
-                <a:cs typeface="Consolas" pitchFamily="49" charset="0"/>
-              </a:rPr>
-              <a:t>{</a:t>
+              <a:t>         push 2 {</a:t>
             </a:r>
           </a:p>
           <a:p>
@@ -21700,17 +22620,7 @@
                 <a:latin typeface="Consolas" pitchFamily="49" charset="0"/>
                 <a:cs typeface="Consolas" pitchFamily="49" charset="0"/>
               </a:rPr>
-              <a:t>        </a:t>
-            </a:r>
-            <a:r>
-              <a:rPr lang="en-US" sz="800" dirty="0" smtClean="0">
-                <a:solidFill>
-                  <a:schemeClr val="tx1"/>
-                </a:solidFill>
-                <a:latin typeface="Consolas" pitchFamily="49" charset="0"/>
-                <a:cs typeface="Consolas" pitchFamily="49" charset="0"/>
-              </a:rPr>
-              <a:t>}</a:t>
+              <a:t>        }</a:t>
             </a:r>
           </a:p>
           <a:p>
@@ -21733,13 +22643,6 @@
               </a:rPr>
               <a:t>               ...        </a:t>
             </a:r>
-            <a:endParaRPr lang="en-US" sz="800" dirty="0" smtClean="0">
-              <a:solidFill>
-                <a:schemeClr val="tx1"/>
-              </a:solidFill>
-              <a:latin typeface="Consolas" pitchFamily="49" charset="0"/>
-              <a:cs typeface="Consolas" pitchFamily="49" charset="0"/>
-            </a:endParaRPr>
           </a:p>
           <a:p>
             <a:endParaRPr lang="en-US" sz="800" dirty="0" smtClean="0">

--- a/streams/docs/induction-state-2012/figures/fission-induction2.pptx
+++ b/streams/docs/induction-state-2012/figures/fission-induction2.pptx
@@ -5,10 +5,10 @@
     <p:sldMasterId id="2147483648" r:id="rId1"/>
   </p:sldMasterIdLst>
   <p:notesMasterIdLst>
-    <p:notesMasterId r:id="rId16"/>
+    <p:notesMasterId r:id="rId17"/>
   </p:notesMasterIdLst>
   <p:handoutMasterIdLst>
-    <p:handoutMasterId r:id="rId17"/>
+    <p:handoutMasterId r:id="rId18"/>
   </p:handoutMasterIdLst>
   <p:sldIdLst>
     <p:sldId id="256" r:id="rId2"/>
@@ -25,6 +25,7 @@
     <p:sldId id="271" r:id="rId13"/>
     <p:sldId id="272" r:id="rId14"/>
     <p:sldId id="273" r:id="rId15"/>
+    <p:sldId id="275" r:id="rId16"/>
   </p:sldIdLst>
   <p:sldSz cx="9144000" cy="6858000" type="screen4x3"/>
   <p:notesSz cx="6858000" cy="9144000"/>
@@ -195,19 +196,19 @@
                   <c:v>1</c:v>
                 </c:pt>
                 <c:pt idx="1">
-                  <c:v>1.9343555210800625</c:v>
+                  <c:v>1.9343555210800627</c:v>
                 </c:pt>
                 <c:pt idx="2">
-                  <c:v>3.6447244086907782</c:v>
+                  <c:v>3.6447244086907786</c:v>
                 </c:pt>
                 <c:pt idx="3">
-                  <c:v>6.4843573911028551</c:v>
+                  <c:v>6.484357391102856</c:v>
                 </c:pt>
                 <c:pt idx="4">
-                  <c:v>9.5511255711105623</c:v>
+                  <c:v>9.5511255711105605</c:v>
                 </c:pt>
                 <c:pt idx="5">
-                  <c:v>14.297470166327784</c:v>
+                  <c:v>14.297470166327782</c:v>
                 </c:pt>
               </c:numCache>
             </c:numRef>
@@ -273,7 +274,7 @@
                   <c:v>1</c:v>
                 </c:pt>
                 <c:pt idx="1">
-                  <c:v>1.7491123887382141</c:v>
+                  <c:v>1.7491123887382143</c:v>
                 </c:pt>
                 <c:pt idx="2">
                   <c:v>3.045638231832875</c:v>
@@ -282,10 +283,10 @@
                   <c:v>4.7995661490660284</c:v>
                 </c:pt>
                 <c:pt idx="4">
-                  <c:v>6.1025978249553452</c:v>
+                  <c:v>6.1025978249553443</c:v>
                 </c:pt>
                 <c:pt idx="5">
-                  <c:v>7.8810683159375658</c:v>
+                  <c:v>7.8810683159375676</c:v>
                 </c:pt>
               </c:numCache>
             </c:numRef>
@@ -346,17 +347,17 @@
                   <c:v>9.7092331395039562</c:v>
                 </c:pt>
                 <c:pt idx="5">
-                  <c:v>17.507005157023709</c:v>
+                  <c:v>17.507005157023713</c:v>
                 </c:pt>
               </c:numCache>
             </c:numRef>
           </c:yVal>
         </c:ser>
-        <c:axId val="62200832"/>
-        <c:axId val="62289024"/>
+        <c:axId val="99544064"/>
+        <c:axId val="99828864"/>
       </c:scatterChart>
       <c:valAx>
-        <c:axId val="62200832"/>
+        <c:axId val="99544064"/>
         <c:scaling>
           <c:logBase val="2"/>
           <c:orientation val="minMax"/>
@@ -382,12 +383,12 @@
         </c:title>
         <c:numFmt formatCode="General" sourceLinked="1"/>
         <c:tickLblPos val="nextTo"/>
-        <c:crossAx val="62289024"/>
+        <c:crossAx val="99828864"/>
         <c:crosses val="autoZero"/>
         <c:crossBetween val="midCat"/>
       </c:valAx>
       <c:valAx>
-        <c:axId val="62289024"/>
+        <c:axId val="99828864"/>
         <c:scaling>
           <c:orientation val="minMax"/>
         </c:scaling>
@@ -413,7 +414,7 @@
         </c:title>
         <c:numFmt formatCode="0" sourceLinked="0"/>
         <c:tickLblPos val="nextTo"/>
-        <c:crossAx val="62200832"/>
+        <c:crossAx val="99544064"/>
         <c:crosses val="autoZero"/>
         <c:crossBetween val="midCat"/>
       </c:valAx>
@@ -424,9 +425,9 @@
         <c:manualLayout>
           <c:xMode val="edge"/>
           <c:yMode val="edge"/>
-          <c:x val="0.20833333333333362"/>
+          <c:x val="0.20833333333333368"/>
           <c:y val="0.15702354913969091"/>
-          <c:w val="0.32047727162939044"/>
+          <c:w val="0.32047727162939055"/>
           <c:h val="0.21918682891911237"/>
         </c:manualLayout>
       </c:layout>
@@ -523,10 +524,10 @@
                   <c:v>5.2702175611566178</c:v>
                 </c:pt>
                 <c:pt idx="3">
-                  <c:v>9.9416298781992332</c:v>
+                  <c:v>9.9416298781992349</c:v>
                 </c:pt>
                 <c:pt idx="4">
-                  <c:v>16.725471522631096</c:v>
+                  <c:v>16.725471522631093</c:v>
                 </c:pt>
                 <c:pt idx="5">
                   <c:v>28.862103191902428</c:v>
@@ -595,7 +596,7 @@
                   <c:v>1</c:v>
                 </c:pt>
                 <c:pt idx="1">
-                  <c:v>1.9942542564666488</c:v>
+                  <c:v>1.994254256466649</c:v>
                 </c:pt>
                 <c:pt idx="2">
                   <c:v>2.0016707211033991</c:v>
@@ -604,10 +605,10 @@
                   <c:v>1.9932259008641109</c:v>
                 </c:pt>
                 <c:pt idx="4">
-                  <c:v>1.7774554824344737</c:v>
+                  <c:v>1.7774554824344735</c:v>
                 </c:pt>
                 <c:pt idx="5">
-                  <c:v>1.8261165712084639</c:v>
+                  <c:v>1.8261165712084642</c:v>
                 </c:pt>
               </c:numCache>
             </c:numRef>
@@ -665,7 +666,7 @@
                   <c:v>7.8333777903959554</c:v>
                 </c:pt>
                 <c:pt idx="4">
-                  <c:v>13.953025537110621</c:v>
+                  <c:v>13.953025537110623</c:v>
                 </c:pt>
                 <c:pt idx="5">
                   <c:v>28.651769002260796</c:v>
@@ -674,11 +675,11 @@
             </c:numRef>
           </c:yVal>
         </c:ser>
-        <c:axId val="62323328"/>
-        <c:axId val="62370560"/>
+        <c:axId val="99854976"/>
+        <c:axId val="99865344"/>
       </c:scatterChart>
       <c:valAx>
-        <c:axId val="62323328"/>
+        <c:axId val="99854976"/>
         <c:scaling>
           <c:logBase val="2"/>
           <c:orientation val="minMax"/>
@@ -704,12 +705,12 @@
         </c:title>
         <c:numFmt formatCode="General" sourceLinked="1"/>
         <c:tickLblPos val="nextTo"/>
-        <c:crossAx val="62370560"/>
+        <c:crossAx val="99865344"/>
         <c:crosses val="autoZero"/>
         <c:crossBetween val="midCat"/>
       </c:valAx>
       <c:valAx>
-        <c:axId val="62370560"/>
+        <c:axId val="99865344"/>
         <c:scaling>
           <c:orientation val="minMax"/>
         </c:scaling>
@@ -735,7 +736,7 @@
         </c:title>
         <c:numFmt formatCode="0" sourceLinked="0"/>
         <c:tickLblPos val="nextTo"/>
-        <c:crossAx val="62323328"/>
+        <c:crossAx val="99854976"/>
         <c:crosses val="autoZero"/>
         <c:crossBetween val="midCat"/>
       </c:valAx>
@@ -746,9 +747,9 @@
         <c:manualLayout>
           <c:xMode val="edge"/>
           <c:yMode val="edge"/>
-          <c:x val="0.20833333333333356"/>
+          <c:x val="0.20833333333333359"/>
           <c:y val="0.15702354913969091"/>
-          <c:w val="0.32047727162939027"/>
+          <c:w val="0.32047727162939038"/>
           <c:h val="0.21918682891911237"/>
         </c:manualLayout>
       </c:layout>
@@ -943,7 +944,7 @@
                   <c:v>1.05</c:v>
                 </c:pt>
                 <c:pt idx="2">
-                  <c:v>1.1499999999999999</c:v>
+                  <c:v>1.1499999999999997</c:v>
                 </c:pt>
                 <c:pt idx="3">
                   <c:v>1.35</c:v>
@@ -955,7 +956,7 @@
                   <c:v>2.5499999999999998</c:v>
                 </c:pt>
                 <c:pt idx="6">
-                  <c:v>4.1500000000000004</c:v>
+                  <c:v>4.1499999999999995</c:v>
                 </c:pt>
                 <c:pt idx="7">
                   <c:v>7.3500000000000005</c:v>
@@ -1048,7 +1049,7 @@
                   <c:v>1.45</c:v>
                 </c:pt>
                 <c:pt idx="5">
-                  <c:v>1.93</c:v>
+                  <c:v>1.9300000000000002</c:v>
                 </c:pt>
                 <c:pt idx="6">
                   <c:v>2.8899999999999997</c:v>
@@ -1057,10 +1058,10 @@
                   <c:v>4.8100000000000005</c:v>
                 </c:pt>
                 <c:pt idx="8">
-                  <c:v>8.6499999999999986</c:v>
+                  <c:v>8.65</c:v>
                 </c:pt>
                 <c:pt idx="9">
-                  <c:v>16.329999999999998</c:v>
+                  <c:v>16.329999999999995</c:v>
                 </c:pt>
               </c:numCache>
             </c:numRef>
@@ -1141,13 +1142,13 @@
                   <c:v>1.07</c:v>
                 </c:pt>
                 <c:pt idx="4">
-                  <c:v>1.1499999999999999</c:v>
+                  <c:v>1.1499999999999997</c:v>
                 </c:pt>
                 <c:pt idx="5">
                   <c:v>1.31</c:v>
                 </c:pt>
                 <c:pt idx="6">
-                  <c:v>1.63</c:v>
+                  <c:v>1.6300000000000001</c:v>
                 </c:pt>
                 <c:pt idx="7">
                   <c:v>2.27</c:v>
@@ -1156,18 +1157,18 @@
                   <c:v>3.5500000000000003</c:v>
                 </c:pt>
                 <c:pt idx="9">
-                  <c:v>6.11</c:v>
+                  <c:v>6.1099999999999994</c:v>
                 </c:pt>
               </c:numCache>
             </c:numRef>
           </c:val>
         </c:ser>
         <c:marker val="1"/>
-        <c:axId val="59959552"/>
-        <c:axId val="60023168"/>
+        <c:axId val="100225408"/>
+        <c:axId val="100227328"/>
       </c:lineChart>
       <c:catAx>
-        <c:axId val="59959552"/>
+        <c:axId val="100225408"/>
         <c:scaling>
           <c:orientation val="minMax"/>
         </c:scaling>
@@ -1192,14 +1193,14 @@
         </c:title>
         <c:numFmt formatCode="General" sourceLinked="1"/>
         <c:tickLblPos val="nextTo"/>
-        <c:crossAx val="60023168"/>
+        <c:crossAx val="100227328"/>
         <c:crosses val="autoZero"/>
         <c:auto val="1"/>
         <c:lblAlgn val="ctr"/>
         <c:lblOffset val="100"/>
       </c:catAx>
       <c:valAx>
-        <c:axId val="60023168"/>
+        <c:axId val="100227328"/>
         <c:scaling>
           <c:orientation val="minMax"/>
         </c:scaling>
@@ -1225,7 +1226,7 @@
         </c:title>
         <c:numFmt formatCode="0" sourceLinked="0"/>
         <c:tickLblPos val="nextTo"/>
-        <c:crossAx val="59959552"/>
+        <c:crossAx val="100225408"/>
         <c:crosses val="autoZero"/>
         <c:crossBetween val="between"/>
       </c:valAx>
@@ -1238,8 +1239,8 @@
           <c:yMode val="edge"/>
           <c:x val="0.2416666666666667"/>
           <c:y val="0.24460265383493729"/>
-          <c:w val="0.19484733158355211"/>
-          <c:h val="0.22532079323417897"/>
+          <c:w val="0.19484733158355214"/>
+          <c:h val="0.22532079323417895"/>
         </c:manualLayout>
       </c:layout>
       <c:overlay val="1"/>
@@ -7905,8 +7906,10 @@
                 <a:latin typeface="Consolas" pitchFamily="49" charset="0"/>
                 <a:cs typeface="Consolas" pitchFamily="49" charset="0"/>
               </a:rPr>
-              <a:t>         push 2 </a:t>
-            </a:r>
+              <a:t>         push 2 {</a:t>
+            </a:r>
+          </a:p>
+          <a:p>
             <a:r>
               <a:rPr lang="en-US" sz="800" dirty="0" smtClean="0">
                 <a:solidFill>
@@ -7915,8 +7918,10 @@
                 <a:latin typeface="Consolas" pitchFamily="49" charset="0"/>
                 <a:cs typeface="Consolas" pitchFamily="49" charset="0"/>
               </a:rPr>
-              <a:t>{</a:t>
-            </a:r>
+              <a:t>               ...</a:t>
+            </a:r>
+          </a:p>
+          <a:p>
             <a:endParaRPr lang="en-US" sz="800" dirty="0" smtClean="0">
               <a:solidFill>
                 <a:schemeClr val="tx1"/>
@@ -7934,7 +7939,17 @@
                 <a:latin typeface="Consolas" pitchFamily="49" charset="0"/>
                 <a:cs typeface="Consolas" pitchFamily="49" charset="0"/>
               </a:rPr>
-              <a:t>               </a:t>
+              <a:t>        </a:t>
+            </a:r>
+            <a:r>
+              <a:rPr lang="en-US" sz="800" dirty="0" err="1" smtClean="0">
+                <a:solidFill>
+                  <a:schemeClr val="tx1"/>
+                </a:solidFill>
+                <a:latin typeface="Consolas" pitchFamily="49" charset="0"/>
+                <a:cs typeface="Consolas" pitchFamily="49" charset="0"/>
+              </a:rPr>
+              <a:t>int</a:t>
             </a:r>
             <a:r>
               <a:rPr lang="en-US" sz="800" dirty="0" smtClean="0">
@@ -7944,19 +7959,18 @@
                 <a:latin typeface="Consolas" pitchFamily="49" charset="0"/>
                 <a:cs typeface="Consolas" pitchFamily="49" charset="0"/>
               </a:rPr>
-              <a:t>...</a:t>
-            </a:r>
-          </a:p>
-          <a:p>
-            <a:endParaRPr lang="en-US" sz="800" dirty="0" smtClean="0">
-              <a:solidFill>
-                <a:schemeClr val="tx1"/>
-              </a:solidFill>
-              <a:latin typeface="Consolas" pitchFamily="49" charset="0"/>
-              <a:cs typeface="Consolas" pitchFamily="49" charset="0"/>
-            </a:endParaRPr>
-          </a:p>
-          <a:p>
+              <a:t> </a:t>
+            </a:r>
+            <a:r>
+              <a:rPr lang="en-US" sz="800" dirty="0" err="1" smtClean="0">
+                <a:solidFill>
+                  <a:schemeClr val="tx1"/>
+                </a:solidFill>
+                <a:latin typeface="Consolas" pitchFamily="49" charset="0"/>
+                <a:cs typeface="Consolas" pitchFamily="49" charset="0"/>
+              </a:rPr>
+              <a:t>framecount</a:t>
+            </a:r>
             <a:r>
               <a:rPr lang="en-US" sz="800" dirty="0" smtClean="0">
                 <a:solidFill>
@@ -7965,7 +7979,7 @@
                 <a:latin typeface="Consolas" pitchFamily="49" charset="0"/>
                 <a:cs typeface="Consolas" pitchFamily="49" charset="0"/>
               </a:rPr>
-              <a:t>        </a:t>
+              <a:t> = </a:t>
             </a:r>
             <a:r>
               <a:rPr lang="en-US" sz="800" dirty="0" err="1" smtClean="0">
@@ -7975,7 +7989,7 @@
                 <a:latin typeface="Consolas" pitchFamily="49" charset="0"/>
                 <a:cs typeface="Consolas" pitchFamily="49" charset="0"/>
               </a:rPr>
-              <a:t>int</a:t>
+              <a:t>frameno</a:t>
             </a:r>
             <a:r>
               <a:rPr lang="en-US" sz="800" dirty="0" smtClean="0">
@@ -7985,7 +7999,19 @@
                 <a:latin typeface="Consolas" pitchFamily="49" charset="0"/>
                 <a:cs typeface="Consolas" pitchFamily="49" charset="0"/>
               </a:rPr>
-              <a:t> </a:t>
+              <a:t> % 12;</a:t>
+            </a:r>
+          </a:p>
+          <a:p>
+            <a:r>
+              <a:rPr lang="en-US" sz="800" dirty="0" smtClean="0">
+                <a:solidFill>
+                  <a:schemeClr val="tx1"/>
+                </a:solidFill>
+                <a:latin typeface="Consolas" pitchFamily="49" charset="0"/>
+                <a:cs typeface="Consolas" pitchFamily="49" charset="0"/>
+              </a:rPr>
+              <a:t>        if (</a:t>
             </a:r>
             <a:r>
               <a:rPr lang="en-US" sz="800" dirty="0" err="1" smtClean="0">
@@ -8005,18 +8031,10 @@
                 <a:latin typeface="Consolas" pitchFamily="49" charset="0"/>
                 <a:cs typeface="Consolas" pitchFamily="49" charset="0"/>
               </a:rPr>
-              <a:t> = </a:t>
-            </a:r>
-            <a:r>
-              <a:rPr lang="en-US" sz="800" dirty="0" err="1" smtClean="0">
-                <a:solidFill>
-                  <a:schemeClr val="tx1"/>
-                </a:solidFill>
-                <a:latin typeface="Consolas" pitchFamily="49" charset="0"/>
-                <a:cs typeface="Consolas" pitchFamily="49" charset="0"/>
-              </a:rPr>
-              <a:t>frameno</a:t>
-            </a:r>
+              <a:t> == 0) {</a:t>
+            </a:r>
+          </a:p>
+          <a:p>
             <a:r>
               <a:rPr lang="en-US" sz="800" dirty="0" smtClean="0">
                 <a:solidFill>
@@ -8025,7 +8043,7 @@
                 <a:latin typeface="Consolas" pitchFamily="49" charset="0"/>
                 <a:cs typeface="Consolas" pitchFamily="49" charset="0"/>
               </a:rPr>
-              <a:t> % 12;</a:t>
+              <a:t>               ...</a:t>
             </a:r>
           </a:p>
           <a:p>
@@ -8037,79 +8055,8 @@
                 <a:latin typeface="Consolas" pitchFamily="49" charset="0"/>
                 <a:cs typeface="Consolas" pitchFamily="49" charset="0"/>
               </a:rPr>
-              <a:t>        if (</a:t>
-            </a:r>
-            <a:r>
-              <a:rPr lang="en-US" sz="800" dirty="0" err="1" smtClean="0">
-                <a:solidFill>
-                  <a:schemeClr val="tx1"/>
-                </a:solidFill>
-                <a:latin typeface="Consolas" pitchFamily="49" charset="0"/>
-                <a:cs typeface="Consolas" pitchFamily="49" charset="0"/>
-              </a:rPr>
-              <a:t>framecount</a:t>
-            </a:r>
-            <a:r>
-              <a:rPr lang="en-US" sz="800" dirty="0" smtClean="0">
-                <a:solidFill>
-                  <a:schemeClr val="tx1"/>
-                </a:solidFill>
-                <a:latin typeface="Consolas" pitchFamily="49" charset="0"/>
-                <a:cs typeface="Consolas" pitchFamily="49" charset="0"/>
-              </a:rPr>
-              <a:t> == 0) {</a:t>
-            </a:r>
-          </a:p>
-          <a:p>
-            <a:r>
-              <a:rPr lang="en-US" sz="800" dirty="0" smtClean="0">
-                <a:solidFill>
-                  <a:schemeClr val="tx1"/>
-                </a:solidFill>
-                <a:latin typeface="Consolas" pitchFamily="49" charset="0"/>
-                <a:cs typeface="Consolas" pitchFamily="49" charset="0"/>
-              </a:rPr>
-              <a:t>               ...</a:t>
-            </a:r>
-          </a:p>
-          <a:p>
-            <a:r>
-              <a:rPr lang="en-US" sz="800" dirty="0" smtClean="0">
-                <a:solidFill>
-                  <a:schemeClr val="tx1"/>
-                </a:solidFill>
-                <a:latin typeface="Consolas" pitchFamily="49" charset="0"/>
-                <a:cs typeface="Consolas" pitchFamily="49" charset="0"/>
-              </a:rPr>
-              <a:t> </a:t>
-            </a:r>
-            <a:r>
-              <a:rPr lang="en-US" sz="800" dirty="0" smtClean="0">
-                <a:solidFill>
-                  <a:schemeClr val="tx1"/>
-                </a:solidFill>
-                <a:latin typeface="Consolas" pitchFamily="49" charset="0"/>
-                <a:cs typeface="Consolas" pitchFamily="49" charset="0"/>
-              </a:rPr>
-              <a:t>       </a:t>
-            </a:r>
-            <a:r>
-              <a:rPr lang="en-US" sz="800" dirty="0" smtClean="0">
-                <a:solidFill>
-                  <a:schemeClr val="tx1"/>
-                </a:solidFill>
-                <a:latin typeface="Consolas" pitchFamily="49" charset="0"/>
-                <a:cs typeface="Consolas" pitchFamily="49" charset="0"/>
-              </a:rPr>
-              <a:t>}</a:t>
-            </a:r>
-            <a:endParaRPr lang="en-US" sz="800" dirty="0" smtClean="0">
-              <a:solidFill>
-                <a:schemeClr val="tx1"/>
-              </a:solidFill>
-              <a:latin typeface="Consolas" pitchFamily="49" charset="0"/>
-              <a:cs typeface="Consolas" pitchFamily="49" charset="0"/>
-            </a:endParaRPr>
+              <a:t>        }</a:t>
+            </a:r>
           </a:p>
           <a:p>
             <a:r>
@@ -9433,6 +9380,31 @@
           </a:p>
         </p:txBody>
       </p:sp>
+    </p:spTree>
+  </p:cSld>
+  <p:clrMapOvr>
+    <a:masterClrMapping/>
+  </p:clrMapOvr>
+</p:sld>
+</file>
+
+<file path=ppt/slides/slide15.xml><?xml version="1.0" encoding="utf-8"?>
+<p:sld xmlns:a="http://schemas.openxmlformats.org/drawingml/2006/main" xmlns:r="http://schemas.openxmlformats.org/officeDocument/2006/relationships" xmlns:p="http://schemas.openxmlformats.org/presentationml/2006/main">
+  <p:cSld>
+    <p:spTree>
+      <p:nvGrpSpPr>
+        <p:cNvPr id="1" name=""/>
+        <p:cNvGrpSpPr/>
+        <p:nvPr/>
+      </p:nvGrpSpPr>
+      <p:grpSpPr>
+        <a:xfrm>
+          <a:off x="0" y="0"/>
+          <a:ext cx="0" cy="0"/>
+          <a:chOff x="0" y="0"/>
+          <a:chExt cx="0" cy="0"/>
+        </a:xfrm>
+      </p:grpSpPr>
     </p:spTree>
   </p:cSld>
   <p:clrMapOvr>
